--- a/CheetSheet.pptx
+++ b/CheetSheet.pptx
@@ -2,18 +2,21 @@
 <file path=ppt/presentation.xml><?xml version="1.0" encoding="utf-8"?>
 <p:presentation xmlns:a="http://schemas.openxmlformats.org/drawingml/2006/main" xmlns:r="http://schemas.openxmlformats.org/officeDocument/2006/relationships" xmlns:p="http://schemas.openxmlformats.org/presentationml/2006/main" saveSubsetFonts="1" autoCompressPictures="0">
   <p:sldMasterIdLst>
-    <p:sldMasterId id="2147483648" r:id="rId1"/>
+    <p:sldMasterId id="2147483696" r:id="rId1"/>
   </p:sldMasterIdLst>
+  <p:notesMasterIdLst>
+    <p:notesMasterId r:id="rId3"/>
+  </p:notesMasterIdLst>
   <p:sldIdLst>
     <p:sldId id="256" r:id="rId2"/>
   </p:sldIdLst>
-  <p:sldSz cx="12192000" cy="6858000"/>
+  <p:sldSz cx="6858000" cy="9906000" type="A4"/>
   <p:notesSz cx="6858000" cy="9144000"/>
   <p:defaultTextStyle>
     <a:defPPr>
-      <a:defRPr lang="en-CN"/>
+      <a:defRPr lang="en-US"/>
     </a:defPPr>
-    <a:lvl1pPr marL="0" algn="l" defTabSz="914400" rtl="0" eaLnBrk="1" latinLnBrk="0" hangingPunct="1">
+    <a:lvl1pPr marL="0" algn="l" defTabSz="457200" rtl="0" eaLnBrk="1" latinLnBrk="0" hangingPunct="1">
       <a:defRPr sz="1800" kern="1200">
         <a:solidFill>
           <a:schemeClr val="tx1"/>
@@ -23,7 +26,7 @@
         <a:cs typeface="+mn-cs"/>
       </a:defRPr>
     </a:lvl1pPr>
-    <a:lvl2pPr marL="457200" algn="l" defTabSz="914400" rtl="0" eaLnBrk="1" latinLnBrk="0" hangingPunct="1">
+    <a:lvl2pPr marL="457200" algn="l" defTabSz="457200" rtl="0" eaLnBrk="1" latinLnBrk="0" hangingPunct="1">
       <a:defRPr sz="1800" kern="1200">
         <a:solidFill>
           <a:schemeClr val="tx1"/>
@@ -33,7 +36,7 @@
         <a:cs typeface="+mn-cs"/>
       </a:defRPr>
     </a:lvl2pPr>
-    <a:lvl3pPr marL="914400" algn="l" defTabSz="914400" rtl="0" eaLnBrk="1" latinLnBrk="0" hangingPunct="1">
+    <a:lvl3pPr marL="914400" algn="l" defTabSz="457200" rtl="0" eaLnBrk="1" latinLnBrk="0" hangingPunct="1">
       <a:defRPr sz="1800" kern="1200">
         <a:solidFill>
           <a:schemeClr val="tx1"/>
@@ -43,7 +46,7 @@
         <a:cs typeface="+mn-cs"/>
       </a:defRPr>
     </a:lvl3pPr>
-    <a:lvl4pPr marL="1371600" algn="l" defTabSz="914400" rtl="0" eaLnBrk="1" latinLnBrk="0" hangingPunct="1">
+    <a:lvl4pPr marL="1371600" algn="l" defTabSz="457200" rtl="0" eaLnBrk="1" latinLnBrk="0" hangingPunct="1">
       <a:defRPr sz="1800" kern="1200">
         <a:solidFill>
           <a:schemeClr val="tx1"/>
@@ -53,7 +56,7 @@
         <a:cs typeface="+mn-cs"/>
       </a:defRPr>
     </a:lvl4pPr>
-    <a:lvl5pPr marL="1828800" algn="l" defTabSz="914400" rtl="0" eaLnBrk="1" latinLnBrk="0" hangingPunct="1">
+    <a:lvl5pPr marL="1828800" algn="l" defTabSz="457200" rtl="0" eaLnBrk="1" latinLnBrk="0" hangingPunct="1">
       <a:defRPr sz="1800" kern="1200">
         <a:solidFill>
           <a:schemeClr val="tx1"/>
@@ -63,7 +66,7 @@
         <a:cs typeface="+mn-cs"/>
       </a:defRPr>
     </a:lvl5pPr>
-    <a:lvl6pPr marL="2286000" algn="l" defTabSz="914400" rtl="0" eaLnBrk="1" latinLnBrk="0" hangingPunct="1">
+    <a:lvl6pPr marL="2286000" algn="l" defTabSz="457200" rtl="0" eaLnBrk="1" latinLnBrk="0" hangingPunct="1">
       <a:defRPr sz="1800" kern="1200">
         <a:solidFill>
           <a:schemeClr val="tx1"/>
@@ -73,7 +76,7 @@
         <a:cs typeface="+mn-cs"/>
       </a:defRPr>
     </a:lvl6pPr>
-    <a:lvl7pPr marL="2743200" algn="l" defTabSz="914400" rtl="0" eaLnBrk="1" latinLnBrk="0" hangingPunct="1">
+    <a:lvl7pPr marL="2743200" algn="l" defTabSz="457200" rtl="0" eaLnBrk="1" latinLnBrk="0" hangingPunct="1">
       <a:defRPr sz="1800" kern="1200">
         <a:solidFill>
           <a:schemeClr val="tx1"/>
@@ -83,7 +86,7 @@
         <a:cs typeface="+mn-cs"/>
       </a:defRPr>
     </a:lvl7pPr>
-    <a:lvl8pPr marL="3200400" algn="l" defTabSz="914400" rtl="0" eaLnBrk="1" latinLnBrk="0" hangingPunct="1">
+    <a:lvl8pPr marL="3200400" algn="l" defTabSz="457200" rtl="0" eaLnBrk="1" latinLnBrk="0" hangingPunct="1">
       <a:defRPr sz="1800" kern="1200">
         <a:solidFill>
           <a:schemeClr val="tx1"/>
@@ -93,7 +96,7 @@
         <a:cs typeface="+mn-cs"/>
       </a:defRPr>
     </a:lvl8pPr>
-    <a:lvl9pPr marL="3657600" algn="l" defTabSz="914400" rtl="0" eaLnBrk="1" latinLnBrk="0" hangingPunct="1">
+    <a:lvl9pPr marL="3657600" algn="l" defTabSz="457200" rtl="0" eaLnBrk="1" latinLnBrk="0" hangingPunct="1">
       <a:defRPr sz="1800" kern="1200">
         <a:solidFill>
           <a:schemeClr val="tx1"/>
@@ -110,6 +113,445 @@
     </p:ext>
   </p:extLst>
 </p:presentation>
+</file>
+
+<file path=ppt/notesMasters/notesMaster1.xml><?xml version="1.0" encoding="utf-8"?>
+<p:notesMaster xmlns:a="http://schemas.openxmlformats.org/drawingml/2006/main" xmlns:r="http://schemas.openxmlformats.org/officeDocument/2006/relationships" xmlns:p="http://schemas.openxmlformats.org/presentationml/2006/main">
+  <p:cSld>
+    <p:bg>
+      <p:bgRef idx="1001">
+        <a:schemeClr val="bg1"/>
+      </p:bgRef>
+    </p:bg>
+    <p:spTree>
+      <p:nvGrpSpPr>
+        <p:cNvPr id="1" name=""/>
+        <p:cNvGrpSpPr/>
+        <p:nvPr/>
+      </p:nvGrpSpPr>
+      <p:grpSpPr>
+        <a:xfrm>
+          <a:off x="0" y="0"/>
+          <a:ext cx="0" cy="0"/>
+          <a:chOff x="0" y="0"/>
+          <a:chExt cx="0" cy="0"/>
+        </a:xfrm>
+      </p:grpSpPr>
+      <p:sp>
+        <p:nvSpPr>
+          <p:cNvPr id="2" name="Header Placeholder 1"/>
+          <p:cNvSpPr>
+            <a:spLocks noGrp="1"/>
+          </p:cNvSpPr>
+          <p:nvPr>
+            <p:ph type="hdr" sz="quarter"/>
+          </p:nvPr>
+        </p:nvSpPr>
+        <p:spPr>
+          <a:xfrm>
+            <a:off x="0" y="1"/>
+            <a:ext cx="2971800" cy="458788"/>
+          </a:xfrm>
+          <a:prstGeom prst="rect">
+            <a:avLst/>
+          </a:prstGeom>
+        </p:spPr>
+        <p:txBody>
+          <a:bodyPr vert="horz" lIns="91440" tIns="45720" rIns="91440" bIns="45720" rtlCol="0"/>
+          <a:lstStyle>
+            <a:lvl1pPr algn="l">
+              <a:defRPr sz="1200"/>
+            </a:lvl1pPr>
+          </a:lstStyle>
+          <a:p>
+            <a:endParaRPr lang="en-CN"/>
+          </a:p>
+        </p:txBody>
+      </p:sp>
+      <p:sp>
+        <p:nvSpPr>
+          <p:cNvPr id="3" name="Date Placeholder 2"/>
+          <p:cNvSpPr>
+            <a:spLocks noGrp="1"/>
+          </p:cNvSpPr>
+          <p:nvPr>
+            <p:ph type="dt" idx="1"/>
+          </p:nvPr>
+        </p:nvSpPr>
+        <p:spPr>
+          <a:xfrm>
+            <a:off x="3884613" y="1"/>
+            <a:ext cx="2971800" cy="458788"/>
+          </a:xfrm>
+          <a:prstGeom prst="rect">
+            <a:avLst/>
+          </a:prstGeom>
+        </p:spPr>
+        <p:txBody>
+          <a:bodyPr vert="horz" lIns="91440" tIns="45720" rIns="91440" bIns="45720" rtlCol="0"/>
+          <a:lstStyle>
+            <a:lvl1pPr algn="r">
+              <a:defRPr sz="1200"/>
+            </a:lvl1pPr>
+          </a:lstStyle>
+          <a:p>
+            <a:fld id="{9071F0B0-1890-FD47-B8C0-0E8DD99AB1EB}" type="datetimeFigureOut">
+              <a:rPr lang="en-CN" smtClean="0"/>
+              <a:t>2024/11/18</a:t>
+            </a:fld>
+            <a:endParaRPr lang="en-CN"/>
+          </a:p>
+        </p:txBody>
+      </p:sp>
+      <p:sp>
+        <p:nvSpPr>
+          <p:cNvPr id="4" name="Slide Image Placeholder 3"/>
+          <p:cNvSpPr>
+            <a:spLocks noGrp="1" noRot="1" noChangeAspect="1"/>
+          </p:cNvSpPr>
+          <p:nvPr>
+            <p:ph type="sldImg" idx="2"/>
+          </p:nvPr>
+        </p:nvSpPr>
+        <p:spPr>
+          <a:xfrm>
+            <a:off x="2360613" y="1143000"/>
+            <a:ext cx="2136775" cy="3086100"/>
+          </a:xfrm>
+          <a:prstGeom prst="rect">
+            <a:avLst/>
+          </a:prstGeom>
+          <a:noFill/>
+          <a:ln w="12700">
+            <a:solidFill>
+              <a:prstClr val="black"/>
+            </a:solidFill>
+          </a:ln>
+        </p:spPr>
+        <p:txBody>
+          <a:bodyPr vert="horz" lIns="91440" tIns="45720" rIns="91440" bIns="45720" rtlCol="0" anchor="ctr"/>
+          <a:lstStyle/>
+          <a:p>
+            <a:endParaRPr lang="en-CN"/>
+          </a:p>
+        </p:txBody>
+      </p:sp>
+      <p:sp>
+        <p:nvSpPr>
+          <p:cNvPr id="5" name="Notes Placeholder 4"/>
+          <p:cNvSpPr>
+            <a:spLocks noGrp="1"/>
+          </p:cNvSpPr>
+          <p:nvPr>
+            <p:ph type="body" sz="quarter" idx="3"/>
+          </p:nvPr>
+        </p:nvSpPr>
+        <p:spPr>
+          <a:xfrm>
+            <a:off x="685800" y="4400549"/>
+            <a:ext cx="5486400" cy="3600451"/>
+          </a:xfrm>
+          <a:prstGeom prst="rect">
+            <a:avLst/>
+          </a:prstGeom>
+        </p:spPr>
+        <p:txBody>
+          <a:bodyPr vert="horz" lIns="91440" tIns="45720" rIns="91440" bIns="45720" rtlCol="0"/>
+          <a:lstStyle/>
+          <a:p>
+            <a:pPr lvl="0"/>
+            <a:r>
+              <a:rPr lang="en-US"/>
+              <a:t>Click to edit Master text styles</a:t>
+            </a:r>
+          </a:p>
+          <a:p>
+            <a:pPr lvl="1"/>
+            <a:r>
+              <a:rPr lang="en-US"/>
+              <a:t>Second level</a:t>
+            </a:r>
+          </a:p>
+          <a:p>
+            <a:pPr lvl="2"/>
+            <a:r>
+              <a:rPr lang="en-US"/>
+              <a:t>Third level</a:t>
+            </a:r>
+          </a:p>
+          <a:p>
+            <a:pPr lvl="3"/>
+            <a:r>
+              <a:rPr lang="en-US"/>
+              <a:t>Fourth level</a:t>
+            </a:r>
+          </a:p>
+          <a:p>
+            <a:pPr lvl="4"/>
+            <a:r>
+              <a:rPr lang="en-US"/>
+              <a:t>Fifth level</a:t>
+            </a:r>
+            <a:endParaRPr lang="en-CN"/>
+          </a:p>
+        </p:txBody>
+      </p:sp>
+      <p:sp>
+        <p:nvSpPr>
+          <p:cNvPr id="6" name="Footer Placeholder 5"/>
+          <p:cNvSpPr>
+            <a:spLocks noGrp="1"/>
+          </p:cNvSpPr>
+          <p:nvPr>
+            <p:ph type="ftr" sz="quarter" idx="4"/>
+          </p:nvPr>
+        </p:nvSpPr>
+        <p:spPr>
+          <a:xfrm>
+            <a:off x="0" y="8685213"/>
+            <a:ext cx="2971800" cy="458787"/>
+          </a:xfrm>
+          <a:prstGeom prst="rect">
+            <a:avLst/>
+          </a:prstGeom>
+        </p:spPr>
+        <p:txBody>
+          <a:bodyPr vert="horz" lIns="91440" tIns="45720" rIns="91440" bIns="45720" rtlCol="0" anchor="b"/>
+          <a:lstStyle>
+            <a:lvl1pPr algn="l">
+              <a:defRPr sz="1200"/>
+            </a:lvl1pPr>
+          </a:lstStyle>
+          <a:p>
+            <a:endParaRPr lang="en-CN"/>
+          </a:p>
+        </p:txBody>
+      </p:sp>
+      <p:sp>
+        <p:nvSpPr>
+          <p:cNvPr id="7" name="Slide Number Placeholder 6"/>
+          <p:cNvSpPr>
+            <a:spLocks noGrp="1"/>
+          </p:cNvSpPr>
+          <p:nvPr>
+            <p:ph type="sldNum" sz="quarter" idx="5"/>
+          </p:nvPr>
+        </p:nvSpPr>
+        <p:spPr>
+          <a:xfrm>
+            <a:off x="3884613" y="8685213"/>
+            <a:ext cx="2971800" cy="458787"/>
+          </a:xfrm>
+          <a:prstGeom prst="rect">
+            <a:avLst/>
+          </a:prstGeom>
+        </p:spPr>
+        <p:txBody>
+          <a:bodyPr vert="horz" lIns="91440" tIns="45720" rIns="91440" bIns="45720" rtlCol="0" anchor="b"/>
+          <a:lstStyle>
+            <a:lvl1pPr algn="r">
+              <a:defRPr sz="1200"/>
+            </a:lvl1pPr>
+          </a:lstStyle>
+          <a:p>
+            <a:fld id="{C998BB67-182C-0741-A4B8-8D984A05524A}" type="slidenum">
+              <a:rPr lang="en-CN" smtClean="0"/>
+              <a:t>‹#›</a:t>
+            </a:fld>
+            <a:endParaRPr lang="en-CN"/>
+          </a:p>
+        </p:txBody>
+      </p:sp>
+    </p:spTree>
+    <p:extLst>
+      <p:ext uri="{BB962C8B-B14F-4D97-AF65-F5344CB8AC3E}">
+        <p14:creationId xmlns:p14="http://schemas.microsoft.com/office/powerpoint/2010/main" val="890309624"/>
+      </p:ext>
+    </p:extLst>
+  </p:cSld>
+  <p:clrMap bg1="lt1" tx1="dk1" bg2="lt2" tx2="dk2" accent1="accent1" accent2="accent2" accent3="accent3" accent4="accent4" accent5="accent5" accent6="accent6" hlink="hlink" folHlink="folHlink"/>
+  <p:notesStyle>
+    <a:lvl1pPr marL="0" algn="l" defTabSz="914400" rtl="0" eaLnBrk="1" latinLnBrk="0" hangingPunct="1">
+      <a:defRPr sz="1200" kern="1200">
+        <a:solidFill>
+          <a:schemeClr val="tx1"/>
+        </a:solidFill>
+        <a:latin typeface="+mn-lt"/>
+        <a:ea typeface="+mn-ea"/>
+        <a:cs typeface="+mn-cs"/>
+      </a:defRPr>
+    </a:lvl1pPr>
+    <a:lvl2pPr marL="457200" algn="l" defTabSz="914400" rtl="0" eaLnBrk="1" latinLnBrk="0" hangingPunct="1">
+      <a:defRPr sz="1200" kern="1200">
+        <a:solidFill>
+          <a:schemeClr val="tx1"/>
+        </a:solidFill>
+        <a:latin typeface="+mn-lt"/>
+        <a:ea typeface="+mn-ea"/>
+        <a:cs typeface="+mn-cs"/>
+      </a:defRPr>
+    </a:lvl2pPr>
+    <a:lvl3pPr marL="914400" algn="l" defTabSz="914400" rtl="0" eaLnBrk="1" latinLnBrk="0" hangingPunct="1">
+      <a:defRPr sz="1200" kern="1200">
+        <a:solidFill>
+          <a:schemeClr val="tx1"/>
+        </a:solidFill>
+        <a:latin typeface="+mn-lt"/>
+        <a:ea typeface="+mn-ea"/>
+        <a:cs typeface="+mn-cs"/>
+      </a:defRPr>
+    </a:lvl3pPr>
+    <a:lvl4pPr marL="1371600" algn="l" defTabSz="914400" rtl="0" eaLnBrk="1" latinLnBrk="0" hangingPunct="1">
+      <a:defRPr sz="1200" kern="1200">
+        <a:solidFill>
+          <a:schemeClr val="tx1"/>
+        </a:solidFill>
+        <a:latin typeface="+mn-lt"/>
+        <a:ea typeface="+mn-ea"/>
+        <a:cs typeface="+mn-cs"/>
+      </a:defRPr>
+    </a:lvl4pPr>
+    <a:lvl5pPr marL="1828800" algn="l" defTabSz="914400" rtl="0" eaLnBrk="1" latinLnBrk="0" hangingPunct="1">
+      <a:defRPr sz="1200" kern="1200">
+        <a:solidFill>
+          <a:schemeClr val="tx1"/>
+        </a:solidFill>
+        <a:latin typeface="+mn-lt"/>
+        <a:ea typeface="+mn-ea"/>
+        <a:cs typeface="+mn-cs"/>
+      </a:defRPr>
+    </a:lvl5pPr>
+    <a:lvl6pPr marL="2286000" algn="l" defTabSz="914400" rtl="0" eaLnBrk="1" latinLnBrk="0" hangingPunct="1">
+      <a:defRPr sz="1200" kern="1200">
+        <a:solidFill>
+          <a:schemeClr val="tx1"/>
+        </a:solidFill>
+        <a:latin typeface="+mn-lt"/>
+        <a:ea typeface="+mn-ea"/>
+        <a:cs typeface="+mn-cs"/>
+      </a:defRPr>
+    </a:lvl6pPr>
+    <a:lvl7pPr marL="2743200" algn="l" defTabSz="914400" rtl="0" eaLnBrk="1" latinLnBrk="0" hangingPunct="1">
+      <a:defRPr sz="1200" kern="1200">
+        <a:solidFill>
+          <a:schemeClr val="tx1"/>
+        </a:solidFill>
+        <a:latin typeface="+mn-lt"/>
+        <a:ea typeface="+mn-ea"/>
+        <a:cs typeface="+mn-cs"/>
+      </a:defRPr>
+    </a:lvl7pPr>
+    <a:lvl8pPr marL="3200400" algn="l" defTabSz="914400" rtl="0" eaLnBrk="1" latinLnBrk="0" hangingPunct="1">
+      <a:defRPr sz="1200" kern="1200">
+        <a:solidFill>
+          <a:schemeClr val="tx1"/>
+        </a:solidFill>
+        <a:latin typeface="+mn-lt"/>
+        <a:ea typeface="+mn-ea"/>
+        <a:cs typeface="+mn-cs"/>
+      </a:defRPr>
+    </a:lvl8pPr>
+    <a:lvl9pPr marL="3657600" algn="l" defTabSz="914400" rtl="0" eaLnBrk="1" latinLnBrk="0" hangingPunct="1">
+      <a:defRPr sz="1200" kern="1200">
+        <a:solidFill>
+          <a:schemeClr val="tx1"/>
+        </a:solidFill>
+        <a:latin typeface="+mn-lt"/>
+        <a:ea typeface="+mn-ea"/>
+        <a:cs typeface="+mn-cs"/>
+      </a:defRPr>
+    </a:lvl9pPr>
+  </p:notesStyle>
+</p:notesMaster>
+</file>
+
+<file path=ppt/notesSlides/notesSlide1.xml><?xml version="1.0" encoding="utf-8"?>
+<p:notes xmlns:a="http://schemas.openxmlformats.org/drawingml/2006/main" xmlns:r="http://schemas.openxmlformats.org/officeDocument/2006/relationships" xmlns:p="http://schemas.openxmlformats.org/presentationml/2006/main">
+  <p:cSld>
+    <p:spTree>
+      <p:nvGrpSpPr>
+        <p:cNvPr id="1" name=""/>
+        <p:cNvGrpSpPr/>
+        <p:nvPr/>
+      </p:nvGrpSpPr>
+      <p:grpSpPr>
+        <a:xfrm>
+          <a:off x="0" y="0"/>
+          <a:ext cx="0" cy="0"/>
+          <a:chOff x="0" y="0"/>
+          <a:chExt cx="0" cy="0"/>
+        </a:xfrm>
+      </p:grpSpPr>
+      <p:sp>
+        <p:nvSpPr>
+          <p:cNvPr id="2" name="Slide Image Placeholder 1"/>
+          <p:cNvSpPr>
+            <a:spLocks noGrp="1" noRot="1" noChangeAspect="1"/>
+          </p:cNvSpPr>
+          <p:nvPr>
+            <p:ph type="sldImg"/>
+          </p:nvPr>
+        </p:nvSpPr>
+        <p:spPr>
+          <a:xfrm>
+            <a:off x="2360613" y="1143000"/>
+            <a:ext cx="2136775" cy="3086100"/>
+          </a:xfrm>
+        </p:spPr>
+      </p:sp>
+      <p:sp>
+        <p:nvSpPr>
+          <p:cNvPr id="3" name="Notes Placeholder 2"/>
+          <p:cNvSpPr>
+            <a:spLocks noGrp="1"/>
+          </p:cNvSpPr>
+          <p:nvPr>
+            <p:ph type="body" idx="1"/>
+          </p:nvPr>
+        </p:nvSpPr>
+        <p:spPr/>
+        <p:txBody>
+          <a:bodyPr/>
+          <a:lstStyle/>
+          <a:p>
+            <a:endParaRPr lang="en-CN" dirty="0"/>
+          </a:p>
+        </p:txBody>
+      </p:sp>
+      <p:sp>
+        <p:nvSpPr>
+          <p:cNvPr id="4" name="Slide Number Placeholder 3"/>
+          <p:cNvSpPr>
+            <a:spLocks noGrp="1"/>
+          </p:cNvSpPr>
+          <p:nvPr>
+            <p:ph type="sldNum" sz="quarter" idx="5"/>
+          </p:nvPr>
+        </p:nvSpPr>
+        <p:spPr/>
+        <p:txBody>
+          <a:bodyPr/>
+          <a:lstStyle/>
+          <a:p>
+            <a:fld id="{C998BB67-182C-0741-A4B8-8D984A05524A}" type="slidenum">
+              <a:rPr lang="en-CN" smtClean="0"/>
+              <a:t>1</a:t>
+            </a:fld>
+            <a:endParaRPr lang="en-CN"/>
+          </a:p>
+        </p:txBody>
+      </p:sp>
+    </p:spTree>
+    <p:extLst>
+      <p:ext uri="{BB962C8B-B14F-4D97-AF65-F5344CB8AC3E}">
+        <p14:creationId xmlns:p14="http://schemas.microsoft.com/office/powerpoint/2010/main" val="2422889626"/>
+      </p:ext>
+    </p:extLst>
+  </p:cSld>
+  <p:clrMapOvr>
+    <a:masterClrMapping/>
+  </p:clrMapOvr>
+</p:notes>
 </file>
 
 <file path=ppt/slideLayouts/slideLayout1.xml><?xml version="1.0" encoding="utf-8"?>
@@ -131,13 +573,7 @@
       </p:grpSpPr>
       <p:sp>
         <p:nvSpPr>
-          <p:cNvPr id="2" name="Title 1">
-            <a:extLst>
-              <a:ext uri="{FF2B5EF4-FFF2-40B4-BE49-F238E27FC236}">
-                <a16:creationId xmlns:a16="http://schemas.microsoft.com/office/drawing/2014/main" id="{D153B2D8-5CB8-58E5-56F4-9C095147E8C4}"/>
-              </a:ext>
-            </a:extLst>
-          </p:cNvPr>
+          <p:cNvPr id="2" name="Title 1"/>
           <p:cNvSpPr>
             <a:spLocks noGrp="1"/>
           </p:cNvSpPr>
@@ -147,15 +583,15 @@
         </p:nvSpPr>
         <p:spPr>
           <a:xfrm>
-            <a:off x="1524000" y="1122363"/>
-            <a:ext cx="9144000" cy="2387600"/>
+            <a:off x="514350" y="1621191"/>
+            <a:ext cx="5829300" cy="3448756"/>
           </a:xfrm>
         </p:spPr>
         <p:txBody>
           <a:bodyPr anchor="b"/>
           <a:lstStyle>
             <a:lvl1pPr algn="ctr">
-              <a:defRPr sz="6000"/>
+              <a:defRPr sz="4499"/>
             </a:lvl1pPr>
           </a:lstStyle>
           <a:p>
@@ -163,19 +599,13 @@
               <a:rPr lang="en-US"/>
               <a:t>Click to edit Master title style</a:t>
             </a:r>
-            <a:endParaRPr lang="en-CN"/>
+            <a:endParaRPr lang="en-US" dirty="0"/>
           </a:p>
         </p:txBody>
       </p:sp>
       <p:sp>
         <p:nvSpPr>
-          <p:cNvPr id="3" name="Subtitle 2">
-            <a:extLst>
-              <a:ext uri="{FF2B5EF4-FFF2-40B4-BE49-F238E27FC236}">
-                <a16:creationId xmlns:a16="http://schemas.microsoft.com/office/drawing/2014/main" id="{EFBE0D9F-D500-BE5F-EF1B-CC750929CBBA}"/>
-              </a:ext>
-            </a:extLst>
-          </p:cNvPr>
+          <p:cNvPr id="3" name="Subtitle 2"/>
           <p:cNvSpPr>
             <a:spLocks noGrp="1"/>
           </p:cNvSpPr>
@@ -185,8 +615,8 @@
         </p:nvSpPr>
         <p:spPr>
           <a:xfrm>
-            <a:off x="1524000" y="3602038"/>
-            <a:ext cx="9144000" cy="1655762"/>
+            <a:off x="857250" y="5202944"/>
+            <a:ext cx="5143500" cy="2391656"/>
           </a:xfrm>
         </p:spPr>
         <p:txBody>
@@ -194,39 +624,39 @@
           <a:lstStyle>
             <a:lvl1pPr marL="0" indent="0" algn="ctr">
               <a:buNone/>
-              <a:defRPr sz="2400"/>
+              <a:defRPr sz="1800"/>
             </a:lvl1pPr>
-            <a:lvl2pPr marL="457200" indent="0" algn="ctr">
+            <a:lvl2pPr marL="342886" indent="0" algn="ctr">
               <a:buNone/>
-              <a:defRPr sz="2000"/>
+              <a:defRPr sz="1499"/>
             </a:lvl2pPr>
-            <a:lvl3pPr marL="914400" indent="0" algn="ctr">
+            <a:lvl3pPr marL="685771" indent="0" algn="ctr">
               <a:buNone/>
-              <a:defRPr sz="1800"/>
+              <a:defRPr sz="1351"/>
             </a:lvl3pPr>
-            <a:lvl4pPr marL="1371600" indent="0" algn="ctr">
+            <a:lvl4pPr marL="1028657" indent="0" algn="ctr">
               <a:buNone/>
-              <a:defRPr sz="1600"/>
+              <a:defRPr sz="1200"/>
             </a:lvl4pPr>
-            <a:lvl5pPr marL="1828800" indent="0" algn="ctr">
+            <a:lvl5pPr marL="1371543" indent="0" algn="ctr">
               <a:buNone/>
-              <a:defRPr sz="1600"/>
+              <a:defRPr sz="1200"/>
             </a:lvl5pPr>
-            <a:lvl6pPr marL="2286000" indent="0" algn="ctr">
+            <a:lvl6pPr marL="1714428" indent="0" algn="ctr">
               <a:buNone/>
-              <a:defRPr sz="1600"/>
+              <a:defRPr sz="1200"/>
             </a:lvl6pPr>
-            <a:lvl7pPr marL="2743200" indent="0" algn="ctr">
+            <a:lvl7pPr marL="2057314" indent="0" algn="ctr">
               <a:buNone/>
-              <a:defRPr sz="1600"/>
+              <a:defRPr sz="1200"/>
             </a:lvl7pPr>
-            <a:lvl8pPr marL="3200400" indent="0" algn="ctr">
+            <a:lvl8pPr marL="2400200" indent="0" algn="ctr">
               <a:buNone/>
-              <a:defRPr sz="1600"/>
+              <a:defRPr sz="1200"/>
             </a:lvl8pPr>
-            <a:lvl9pPr marL="3657600" indent="0" algn="ctr">
+            <a:lvl9pPr marL="2743085" indent="0" algn="ctr">
               <a:buNone/>
-              <a:defRPr sz="1600"/>
+              <a:defRPr sz="1200"/>
             </a:lvl9pPr>
           </a:lstStyle>
           <a:p>
@@ -234,19 +664,13 @@
               <a:rPr lang="en-US"/>
               <a:t>Click to edit Master subtitle style</a:t>
             </a:r>
-            <a:endParaRPr lang="en-CN"/>
+            <a:endParaRPr lang="en-US" dirty="0"/>
           </a:p>
         </p:txBody>
       </p:sp>
       <p:sp>
         <p:nvSpPr>
-          <p:cNvPr id="4" name="Date Placeholder 3">
-            <a:extLst>
-              <a:ext uri="{FF2B5EF4-FFF2-40B4-BE49-F238E27FC236}">
-                <a16:creationId xmlns:a16="http://schemas.microsoft.com/office/drawing/2014/main" id="{BD8997D4-E497-FADA-D422-63B9E3504DA7}"/>
-              </a:ext>
-            </a:extLst>
-          </p:cNvPr>
+          <p:cNvPr id="4" name="Date Placeholder 3"/>
           <p:cNvSpPr>
             <a:spLocks noGrp="1"/>
           </p:cNvSpPr>
@@ -269,13 +693,7 @@
       </p:sp>
       <p:sp>
         <p:nvSpPr>
-          <p:cNvPr id="5" name="Footer Placeholder 4">
-            <a:extLst>
-              <a:ext uri="{FF2B5EF4-FFF2-40B4-BE49-F238E27FC236}">
-                <a16:creationId xmlns:a16="http://schemas.microsoft.com/office/drawing/2014/main" id="{DFAB24CE-4E2D-B48D-7AED-3BC05CB24A45}"/>
-              </a:ext>
-            </a:extLst>
-          </p:cNvPr>
+          <p:cNvPr id="5" name="Footer Placeholder 4"/>
           <p:cNvSpPr>
             <a:spLocks noGrp="1"/>
           </p:cNvSpPr>
@@ -294,13 +712,7 @@
       </p:sp>
       <p:sp>
         <p:nvSpPr>
-          <p:cNvPr id="6" name="Slide Number Placeholder 5">
-            <a:extLst>
-              <a:ext uri="{FF2B5EF4-FFF2-40B4-BE49-F238E27FC236}">
-                <a16:creationId xmlns:a16="http://schemas.microsoft.com/office/drawing/2014/main" id="{654892EC-5E4A-DC93-9FA2-2E353AFDEC4C}"/>
-              </a:ext>
-            </a:extLst>
-          </p:cNvPr>
+          <p:cNvPr id="6" name="Slide Number Placeholder 5"/>
           <p:cNvSpPr>
             <a:spLocks noGrp="1"/>
           </p:cNvSpPr>
@@ -324,7 +736,7 @@
     </p:spTree>
     <p:extLst>
       <p:ext uri="{BB962C8B-B14F-4D97-AF65-F5344CB8AC3E}">
-        <p14:creationId xmlns:p14="http://schemas.microsoft.com/office/powerpoint/2010/main" val="2673617837"/>
+        <p14:creationId xmlns:p14="http://schemas.microsoft.com/office/powerpoint/2010/main" val="3405617396"/>
       </p:ext>
     </p:extLst>
   </p:cSld>
@@ -353,13 +765,7 @@
       </p:grpSpPr>
       <p:sp>
         <p:nvSpPr>
-          <p:cNvPr id="2" name="Title 1">
-            <a:extLst>
-              <a:ext uri="{FF2B5EF4-FFF2-40B4-BE49-F238E27FC236}">
-                <a16:creationId xmlns:a16="http://schemas.microsoft.com/office/drawing/2014/main" id="{5D6EB901-13A9-17CB-E657-B353F8F55B28}"/>
-              </a:ext>
-            </a:extLst>
-          </p:cNvPr>
+          <p:cNvPr id="2" name="Title 1"/>
           <p:cNvSpPr>
             <a:spLocks noGrp="1"/>
           </p:cNvSpPr>
@@ -376,19 +782,13 @@
               <a:rPr lang="en-US"/>
               <a:t>Click to edit Master title style</a:t>
             </a:r>
-            <a:endParaRPr lang="en-CN"/>
+            <a:endParaRPr lang="en-US" dirty="0"/>
           </a:p>
         </p:txBody>
       </p:sp>
       <p:sp>
         <p:nvSpPr>
-          <p:cNvPr id="3" name="Vertical Text Placeholder 2">
-            <a:extLst>
-              <a:ext uri="{FF2B5EF4-FFF2-40B4-BE49-F238E27FC236}">
-                <a16:creationId xmlns:a16="http://schemas.microsoft.com/office/drawing/2014/main" id="{2909CE1C-792C-7C3F-6A0A-831EE649CC2E}"/>
-              </a:ext>
-            </a:extLst>
-          </p:cNvPr>
+          <p:cNvPr id="3" name="Vertical Text Placeholder 2"/>
           <p:cNvSpPr>
             <a:spLocks noGrp="1"/>
           </p:cNvSpPr>
@@ -434,19 +834,13 @@
               <a:rPr lang="en-US"/>
               <a:t>Fifth level</a:t>
             </a:r>
-            <a:endParaRPr lang="en-CN"/>
+            <a:endParaRPr lang="en-US" dirty="0"/>
           </a:p>
         </p:txBody>
       </p:sp>
       <p:sp>
         <p:nvSpPr>
-          <p:cNvPr id="4" name="Date Placeholder 3">
-            <a:extLst>
-              <a:ext uri="{FF2B5EF4-FFF2-40B4-BE49-F238E27FC236}">
-                <a16:creationId xmlns:a16="http://schemas.microsoft.com/office/drawing/2014/main" id="{0B683D22-E72A-FA2E-D888-1D5EC085EBE7}"/>
-              </a:ext>
-            </a:extLst>
-          </p:cNvPr>
+          <p:cNvPr id="4" name="Date Placeholder 3"/>
           <p:cNvSpPr>
             <a:spLocks noGrp="1"/>
           </p:cNvSpPr>
@@ -469,13 +863,7 @@
       </p:sp>
       <p:sp>
         <p:nvSpPr>
-          <p:cNvPr id="5" name="Footer Placeholder 4">
-            <a:extLst>
-              <a:ext uri="{FF2B5EF4-FFF2-40B4-BE49-F238E27FC236}">
-                <a16:creationId xmlns:a16="http://schemas.microsoft.com/office/drawing/2014/main" id="{089C94D6-905F-576D-0C6A-5A41FC0C2E6A}"/>
-              </a:ext>
-            </a:extLst>
-          </p:cNvPr>
+          <p:cNvPr id="5" name="Footer Placeholder 4"/>
           <p:cNvSpPr>
             <a:spLocks noGrp="1"/>
           </p:cNvSpPr>
@@ -494,13 +882,7 @@
       </p:sp>
       <p:sp>
         <p:nvSpPr>
-          <p:cNvPr id="6" name="Slide Number Placeholder 5">
-            <a:extLst>
-              <a:ext uri="{FF2B5EF4-FFF2-40B4-BE49-F238E27FC236}">
-                <a16:creationId xmlns:a16="http://schemas.microsoft.com/office/drawing/2014/main" id="{895E0344-BA4F-9869-0995-2071617F0B48}"/>
-              </a:ext>
-            </a:extLst>
-          </p:cNvPr>
+          <p:cNvPr id="6" name="Slide Number Placeholder 5"/>
           <p:cNvSpPr>
             <a:spLocks noGrp="1"/>
           </p:cNvSpPr>
@@ -524,7 +906,7 @@
     </p:spTree>
     <p:extLst>
       <p:ext uri="{BB962C8B-B14F-4D97-AF65-F5344CB8AC3E}">
-        <p14:creationId xmlns:p14="http://schemas.microsoft.com/office/powerpoint/2010/main" val="3606061190"/>
+        <p14:creationId xmlns:p14="http://schemas.microsoft.com/office/powerpoint/2010/main" val="4023264582"/>
       </p:ext>
     </p:extLst>
   </p:cSld>
@@ -553,13 +935,7 @@
       </p:grpSpPr>
       <p:sp>
         <p:nvSpPr>
-          <p:cNvPr id="2" name="Vertical Title 1">
-            <a:extLst>
-              <a:ext uri="{FF2B5EF4-FFF2-40B4-BE49-F238E27FC236}">
-                <a16:creationId xmlns:a16="http://schemas.microsoft.com/office/drawing/2014/main" id="{3DCFDD98-2839-FC0A-7AD1-9988D674C118}"/>
-              </a:ext>
-            </a:extLst>
-          </p:cNvPr>
+          <p:cNvPr id="2" name="Vertical Title 1"/>
           <p:cNvSpPr>
             <a:spLocks noGrp="1"/>
           </p:cNvSpPr>
@@ -569,8 +945,8 @@
         </p:nvSpPr>
         <p:spPr>
           <a:xfrm>
-            <a:off x="8724900" y="365125"/>
-            <a:ext cx="2628900" cy="5811838"/>
+            <a:off x="4907757" y="527403"/>
+            <a:ext cx="1478756" cy="8394877"/>
           </a:xfrm>
         </p:spPr>
         <p:txBody>
@@ -581,19 +957,13 @@
               <a:rPr lang="en-US"/>
               <a:t>Click to edit Master title style</a:t>
             </a:r>
-            <a:endParaRPr lang="en-CN"/>
+            <a:endParaRPr lang="en-US" dirty="0"/>
           </a:p>
         </p:txBody>
       </p:sp>
       <p:sp>
         <p:nvSpPr>
-          <p:cNvPr id="3" name="Vertical Text Placeholder 2">
-            <a:extLst>
-              <a:ext uri="{FF2B5EF4-FFF2-40B4-BE49-F238E27FC236}">
-                <a16:creationId xmlns:a16="http://schemas.microsoft.com/office/drawing/2014/main" id="{8EF61781-55C3-7176-DBEC-46D87952D0D7}"/>
-              </a:ext>
-            </a:extLst>
-          </p:cNvPr>
+          <p:cNvPr id="3" name="Vertical Text Placeholder 2"/>
           <p:cNvSpPr>
             <a:spLocks noGrp="1"/>
           </p:cNvSpPr>
@@ -603,8 +973,8 @@
         </p:nvSpPr>
         <p:spPr>
           <a:xfrm>
-            <a:off x="838200" y="365125"/>
-            <a:ext cx="7734300" cy="5811838"/>
+            <a:off x="471488" y="527403"/>
+            <a:ext cx="4350544" cy="8394877"/>
           </a:xfrm>
         </p:spPr>
         <p:txBody>
@@ -644,19 +1014,13 @@
               <a:rPr lang="en-US"/>
               <a:t>Fifth level</a:t>
             </a:r>
-            <a:endParaRPr lang="en-CN"/>
+            <a:endParaRPr lang="en-US" dirty="0"/>
           </a:p>
         </p:txBody>
       </p:sp>
       <p:sp>
         <p:nvSpPr>
-          <p:cNvPr id="4" name="Date Placeholder 3">
-            <a:extLst>
-              <a:ext uri="{FF2B5EF4-FFF2-40B4-BE49-F238E27FC236}">
-                <a16:creationId xmlns:a16="http://schemas.microsoft.com/office/drawing/2014/main" id="{657BD741-FD73-85BE-49D8-0311746C880E}"/>
-              </a:ext>
-            </a:extLst>
-          </p:cNvPr>
+          <p:cNvPr id="4" name="Date Placeholder 3"/>
           <p:cNvSpPr>
             <a:spLocks noGrp="1"/>
           </p:cNvSpPr>
@@ -679,13 +1043,7 @@
       </p:sp>
       <p:sp>
         <p:nvSpPr>
-          <p:cNvPr id="5" name="Footer Placeholder 4">
-            <a:extLst>
-              <a:ext uri="{FF2B5EF4-FFF2-40B4-BE49-F238E27FC236}">
-                <a16:creationId xmlns:a16="http://schemas.microsoft.com/office/drawing/2014/main" id="{75723D6E-CC12-274F-FF5B-6774A262D225}"/>
-              </a:ext>
-            </a:extLst>
-          </p:cNvPr>
+          <p:cNvPr id="5" name="Footer Placeholder 4"/>
           <p:cNvSpPr>
             <a:spLocks noGrp="1"/>
           </p:cNvSpPr>
@@ -704,13 +1062,7 @@
       </p:sp>
       <p:sp>
         <p:nvSpPr>
-          <p:cNvPr id="6" name="Slide Number Placeholder 5">
-            <a:extLst>
-              <a:ext uri="{FF2B5EF4-FFF2-40B4-BE49-F238E27FC236}">
-                <a16:creationId xmlns:a16="http://schemas.microsoft.com/office/drawing/2014/main" id="{83A6962D-47DB-27EA-7995-5E209D4D57BE}"/>
-              </a:ext>
-            </a:extLst>
-          </p:cNvPr>
+          <p:cNvPr id="6" name="Slide Number Placeholder 5"/>
           <p:cNvSpPr>
             <a:spLocks noGrp="1"/>
           </p:cNvSpPr>
@@ -734,7 +1086,7 @@
     </p:spTree>
     <p:extLst>
       <p:ext uri="{BB962C8B-B14F-4D97-AF65-F5344CB8AC3E}">
-        <p14:creationId xmlns:p14="http://schemas.microsoft.com/office/powerpoint/2010/main" val="412914379"/>
+        <p14:creationId xmlns:p14="http://schemas.microsoft.com/office/powerpoint/2010/main" val="2766291649"/>
       </p:ext>
     </p:extLst>
   </p:cSld>
@@ -763,13 +1115,7 @@
       </p:grpSpPr>
       <p:sp>
         <p:nvSpPr>
-          <p:cNvPr id="2" name="Title 1">
-            <a:extLst>
-              <a:ext uri="{FF2B5EF4-FFF2-40B4-BE49-F238E27FC236}">
-                <a16:creationId xmlns:a16="http://schemas.microsoft.com/office/drawing/2014/main" id="{A6C9C560-69F1-8699-76B1-33A8D12AFB3E}"/>
-              </a:ext>
-            </a:extLst>
-          </p:cNvPr>
+          <p:cNvPr id="2" name="Title 1"/>
           <p:cNvSpPr>
             <a:spLocks noGrp="1"/>
           </p:cNvSpPr>
@@ -786,19 +1132,13 @@
               <a:rPr lang="en-US"/>
               <a:t>Click to edit Master title style</a:t>
             </a:r>
-            <a:endParaRPr lang="en-CN"/>
+            <a:endParaRPr lang="en-US" dirty="0"/>
           </a:p>
         </p:txBody>
       </p:sp>
       <p:sp>
         <p:nvSpPr>
-          <p:cNvPr id="3" name="Content Placeholder 2">
-            <a:extLst>
-              <a:ext uri="{FF2B5EF4-FFF2-40B4-BE49-F238E27FC236}">
-                <a16:creationId xmlns:a16="http://schemas.microsoft.com/office/drawing/2014/main" id="{C01E2074-D22A-4945-8133-ED281D5B3EA5}"/>
-              </a:ext>
-            </a:extLst>
-          </p:cNvPr>
+          <p:cNvPr id="3" name="Content Placeholder 2"/>
           <p:cNvSpPr>
             <a:spLocks noGrp="1"/>
           </p:cNvSpPr>
@@ -844,19 +1184,13 @@
               <a:rPr lang="en-US"/>
               <a:t>Fifth level</a:t>
             </a:r>
-            <a:endParaRPr lang="en-CN"/>
+            <a:endParaRPr lang="en-US" dirty="0"/>
           </a:p>
         </p:txBody>
       </p:sp>
       <p:sp>
         <p:nvSpPr>
-          <p:cNvPr id="4" name="Date Placeholder 3">
-            <a:extLst>
-              <a:ext uri="{FF2B5EF4-FFF2-40B4-BE49-F238E27FC236}">
-                <a16:creationId xmlns:a16="http://schemas.microsoft.com/office/drawing/2014/main" id="{C5E17723-E3F2-F2D5-4CD9-A0509C9D7A64}"/>
-              </a:ext>
-            </a:extLst>
-          </p:cNvPr>
+          <p:cNvPr id="4" name="Date Placeholder 3"/>
           <p:cNvSpPr>
             <a:spLocks noGrp="1"/>
           </p:cNvSpPr>
@@ -879,13 +1213,7 @@
       </p:sp>
       <p:sp>
         <p:nvSpPr>
-          <p:cNvPr id="5" name="Footer Placeholder 4">
-            <a:extLst>
-              <a:ext uri="{FF2B5EF4-FFF2-40B4-BE49-F238E27FC236}">
-                <a16:creationId xmlns:a16="http://schemas.microsoft.com/office/drawing/2014/main" id="{17A167B4-5178-69D5-5C17-9E85626B7EF7}"/>
-              </a:ext>
-            </a:extLst>
-          </p:cNvPr>
+          <p:cNvPr id="5" name="Footer Placeholder 4"/>
           <p:cNvSpPr>
             <a:spLocks noGrp="1"/>
           </p:cNvSpPr>
@@ -904,13 +1232,7 @@
       </p:sp>
       <p:sp>
         <p:nvSpPr>
-          <p:cNvPr id="6" name="Slide Number Placeholder 5">
-            <a:extLst>
-              <a:ext uri="{FF2B5EF4-FFF2-40B4-BE49-F238E27FC236}">
-                <a16:creationId xmlns:a16="http://schemas.microsoft.com/office/drawing/2014/main" id="{89833A48-F47C-9503-51F0-68063EB25822}"/>
-              </a:ext>
-            </a:extLst>
-          </p:cNvPr>
+          <p:cNvPr id="6" name="Slide Number Placeholder 5"/>
           <p:cNvSpPr>
             <a:spLocks noGrp="1"/>
           </p:cNvSpPr>
@@ -934,7 +1256,7 @@
     </p:spTree>
     <p:extLst>
       <p:ext uri="{BB962C8B-B14F-4D97-AF65-F5344CB8AC3E}">
-        <p14:creationId xmlns:p14="http://schemas.microsoft.com/office/powerpoint/2010/main" val="2491045835"/>
+        <p14:creationId xmlns:p14="http://schemas.microsoft.com/office/powerpoint/2010/main" val="2850750641"/>
       </p:ext>
     </p:extLst>
   </p:cSld>
@@ -963,13 +1285,7 @@
       </p:grpSpPr>
       <p:sp>
         <p:nvSpPr>
-          <p:cNvPr id="2" name="Title 1">
-            <a:extLst>
-              <a:ext uri="{FF2B5EF4-FFF2-40B4-BE49-F238E27FC236}">
-                <a16:creationId xmlns:a16="http://schemas.microsoft.com/office/drawing/2014/main" id="{AAAE4A1F-F019-2056-C0BE-EC458EFCB5AC}"/>
-              </a:ext>
-            </a:extLst>
-          </p:cNvPr>
+          <p:cNvPr id="2" name="Title 1"/>
           <p:cNvSpPr>
             <a:spLocks noGrp="1"/>
           </p:cNvSpPr>
@@ -979,15 +1295,15 @@
         </p:nvSpPr>
         <p:spPr>
           <a:xfrm>
-            <a:off x="831850" y="1709738"/>
-            <a:ext cx="10515600" cy="2852737"/>
+            <a:off x="467917" y="2469625"/>
+            <a:ext cx="5915025" cy="4120620"/>
           </a:xfrm>
         </p:spPr>
         <p:txBody>
           <a:bodyPr anchor="b"/>
           <a:lstStyle>
             <a:lvl1pPr>
-              <a:defRPr sz="6000"/>
+              <a:defRPr sz="4499"/>
             </a:lvl1pPr>
           </a:lstStyle>
           <a:p>
@@ -995,19 +1311,13 @@
               <a:rPr lang="en-US"/>
               <a:t>Click to edit Master title style</a:t>
             </a:r>
-            <a:endParaRPr lang="en-CN"/>
+            <a:endParaRPr lang="en-US" dirty="0"/>
           </a:p>
         </p:txBody>
       </p:sp>
       <p:sp>
         <p:nvSpPr>
-          <p:cNvPr id="3" name="Text Placeholder 2">
-            <a:extLst>
-              <a:ext uri="{FF2B5EF4-FFF2-40B4-BE49-F238E27FC236}">
-                <a16:creationId xmlns:a16="http://schemas.microsoft.com/office/drawing/2014/main" id="{4CB365DA-4356-C471-CDA9-65DEAA934285}"/>
-              </a:ext>
-            </a:extLst>
-          </p:cNvPr>
+          <p:cNvPr id="3" name="Text Placeholder 2"/>
           <p:cNvSpPr>
             <a:spLocks noGrp="1"/>
           </p:cNvSpPr>
@@ -1017,8 +1327,8 @@
         </p:nvSpPr>
         <p:spPr>
           <a:xfrm>
-            <a:off x="831850" y="4589463"/>
-            <a:ext cx="10515600" cy="1500187"/>
+            <a:off x="467917" y="6629228"/>
+            <a:ext cx="5915025" cy="2166937"/>
           </a:xfrm>
         </p:spPr>
         <p:txBody>
@@ -1026,17 +1336,15 @@
           <a:lstStyle>
             <a:lvl1pPr marL="0" indent="0">
               <a:buNone/>
-              <a:defRPr sz="2400">
+              <a:defRPr sz="1800">
                 <a:solidFill>
-                  <a:schemeClr val="tx1">
-                    <a:tint val="75000"/>
-                  </a:schemeClr>
+                  <a:schemeClr val="tx1"/>
                 </a:solidFill>
               </a:defRPr>
             </a:lvl1pPr>
-            <a:lvl2pPr marL="457200" indent="0">
+            <a:lvl2pPr marL="342886" indent="0">
               <a:buNone/>
-              <a:defRPr sz="2000">
+              <a:defRPr sz="1499">
                 <a:solidFill>
                   <a:schemeClr val="tx1">
                     <a:tint val="75000"/>
@@ -1044,9 +1352,9 @@
                 </a:solidFill>
               </a:defRPr>
             </a:lvl2pPr>
-            <a:lvl3pPr marL="914400" indent="0">
+            <a:lvl3pPr marL="685771" indent="0">
               <a:buNone/>
-              <a:defRPr sz="1800">
+              <a:defRPr sz="1351">
                 <a:solidFill>
                   <a:schemeClr val="tx1">
                     <a:tint val="75000"/>
@@ -1054,9 +1362,9 @@
                 </a:solidFill>
               </a:defRPr>
             </a:lvl3pPr>
-            <a:lvl4pPr marL="1371600" indent="0">
+            <a:lvl4pPr marL="1028657" indent="0">
               <a:buNone/>
-              <a:defRPr sz="1600">
+              <a:defRPr sz="1200">
                 <a:solidFill>
                   <a:schemeClr val="tx1">
                     <a:tint val="75000"/>
@@ -1064,9 +1372,9 @@
                 </a:solidFill>
               </a:defRPr>
             </a:lvl4pPr>
-            <a:lvl5pPr marL="1828800" indent="0">
+            <a:lvl5pPr marL="1371543" indent="0">
               <a:buNone/>
-              <a:defRPr sz="1600">
+              <a:defRPr sz="1200">
                 <a:solidFill>
                   <a:schemeClr val="tx1">
                     <a:tint val="75000"/>
@@ -1074,9 +1382,9 @@
                 </a:solidFill>
               </a:defRPr>
             </a:lvl5pPr>
-            <a:lvl6pPr marL="2286000" indent="0">
+            <a:lvl6pPr marL="1714428" indent="0">
               <a:buNone/>
-              <a:defRPr sz="1600">
+              <a:defRPr sz="1200">
                 <a:solidFill>
                   <a:schemeClr val="tx1">
                     <a:tint val="75000"/>
@@ -1084,9 +1392,9 @@
                 </a:solidFill>
               </a:defRPr>
             </a:lvl6pPr>
-            <a:lvl7pPr marL="2743200" indent="0">
+            <a:lvl7pPr marL="2057314" indent="0">
               <a:buNone/>
-              <a:defRPr sz="1600">
+              <a:defRPr sz="1200">
                 <a:solidFill>
                   <a:schemeClr val="tx1">
                     <a:tint val="75000"/>
@@ -1094,9 +1402,9 @@
                 </a:solidFill>
               </a:defRPr>
             </a:lvl7pPr>
-            <a:lvl8pPr marL="3200400" indent="0">
+            <a:lvl8pPr marL="2400200" indent="0">
               <a:buNone/>
-              <a:defRPr sz="1600">
+              <a:defRPr sz="1200">
                 <a:solidFill>
                   <a:schemeClr val="tx1">
                     <a:tint val="75000"/>
@@ -1104,9 +1412,9 @@
                 </a:solidFill>
               </a:defRPr>
             </a:lvl8pPr>
-            <a:lvl9pPr marL="3657600" indent="0">
+            <a:lvl9pPr marL="2743085" indent="0">
               <a:buNone/>
-              <a:defRPr sz="1600">
+              <a:defRPr sz="1200">
                 <a:solidFill>
                   <a:schemeClr val="tx1">
                     <a:tint val="75000"/>
@@ -1126,13 +1434,7 @@
       </p:sp>
       <p:sp>
         <p:nvSpPr>
-          <p:cNvPr id="4" name="Date Placeholder 3">
-            <a:extLst>
-              <a:ext uri="{FF2B5EF4-FFF2-40B4-BE49-F238E27FC236}">
-                <a16:creationId xmlns:a16="http://schemas.microsoft.com/office/drawing/2014/main" id="{74B3DA70-8C62-A94B-99B0-4415D6F8E4C3}"/>
-              </a:ext>
-            </a:extLst>
-          </p:cNvPr>
+          <p:cNvPr id="4" name="Date Placeholder 3"/>
           <p:cNvSpPr>
             <a:spLocks noGrp="1"/>
           </p:cNvSpPr>
@@ -1155,13 +1457,7 @@
       </p:sp>
       <p:sp>
         <p:nvSpPr>
-          <p:cNvPr id="5" name="Footer Placeholder 4">
-            <a:extLst>
-              <a:ext uri="{FF2B5EF4-FFF2-40B4-BE49-F238E27FC236}">
-                <a16:creationId xmlns:a16="http://schemas.microsoft.com/office/drawing/2014/main" id="{4BCDAF96-503C-6B1F-C27C-2D4EE1079959}"/>
-              </a:ext>
-            </a:extLst>
-          </p:cNvPr>
+          <p:cNvPr id="5" name="Footer Placeholder 4"/>
           <p:cNvSpPr>
             <a:spLocks noGrp="1"/>
           </p:cNvSpPr>
@@ -1180,13 +1476,7 @@
       </p:sp>
       <p:sp>
         <p:nvSpPr>
-          <p:cNvPr id="6" name="Slide Number Placeholder 5">
-            <a:extLst>
-              <a:ext uri="{FF2B5EF4-FFF2-40B4-BE49-F238E27FC236}">
-                <a16:creationId xmlns:a16="http://schemas.microsoft.com/office/drawing/2014/main" id="{F2AB9B8A-908A-3D63-C19E-BBE4D46C75AA}"/>
-              </a:ext>
-            </a:extLst>
-          </p:cNvPr>
+          <p:cNvPr id="6" name="Slide Number Placeholder 5"/>
           <p:cNvSpPr>
             <a:spLocks noGrp="1"/>
           </p:cNvSpPr>
@@ -1210,7 +1500,7 @@
     </p:spTree>
     <p:extLst>
       <p:ext uri="{BB962C8B-B14F-4D97-AF65-F5344CB8AC3E}">
-        <p14:creationId xmlns:p14="http://schemas.microsoft.com/office/powerpoint/2010/main" val="2873977127"/>
+        <p14:creationId xmlns:p14="http://schemas.microsoft.com/office/powerpoint/2010/main" val="1655715294"/>
       </p:ext>
     </p:extLst>
   </p:cSld>
@@ -1239,13 +1529,7 @@
       </p:grpSpPr>
       <p:sp>
         <p:nvSpPr>
-          <p:cNvPr id="2" name="Title 1">
-            <a:extLst>
-              <a:ext uri="{FF2B5EF4-FFF2-40B4-BE49-F238E27FC236}">
-                <a16:creationId xmlns:a16="http://schemas.microsoft.com/office/drawing/2014/main" id="{998713AC-910B-1849-DDC3-BE605EA82B13}"/>
-              </a:ext>
-            </a:extLst>
-          </p:cNvPr>
+          <p:cNvPr id="2" name="Title 1"/>
           <p:cNvSpPr>
             <a:spLocks noGrp="1"/>
           </p:cNvSpPr>
@@ -1262,19 +1546,13 @@
               <a:rPr lang="en-US"/>
               <a:t>Click to edit Master title style</a:t>
             </a:r>
-            <a:endParaRPr lang="en-CN"/>
+            <a:endParaRPr lang="en-US" dirty="0"/>
           </a:p>
         </p:txBody>
       </p:sp>
       <p:sp>
         <p:nvSpPr>
-          <p:cNvPr id="3" name="Content Placeholder 2">
-            <a:extLst>
-              <a:ext uri="{FF2B5EF4-FFF2-40B4-BE49-F238E27FC236}">
-                <a16:creationId xmlns:a16="http://schemas.microsoft.com/office/drawing/2014/main" id="{2CFE4E15-3724-34B3-2EAC-3215F9227112}"/>
-              </a:ext>
-            </a:extLst>
-          </p:cNvPr>
+          <p:cNvPr id="3" name="Content Placeholder 2"/>
           <p:cNvSpPr>
             <a:spLocks noGrp="1"/>
           </p:cNvSpPr>
@@ -1284,8 +1562,8 @@
         </p:nvSpPr>
         <p:spPr>
           <a:xfrm>
-            <a:off x="838200" y="1825625"/>
-            <a:ext cx="5181600" cy="4351338"/>
+            <a:off x="471488" y="2637014"/>
+            <a:ext cx="2914650" cy="6285266"/>
           </a:xfrm>
         </p:spPr>
         <p:txBody>
@@ -1325,19 +1603,13 @@
               <a:rPr lang="en-US"/>
               <a:t>Fifth level</a:t>
             </a:r>
-            <a:endParaRPr lang="en-CN"/>
+            <a:endParaRPr lang="en-US" dirty="0"/>
           </a:p>
         </p:txBody>
       </p:sp>
       <p:sp>
         <p:nvSpPr>
-          <p:cNvPr id="4" name="Content Placeholder 3">
-            <a:extLst>
-              <a:ext uri="{FF2B5EF4-FFF2-40B4-BE49-F238E27FC236}">
-                <a16:creationId xmlns:a16="http://schemas.microsoft.com/office/drawing/2014/main" id="{B7909812-B05E-7B51-B5B3-DEE2B24992E5}"/>
-              </a:ext>
-            </a:extLst>
-          </p:cNvPr>
+          <p:cNvPr id="4" name="Content Placeholder 3"/>
           <p:cNvSpPr>
             <a:spLocks noGrp="1"/>
           </p:cNvSpPr>
@@ -1347,8 +1619,8 @@
         </p:nvSpPr>
         <p:spPr>
           <a:xfrm>
-            <a:off x="6172200" y="1825625"/>
-            <a:ext cx="5181600" cy="4351338"/>
+            <a:off x="3471863" y="2637014"/>
+            <a:ext cx="2914650" cy="6285266"/>
           </a:xfrm>
         </p:spPr>
         <p:txBody>
@@ -1388,19 +1660,13 @@
               <a:rPr lang="en-US"/>
               <a:t>Fifth level</a:t>
             </a:r>
-            <a:endParaRPr lang="en-CN"/>
+            <a:endParaRPr lang="en-US" dirty="0"/>
           </a:p>
         </p:txBody>
       </p:sp>
       <p:sp>
         <p:nvSpPr>
-          <p:cNvPr id="5" name="Date Placeholder 4">
-            <a:extLst>
-              <a:ext uri="{FF2B5EF4-FFF2-40B4-BE49-F238E27FC236}">
-                <a16:creationId xmlns:a16="http://schemas.microsoft.com/office/drawing/2014/main" id="{6384B746-AFF9-3E0C-028C-3F95E20123F8}"/>
-              </a:ext>
-            </a:extLst>
-          </p:cNvPr>
+          <p:cNvPr id="5" name="Date Placeholder 4"/>
           <p:cNvSpPr>
             <a:spLocks noGrp="1"/>
           </p:cNvSpPr>
@@ -1423,13 +1689,7 @@
       </p:sp>
       <p:sp>
         <p:nvSpPr>
-          <p:cNvPr id="6" name="Footer Placeholder 5">
-            <a:extLst>
-              <a:ext uri="{FF2B5EF4-FFF2-40B4-BE49-F238E27FC236}">
-                <a16:creationId xmlns:a16="http://schemas.microsoft.com/office/drawing/2014/main" id="{9D3A4BA4-8054-369D-4F10-A80337F929E4}"/>
-              </a:ext>
-            </a:extLst>
-          </p:cNvPr>
+          <p:cNvPr id="6" name="Footer Placeholder 5"/>
           <p:cNvSpPr>
             <a:spLocks noGrp="1"/>
           </p:cNvSpPr>
@@ -1448,13 +1708,7 @@
       </p:sp>
       <p:sp>
         <p:nvSpPr>
-          <p:cNvPr id="7" name="Slide Number Placeholder 6">
-            <a:extLst>
-              <a:ext uri="{FF2B5EF4-FFF2-40B4-BE49-F238E27FC236}">
-                <a16:creationId xmlns:a16="http://schemas.microsoft.com/office/drawing/2014/main" id="{D1E3BC2E-27FD-7792-1FD3-4BD58CE7BDB2}"/>
-              </a:ext>
-            </a:extLst>
-          </p:cNvPr>
+          <p:cNvPr id="7" name="Slide Number Placeholder 6"/>
           <p:cNvSpPr>
             <a:spLocks noGrp="1"/>
           </p:cNvSpPr>
@@ -1478,7 +1732,7 @@
     </p:spTree>
     <p:extLst>
       <p:ext uri="{BB962C8B-B14F-4D97-AF65-F5344CB8AC3E}">
-        <p14:creationId xmlns:p14="http://schemas.microsoft.com/office/powerpoint/2010/main" val="549562062"/>
+        <p14:creationId xmlns:p14="http://schemas.microsoft.com/office/powerpoint/2010/main" val="1450746223"/>
       </p:ext>
     </p:extLst>
   </p:cSld>
@@ -1507,13 +1761,7 @@
       </p:grpSpPr>
       <p:sp>
         <p:nvSpPr>
-          <p:cNvPr id="2" name="Title 1">
-            <a:extLst>
-              <a:ext uri="{FF2B5EF4-FFF2-40B4-BE49-F238E27FC236}">
-                <a16:creationId xmlns:a16="http://schemas.microsoft.com/office/drawing/2014/main" id="{907B4A85-0BE9-F042-F913-C30BC2A8BFC5}"/>
-              </a:ext>
-            </a:extLst>
-          </p:cNvPr>
+          <p:cNvPr id="2" name="Title 1"/>
           <p:cNvSpPr>
             <a:spLocks noGrp="1"/>
           </p:cNvSpPr>
@@ -1523,8 +1771,8 @@
         </p:nvSpPr>
         <p:spPr>
           <a:xfrm>
-            <a:off x="839788" y="365125"/>
-            <a:ext cx="10515600" cy="1325563"/>
+            <a:off x="472382" y="527406"/>
+            <a:ext cx="5915025" cy="1914702"/>
           </a:xfrm>
         </p:spPr>
         <p:txBody>
@@ -1535,19 +1783,13 @@
               <a:rPr lang="en-US"/>
               <a:t>Click to edit Master title style</a:t>
             </a:r>
-            <a:endParaRPr lang="en-CN"/>
+            <a:endParaRPr lang="en-US" dirty="0"/>
           </a:p>
         </p:txBody>
       </p:sp>
       <p:sp>
         <p:nvSpPr>
-          <p:cNvPr id="3" name="Text Placeholder 2">
-            <a:extLst>
-              <a:ext uri="{FF2B5EF4-FFF2-40B4-BE49-F238E27FC236}">
-                <a16:creationId xmlns:a16="http://schemas.microsoft.com/office/drawing/2014/main" id="{60B3193E-74FB-5A98-606D-E7393D04246A}"/>
-              </a:ext>
-            </a:extLst>
-          </p:cNvPr>
+          <p:cNvPr id="3" name="Text Placeholder 2"/>
           <p:cNvSpPr>
             <a:spLocks noGrp="1"/>
           </p:cNvSpPr>
@@ -1557,8 +1799,8 @@
         </p:nvSpPr>
         <p:spPr>
           <a:xfrm>
-            <a:off x="839788" y="1681163"/>
-            <a:ext cx="5157787" cy="823912"/>
+            <a:off x="472382" y="2428348"/>
+            <a:ext cx="2901255" cy="1190095"/>
           </a:xfrm>
         </p:spPr>
         <p:txBody>
@@ -1566,39 +1808,39 @@
           <a:lstStyle>
             <a:lvl1pPr marL="0" indent="0">
               <a:buNone/>
-              <a:defRPr sz="2400" b="1"/>
+              <a:defRPr sz="1800" b="1"/>
             </a:lvl1pPr>
-            <a:lvl2pPr marL="457200" indent="0">
+            <a:lvl2pPr marL="342886" indent="0">
               <a:buNone/>
-              <a:defRPr sz="2000" b="1"/>
+              <a:defRPr sz="1499" b="1"/>
             </a:lvl2pPr>
-            <a:lvl3pPr marL="914400" indent="0">
+            <a:lvl3pPr marL="685771" indent="0">
               <a:buNone/>
-              <a:defRPr sz="1800" b="1"/>
+              <a:defRPr sz="1351" b="1"/>
             </a:lvl3pPr>
-            <a:lvl4pPr marL="1371600" indent="0">
+            <a:lvl4pPr marL="1028657" indent="0">
               <a:buNone/>
-              <a:defRPr sz="1600" b="1"/>
+              <a:defRPr sz="1200" b="1"/>
             </a:lvl4pPr>
-            <a:lvl5pPr marL="1828800" indent="0">
+            <a:lvl5pPr marL="1371543" indent="0">
               <a:buNone/>
-              <a:defRPr sz="1600" b="1"/>
+              <a:defRPr sz="1200" b="1"/>
             </a:lvl5pPr>
-            <a:lvl6pPr marL="2286000" indent="0">
+            <a:lvl6pPr marL="1714428" indent="0">
               <a:buNone/>
-              <a:defRPr sz="1600" b="1"/>
+              <a:defRPr sz="1200" b="1"/>
             </a:lvl6pPr>
-            <a:lvl7pPr marL="2743200" indent="0">
+            <a:lvl7pPr marL="2057314" indent="0">
               <a:buNone/>
-              <a:defRPr sz="1600" b="1"/>
+              <a:defRPr sz="1200" b="1"/>
             </a:lvl7pPr>
-            <a:lvl8pPr marL="3200400" indent="0">
+            <a:lvl8pPr marL="2400200" indent="0">
               <a:buNone/>
-              <a:defRPr sz="1600" b="1"/>
+              <a:defRPr sz="1200" b="1"/>
             </a:lvl8pPr>
-            <a:lvl9pPr marL="3657600" indent="0">
+            <a:lvl9pPr marL="2743085" indent="0">
               <a:buNone/>
-              <a:defRPr sz="1600" b="1"/>
+              <a:defRPr sz="1200" b="1"/>
             </a:lvl9pPr>
           </a:lstStyle>
           <a:p>
@@ -1612,13 +1854,7 @@
       </p:sp>
       <p:sp>
         <p:nvSpPr>
-          <p:cNvPr id="4" name="Content Placeholder 3">
-            <a:extLst>
-              <a:ext uri="{FF2B5EF4-FFF2-40B4-BE49-F238E27FC236}">
-                <a16:creationId xmlns:a16="http://schemas.microsoft.com/office/drawing/2014/main" id="{3E473408-7AA0-1263-E88E-B35FBD4B01A7}"/>
-              </a:ext>
-            </a:extLst>
-          </p:cNvPr>
+          <p:cNvPr id="4" name="Content Placeholder 3"/>
           <p:cNvSpPr>
             <a:spLocks noGrp="1"/>
           </p:cNvSpPr>
@@ -1628,8 +1864,8 @@
         </p:nvSpPr>
         <p:spPr>
           <a:xfrm>
-            <a:off x="839788" y="2505075"/>
-            <a:ext cx="5157787" cy="3684588"/>
+            <a:off x="472382" y="3618443"/>
+            <a:ext cx="2901255" cy="5322183"/>
           </a:xfrm>
         </p:spPr>
         <p:txBody>
@@ -1669,19 +1905,13 @@
               <a:rPr lang="en-US"/>
               <a:t>Fifth level</a:t>
             </a:r>
-            <a:endParaRPr lang="en-CN"/>
+            <a:endParaRPr lang="en-US" dirty="0"/>
           </a:p>
         </p:txBody>
       </p:sp>
       <p:sp>
         <p:nvSpPr>
-          <p:cNvPr id="5" name="Text Placeholder 4">
-            <a:extLst>
-              <a:ext uri="{FF2B5EF4-FFF2-40B4-BE49-F238E27FC236}">
-                <a16:creationId xmlns:a16="http://schemas.microsoft.com/office/drawing/2014/main" id="{D1253B4B-C452-3830-6A6A-35C252DA130C}"/>
-              </a:ext>
-            </a:extLst>
-          </p:cNvPr>
+          <p:cNvPr id="5" name="Text Placeholder 4"/>
           <p:cNvSpPr>
             <a:spLocks noGrp="1"/>
           </p:cNvSpPr>
@@ -1691,8 +1921,8 @@
         </p:nvSpPr>
         <p:spPr>
           <a:xfrm>
-            <a:off x="6172200" y="1681163"/>
-            <a:ext cx="5183188" cy="823912"/>
+            <a:off x="3471864" y="2428348"/>
+            <a:ext cx="2915543" cy="1190095"/>
           </a:xfrm>
         </p:spPr>
         <p:txBody>
@@ -1700,39 +1930,39 @@
           <a:lstStyle>
             <a:lvl1pPr marL="0" indent="0">
               <a:buNone/>
-              <a:defRPr sz="2400" b="1"/>
+              <a:defRPr sz="1800" b="1"/>
             </a:lvl1pPr>
-            <a:lvl2pPr marL="457200" indent="0">
+            <a:lvl2pPr marL="342886" indent="0">
               <a:buNone/>
-              <a:defRPr sz="2000" b="1"/>
+              <a:defRPr sz="1499" b="1"/>
             </a:lvl2pPr>
-            <a:lvl3pPr marL="914400" indent="0">
+            <a:lvl3pPr marL="685771" indent="0">
               <a:buNone/>
-              <a:defRPr sz="1800" b="1"/>
+              <a:defRPr sz="1351" b="1"/>
             </a:lvl3pPr>
-            <a:lvl4pPr marL="1371600" indent="0">
+            <a:lvl4pPr marL="1028657" indent="0">
               <a:buNone/>
-              <a:defRPr sz="1600" b="1"/>
+              <a:defRPr sz="1200" b="1"/>
             </a:lvl4pPr>
-            <a:lvl5pPr marL="1828800" indent="0">
+            <a:lvl5pPr marL="1371543" indent="0">
               <a:buNone/>
-              <a:defRPr sz="1600" b="1"/>
+              <a:defRPr sz="1200" b="1"/>
             </a:lvl5pPr>
-            <a:lvl6pPr marL="2286000" indent="0">
+            <a:lvl6pPr marL="1714428" indent="0">
               <a:buNone/>
-              <a:defRPr sz="1600" b="1"/>
+              <a:defRPr sz="1200" b="1"/>
             </a:lvl6pPr>
-            <a:lvl7pPr marL="2743200" indent="0">
+            <a:lvl7pPr marL="2057314" indent="0">
               <a:buNone/>
-              <a:defRPr sz="1600" b="1"/>
+              <a:defRPr sz="1200" b="1"/>
             </a:lvl7pPr>
-            <a:lvl8pPr marL="3200400" indent="0">
+            <a:lvl8pPr marL="2400200" indent="0">
               <a:buNone/>
-              <a:defRPr sz="1600" b="1"/>
+              <a:defRPr sz="1200" b="1"/>
             </a:lvl8pPr>
-            <a:lvl9pPr marL="3657600" indent="0">
+            <a:lvl9pPr marL="2743085" indent="0">
               <a:buNone/>
-              <a:defRPr sz="1600" b="1"/>
+              <a:defRPr sz="1200" b="1"/>
             </a:lvl9pPr>
           </a:lstStyle>
           <a:p>
@@ -1746,13 +1976,7 @@
       </p:sp>
       <p:sp>
         <p:nvSpPr>
-          <p:cNvPr id="6" name="Content Placeholder 5">
-            <a:extLst>
-              <a:ext uri="{FF2B5EF4-FFF2-40B4-BE49-F238E27FC236}">
-                <a16:creationId xmlns:a16="http://schemas.microsoft.com/office/drawing/2014/main" id="{5DCD801F-644F-0D41-DA85-C7CB71D7FFC8}"/>
-              </a:ext>
-            </a:extLst>
-          </p:cNvPr>
+          <p:cNvPr id="6" name="Content Placeholder 5"/>
           <p:cNvSpPr>
             <a:spLocks noGrp="1"/>
           </p:cNvSpPr>
@@ -1762,8 +1986,8 @@
         </p:nvSpPr>
         <p:spPr>
           <a:xfrm>
-            <a:off x="6172200" y="2505075"/>
-            <a:ext cx="5183188" cy="3684588"/>
+            <a:off x="3471864" y="3618443"/>
+            <a:ext cx="2915543" cy="5322183"/>
           </a:xfrm>
         </p:spPr>
         <p:txBody>
@@ -1803,19 +2027,13 @@
               <a:rPr lang="en-US"/>
               <a:t>Fifth level</a:t>
             </a:r>
-            <a:endParaRPr lang="en-CN"/>
+            <a:endParaRPr lang="en-US" dirty="0"/>
           </a:p>
         </p:txBody>
       </p:sp>
       <p:sp>
         <p:nvSpPr>
-          <p:cNvPr id="7" name="Date Placeholder 6">
-            <a:extLst>
-              <a:ext uri="{FF2B5EF4-FFF2-40B4-BE49-F238E27FC236}">
-                <a16:creationId xmlns:a16="http://schemas.microsoft.com/office/drawing/2014/main" id="{1163228E-35ED-6298-5B6A-DF08A1CA7C6B}"/>
-              </a:ext>
-            </a:extLst>
-          </p:cNvPr>
+          <p:cNvPr id="7" name="Date Placeholder 6"/>
           <p:cNvSpPr>
             <a:spLocks noGrp="1"/>
           </p:cNvSpPr>
@@ -1838,13 +2056,7 @@
       </p:sp>
       <p:sp>
         <p:nvSpPr>
-          <p:cNvPr id="8" name="Footer Placeholder 7">
-            <a:extLst>
-              <a:ext uri="{FF2B5EF4-FFF2-40B4-BE49-F238E27FC236}">
-                <a16:creationId xmlns:a16="http://schemas.microsoft.com/office/drawing/2014/main" id="{5FD1D8AD-A9FB-E699-77AA-8370E442D0CE}"/>
-              </a:ext>
-            </a:extLst>
-          </p:cNvPr>
+          <p:cNvPr id="8" name="Footer Placeholder 7"/>
           <p:cNvSpPr>
             <a:spLocks noGrp="1"/>
           </p:cNvSpPr>
@@ -1863,13 +2075,7 @@
       </p:sp>
       <p:sp>
         <p:nvSpPr>
-          <p:cNvPr id="9" name="Slide Number Placeholder 8">
-            <a:extLst>
-              <a:ext uri="{FF2B5EF4-FFF2-40B4-BE49-F238E27FC236}">
-                <a16:creationId xmlns:a16="http://schemas.microsoft.com/office/drawing/2014/main" id="{665DEF71-ED0F-ADB8-A7E5-21DB0BCDDAE6}"/>
-              </a:ext>
-            </a:extLst>
-          </p:cNvPr>
+          <p:cNvPr id="9" name="Slide Number Placeholder 8"/>
           <p:cNvSpPr>
             <a:spLocks noGrp="1"/>
           </p:cNvSpPr>
@@ -1893,7 +2099,7 @@
     </p:spTree>
     <p:extLst>
       <p:ext uri="{BB962C8B-B14F-4D97-AF65-F5344CB8AC3E}">
-        <p14:creationId xmlns:p14="http://schemas.microsoft.com/office/powerpoint/2010/main" val="1586173929"/>
+        <p14:creationId xmlns:p14="http://schemas.microsoft.com/office/powerpoint/2010/main" val="1165821348"/>
       </p:ext>
     </p:extLst>
   </p:cSld>
@@ -1922,13 +2128,7 @@
       </p:grpSpPr>
       <p:sp>
         <p:nvSpPr>
-          <p:cNvPr id="2" name="Title 1">
-            <a:extLst>
-              <a:ext uri="{FF2B5EF4-FFF2-40B4-BE49-F238E27FC236}">
-                <a16:creationId xmlns:a16="http://schemas.microsoft.com/office/drawing/2014/main" id="{F6CC8F31-EB35-6FCE-1D33-6F20B4B25D5B}"/>
-              </a:ext>
-            </a:extLst>
-          </p:cNvPr>
+          <p:cNvPr id="2" name="Title 1"/>
           <p:cNvSpPr>
             <a:spLocks noGrp="1"/>
           </p:cNvSpPr>
@@ -1945,19 +2145,13 @@
               <a:rPr lang="en-US"/>
               <a:t>Click to edit Master title style</a:t>
             </a:r>
-            <a:endParaRPr lang="en-CN"/>
+            <a:endParaRPr lang="en-US" dirty="0"/>
           </a:p>
         </p:txBody>
       </p:sp>
       <p:sp>
         <p:nvSpPr>
-          <p:cNvPr id="3" name="Date Placeholder 2">
-            <a:extLst>
-              <a:ext uri="{FF2B5EF4-FFF2-40B4-BE49-F238E27FC236}">
-                <a16:creationId xmlns:a16="http://schemas.microsoft.com/office/drawing/2014/main" id="{0E211641-15AF-7E79-D1EA-C21239A5319C}"/>
-              </a:ext>
-            </a:extLst>
-          </p:cNvPr>
+          <p:cNvPr id="3" name="Date Placeholder 2"/>
           <p:cNvSpPr>
             <a:spLocks noGrp="1"/>
           </p:cNvSpPr>
@@ -1980,13 +2174,7 @@
       </p:sp>
       <p:sp>
         <p:nvSpPr>
-          <p:cNvPr id="4" name="Footer Placeholder 3">
-            <a:extLst>
-              <a:ext uri="{FF2B5EF4-FFF2-40B4-BE49-F238E27FC236}">
-                <a16:creationId xmlns:a16="http://schemas.microsoft.com/office/drawing/2014/main" id="{F56FA34D-21C2-88A1-012E-05A7DC941F99}"/>
-              </a:ext>
-            </a:extLst>
-          </p:cNvPr>
+          <p:cNvPr id="4" name="Footer Placeholder 3"/>
           <p:cNvSpPr>
             <a:spLocks noGrp="1"/>
           </p:cNvSpPr>
@@ -2005,13 +2193,7 @@
       </p:sp>
       <p:sp>
         <p:nvSpPr>
-          <p:cNvPr id="5" name="Slide Number Placeholder 4">
-            <a:extLst>
-              <a:ext uri="{FF2B5EF4-FFF2-40B4-BE49-F238E27FC236}">
-                <a16:creationId xmlns:a16="http://schemas.microsoft.com/office/drawing/2014/main" id="{6A71ED5B-DC30-4D46-BA0F-50FE23552F36}"/>
-              </a:ext>
-            </a:extLst>
-          </p:cNvPr>
+          <p:cNvPr id="5" name="Slide Number Placeholder 4"/>
           <p:cNvSpPr>
             <a:spLocks noGrp="1"/>
           </p:cNvSpPr>
@@ -2035,7 +2217,7 @@
     </p:spTree>
     <p:extLst>
       <p:ext uri="{BB962C8B-B14F-4D97-AF65-F5344CB8AC3E}">
-        <p14:creationId xmlns:p14="http://schemas.microsoft.com/office/powerpoint/2010/main" val="1213431930"/>
+        <p14:creationId xmlns:p14="http://schemas.microsoft.com/office/powerpoint/2010/main" val="4273523131"/>
       </p:ext>
     </p:extLst>
   </p:cSld>
@@ -2064,13 +2246,7 @@
       </p:grpSpPr>
       <p:sp>
         <p:nvSpPr>
-          <p:cNvPr id="2" name="Date Placeholder 1">
-            <a:extLst>
-              <a:ext uri="{FF2B5EF4-FFF2-40B4-BE49-F238E27FC236}">
-                <a16:creationId xmlns:a16="http://schemas.microsoft.com/office/drawing/2014/main" id="{C36AB259-2426-F659-7321-821C7B51FD56}"/>
-              </a:ext>
-            </a:extLst>
-          </p:cNvPr>
+          <p:cNvPr id="2" name="Date Placeholder 1"/>
           <p:cNvSpPr>
             <a:spLocks noGrp="1"/>
           </p:cNvSpPr>
@@ -2093,13 +2269,7 @@
       </p:sp>
       <p:sp>
         <p:nvSpPr>
-          <p:cNvPr id="3" name="Footer Placeholder 2">
-            <a:extLst>
-              <a:ext uri="{FF2B5EF4-FFF2-40B4-BE49-F238E27FC236}">
-                <a16:creationId xmlns:a16="http://schemas.microsoft.com/office/drawing/2014/main" id="{A19F8C75-7456-CB0B-FA8A-00B07151E2D3}"/>
-              </a:ext>
-            </a:extLst>
-          </p:cNvPr>
+          <p:cNvPr id="3" name="Footer Placeholder 2"/>
           <p:cNvSpPr>
             <a:spLocks noGrp="1"/>
           </p:cNvSpPr>
@@ -2118,13 +2288,7 @@
       </p:sp>
       <p:sp>
         <p:nvSpPr>
-          <p:cNvPr id="4" name="Slide Number Placeholder 3">
-            <a:extLst>
-              <a:ext uri="{FF2B5EF4-FFF2-40B4-BE49-F238E27FC236}">
-                <a16:creationId xmlns:a16="http://schemas.microsoft.com/office/drawing/2014/main" id="{AA2AE3AA-D2ED-FA0C-6C1F-0539522BBCC3}"/>
-              </a:ext>
-            </a:extLst>
-          </p:cNvPr>
+          <p:cNvPr id="4" name="Slide Number Placeholder 3"/>
           <p:cNvSpPr>
             <a:spLocks noGrp="1"/>
           </p:cNvSpPr>
@@ -2148,7 +2312,7 @@
     </p:spTree>
     <p:extLst>
       <p:ext uri="{BB962C8B-B14F-4D97-AF65-F5344CB8AC3E}">
-        <p14:creationId xmlns:p14="http://schemas.microsoft.com/office/powerpoint/2010/main" val="377343570"/>
+        <p14:creationId xmlns:p14="http://schemas.microsoft.com/office/powerpoint/2010/main" val="3564744797"/>
       </p:ext>
     </p:extLst>
   </p:cSld>
@@ -2177,13 +2341,7 @@
       </p:grpSpPr>
       <p:sp>
         <p:nvSpPr>
-          <p:cNvPr id="2" name="Title 1">
-            <a:extLst>
-              <a:ext uri="{FF2B5EF4-FFF2-40B4-BE49-F238E27FC236}">
-                <a16:creationId xmlns:a16="http://schemas.microsoft.com/office/drawing/2014/main" id="{74734C37-A81A-1A58-4C5D-87F90462A076}"/>
-              </a:ext>
-            </a:extLst>
-          </p:cNvPr>
+          <p:cNvPr id="2" name="Title 1"/>
           <p:cNvSpPr>
             <a:spLocks noGrp="1"/>
           </p:cNvSpPr>
@@ -2193,15 +2351,15 @@
         </p:nvSpPr>
         <p:spPr>
           <a:xfrm>
-            <a:off x="839788" y="457200"/>
-            <a:ext cx="3932237" cy="1600200"/>
+            <a:off x="472381" y="660400"/>
+            <a:ext cx="2211884" cy="2311400"/>
           </a:xfrm>
         </p:spPr>
         <p:txBody>
           <a:bodyPr anchor="b"/>
           <a:lstStyle>
             <a:lvl1pPr>
-              <a:defRPr sz="3200"/>
+              <a:defRPr sz="2401"/>
             </a:lvl1pPr>
           </a:lstStyle>
           <a:p>
@@ -2209,19 +2367,13 @@
               <a:rPr lang="en-US"/>
               <a:t>Click to edit Master title style</a:t>
             </a:r>
-            <a:endParaRPr lang="en-CN"/>
+            <a:endParaRPr lang="en-US" dirty="0"/>
           </a:p>
         </p:txBody>
       </p:sp>
       <p:sp>
         <p:nvSpPr>
-          <p:cNvPr id="3" name="Content Placeholder 2">
-            <a:extLst>
-              <a:ext uri="{FF2B5EF4-FFF2-40B4-BE49-F238E27FC236}">
-                <a16:creationId xmlns:a16="http://schemas.microsoft.com/office/drawing/2014/main" id="{6769D711-0B32-E5AB-5DC2-58CEBA9F03F7}"/>
-              </a:ext>
-            </a:extLst>
-          </p:cNvPr>
+          <p:cNvPr id="3" name="Content Placeholder 2"/>
           <p:cNvSpPr>
             <a:spLocks noGrp="1"/>
           </p:cNvSpPr>
@@ -2231,39 +2383,39 @@
         </p:nvSpPr>
         <p:spPr>
           <a:xfrm>
-            <a:off x="5183188" y="987425"/>
-            <a:ext cx="6172200" cy="4873625"/>
+            <a:off x="2915544" y="1426284"/>
+            <a:ext cx="3471863" cy="7039681"/>
           </a:xfrm>
         </p:spPr>
         <p:txBody>
           <a:bodyPr/>
           <a:lstStyle>
             <a:lvl1pPr>
-              <a:defRPr sz="3200"/>
+              <a:defRPr sz="2401"/>
             </a:lvl1pPr>
             <a:lvl2pPr>
-              <a:defRPr sz="2800"/>
+              <a:defRPr sz="2100"/>
             </a:lvl2pPr>
             <a:lvl3pPr>
-              <a:defRPr sz="2400"/>
+              <a:defRPr sz="1800"/>
             </a:lvl3pPr>
             <a:lvl4pPr>
-              <a:defRPr sz="2000"/>
+              <a:defRPr sz="1499"/>
             </a:lvl4pPr>
             <a:lvl5pPr>
-              <a:defRPr sz="2000"/>
+              <a:defRPr sz="1499"/>
             </a:lvl5pPr>
             <a:lvl6pPr>
-              <a:defRPr sz="2000"/>
+              <a:defRPr sz="1499"/>
             </a:lvl6pPr>
             <a:lvl7pPr>
-              <a:defRPr sz="2000"/>
+              <a:defRPr sz="1499"/>
             </a:lvl7pPr>
             <a:lvl8pPr>
-              <a:defRPr sz="2000"/>
+              <a:defRPr sz="1499"/>
             </a:lvl8pPr>
             <a:lvl9pPr>
-              <a:defRPr sz="2000"/>
+              <a:defRPr sz="1499"/>
             </a:lvl9pPr>
           </a:lstStyle>
           <a:p>
@@ -2300,19 +2452,13 @@
               <a:rPr lang="en-US"/>
               <a:t>Fifth level</a:t>
             </a:r>
-            <a:endParaRPr lang="en-CN"/>
+            <a:endParaRPr lang="en-US" dirty="0"/>
           </a:p>
         </p:txBody>
       </p:sp>
       <p:sp>
         <p:nvSpPr>
-          <p:cNvPr id="4" name="Text Placeholder 3">
-            <a:extLst>
-              <a:ext uri="{FF2B5EF4-FFF2-40B4-BE49-F238E27FC236}">
-                <a16:creationId xmlns:a16="http://schemas.microsoft.com/office/drawing/2014/main" id="{C9A6F850-3A1B-834B-2D5C-135FA76E2E0E}"/>
-              </a:ext>
-            </a:extLst>
-          </p:cNvPr>
+          <p:cNvPr id="4" name="Text Placeholder 3"/>
           <p:cNvSpPr>
             <a:spLocks noGrp="1"/>
           </p:cNvSpPr>
@@ -2322,8 +2468,8 @@
         </p:nvSpPr>
         <p:spPr>
           <a:xfrm>
-            <a:off x="839788" y="2057400"/>
-            <a:ext cx="3932237" cy="3811588"/>
+            <a:off x="472381" y="2971800"/>
+            <a:ext cx="2211884" cy="5505627"/>
           </a:xfrm>
         </p:spPr>
         <p:txBody>
@@ -2331,39 +2477,39 @@
           <a:lstStyle>
             <a:lvl1pPr marL="0" indent="0">
               <a:buNone/>
-              <a:defRPr sz="1600"/>
+              <a:defRPr sz="1200"/>
             </a:lvl1pPr>
-            <a:lvl2pPr marL="457200" indent="0">
+            <a:lvl2pPr marL="342886" indent="0">
               <a:buNone/>
-              <a:defRPr sz="1400"/>
+              <a:defRPr sz="1050"/>
             </a:lvl2pPr>
-            <a:lvl3pPr marL="914400" indent="0">
+            <a:lvl3pPr marL="685771" indent="0">
               <a:buNone/>
-              <a:defRPr sz="1200"/>
+              <a:defRPr sz="900"/>
             </a:lvl3pPr>
-            <a:lvl4pPr marL="1371600" indent="0">
+            <a:lvl4pPr marL="1028657" indent="0">
               <a:buNone/>
-              <a:defRPr sz="1000"/>
+              <a:defRPr sz="750"/>
             </a:lvl4pPr>
-            <a:lvl5pPr marL="1828800" indent="0">
+            <a:lvl5pPr marL="1371543" indent="0">
               <a:buNone/>
-              <a:defRPr sz="1000"/>
+              <a:defRPr sz="750"/>
             </a:lvl5pPr>
-            <a:lvl6pPr marL="2286000" indent="0">
+            <a:lvl6pPr marL="1714428" indent="0">
               <a:buNone/>
-              <a:defRPr sz="1000"/>
+              <a:defRPr sz="750"/>
             </a:lvl6pPr>
-            <a:lvl7pPr marL="2743200" indent="0">
+            <a:lvl7pPr marL="2057314" indent="0">
               <a:buNone/>
-              <a:defRPr sz="1000"/>
+              <a:defRPr sz="750"/>
             </a:lvl7pPr>
-            <a:lvl8pPr marL="3200400" indent="0">
+            <a:lvl8pPr marL="2400200" indent="0">
               <a:buNone/>
-              <a:defRPr sz="1000"/>
+              <a:defRPr sz="750"/>
             </a:lvl8pPr>
-            <a:lvl9pPr marL="3657600" indent="0">
+            <a:lvl9pPr marL="2743085" indent="0">
               <a:buNone/>
-              <a:defRPr sz="1000"/>
+              <a:defRPr sz="750"/>
             </a:lvl9pPr>
           </a:lstStyle>
           <a:p>
@@ -2377,13 +2523,7 @@
       </p:sp>
       <p:sp>
         <p:nvSpPr>
-          <p:cNvPr id="5" name="Date Placeholder 4">
-            <a:extLst>
-              <a:ext uri="{FF2B5EF4-FFF2-40B4-BE49-F238E27FC236}">
-                <a16:creationId xmlns:a16="http://schemas.microsoft.com/office/drawing/2014/main" id="{331CABC9-4C75-E574-EE1E-83991B44DCD3}"/>
-              </a:ext>
-            </a:extLst>
-          </p:cNvPr>
+          <p:cNvPr id="5" name="Date Placeholder 4"/>
           <p:cNvSpPr>
             <a:spLocks noGrp="1"/>
           </p:cNvSpPr>
@@ -2406,13 +2546,7 @@
       </p:sp>
       <p:sp>
         <p:nvSpPr>
-          <p:cNvPr id="6" name="Footer Placeholder 5">
-            <a:extLst>
-              <a:ext uri="{FF2B5EF4-FFF2-40B4-BE49-F238E27FC236}">
-                <a16:creationId xmlns:a16="http://schemas.microsoft.com/office/drawing/2014/main" id="{488D2971-A738-D8CC-F1DB-2C7F8E7A7665}"/>
-              </a:ext>
-            </a:extLst>
-          </p:cNvPr>
+          <p:cNvPr id="6" name="Footer Placeholder 5"/>
           <p:cNvSpPr>
             <a:spLocks noGrp="1"/>
           </p:cNvSpPr>
@@ -2431,13 +2565,7 @@
       </p:sp>
       <p:sp>
         <p:nvSpPr>
-          <p:cNvPr id="7" name="Slide Number Placeholder 6">
-            <a:extLst>
-              <a:ext uri="{FF2B5EF4-FFF2-40B4-BE49-F238E27FC236}">
-                <a16:creationId xmlns:a16="http://schemas.microsoft.com/office/drawing/2014/main" id="{1C1844D4-02D3-6A19-1AC5-B625FABF13AC}"/>
-              </a:ext>
-            </a:extLst>
-          </p:cNvPr>
+          <p:cNvPr id="7" name="Slide Number Placeholder 6"/>
           <p:cNvSpPr>
             <a:spLocks noGrp="1"/>
           </p:cNvSpPr>
@@ -2461,7 +2589,7 @@
     </p:spTree>
     <p:extLst>
       <p:ext uri="{BB962C8B-B14F-4D97-AF65-F5344CB8AC3E}">
-        <p14:creationId xmlns:p14="http://schemas.microsoft.com/office/powerpoint/2010/main" val="3289511175"/>
+        <p14:creationId xmlns:p14="http://schemas.microsoft.com/office/powerpoint/2010/main" val="2611372563"/>
       </p:ext>
     </p:extLst>
   </p:cSld>
@@ -2490,13 +2618,7 @@
       </p:grpSpPr>
       <p:sp>
         <p:nvSpPr>
-          <p:cNvPr id="2" name="Title 1">
-            <a:extLst>
-              <a:ext uri="{FF2B5EF4-FFF2-40B4-BE49-F238E27FC236}">
-                <a16:creationId xmlns:a16="http://schemas.microsoft.com/office/drawing/2014/main" id="{61C43CBA-0BEA-28CA-C223-7E6E21373E27}"/>
-              </a:ext>
-            </a:extLst>
-          </p:cNvPr>
+          <p:cNvPr id="2" name="Title 1"/>
           <p:cNvSpPr>
             <a:spLocks noGrp="1"/>
           </p:cNvSpPr>
@@ -2506,15 +2628,15 @@
         </p:nvSpPr>
         <p:spPr>
           <a:xfrm>
-            <a:off x="839788" y="457200"/>
-            <a:ext cx="3932237" cy="1600200"/>
+            <a:off x="472381" y="660400"/>
+            <a:ext cx="2211884" cy="2311400"/>
           </a:xfrm>
         </p:spPr>
         <p:txBody>
           <a:bodyPr anchor="b"/>
           <a:lstStyle>
             <a:lvl1pPr>
-              <a:defRPr sz="3200"/>
+              <a:defRPr sz="2401"/>
             </a:lvl1pPr>
           </a:lstStyle>
           <a:p>
@@ -2522,21 +2644,15 @@
               <a:rPr lang="en-US"/>
               <a:t>Click to edit Master title style</a:t>
             </a:r>
-            <a:endParaRPr lang="en-CN"/>
+            <a:endParaRPr lang="en-US" dirty="0"/>
           </a:p>
         </p:txBody>
       </p:sp>
       <p:sp>
         <p:nvSpPr>
-          <p:cNvPr id="3" name="Picture Placeholder 2">
-            <a:extLst>
-              <a:ext uri="{FF2B5EF4-FFF2-40B4-BE49-F238E27FC236}">
-                <a16:creationId xmlns:a16="http://schemas.microsoft.com/office/drawing/2014/main" id="{8D920AB1-BFC0-B7C9-40EC-7CAF22A5DFD8}"/>
-              </a:ext>
-            </a:extLst>
-          </p:cNvPr>
+          <p:cNvPr id="3" name="Picture Placeholder 2"/>
           <p:cNvSpPr>
-            <a:spLocks noGrp="1"/>
+            <a:spLocks noGrp="1" noChangeAspect="1"/>
           </p:cNvSpPr>
           <p:nvPr>
             <p:ph type="pic" idx="1"/>
@@ -2544,64 +2660,62 @@
         </p:nvSpPr>
         <p:spPr>
           <a:xfrm>
-            <a:off x="5183188" y="987425"/>
-            <a:ext cx="6172200" cy="4873625"/>
+            <a:off x="2915544" y="1426284"/>
+            <a:ext cx="3471863" cy="7039681"/>
           </a:xfrm>
         </p:spPr>
         <p:txBody>
-          <a:bodyPr/>
+          <a:bodyPr anchor="t"/>
           <a:lstStyle>
             <a:lvl1pPr marL="0" indent="0">
               <a:buNone/>
-              <a:defRPr sz="3200"/>
+              <a:defRPr sz="2401"/>
             </a:lvl1pPr>
-            <a:lvl2pPr marL="457200" indent="0">
+            <a:lvl2pPr marL="342886" indent="0">
               <a:buNone/>
-              <a:defRPr sz="2800"/>
+              <a:defRPr sz="2100"/>
             </a:lvl2pPr>
-            <a:lvl3pPr marL="914400" indent="0">
+            <a:lvl3pPr marL="685771" indent="0">
               <a:buNone/>
-              <a:defRPr sz="2400"/>
+              <a:defRPr sz="1800"/>
             </a:lvl3pPr>
-            <a:lvl4pPr marL="1371600" indent="0">
+            <a:lvl4pPr marL="1028657" indent="0">
               <a:buNone/>
-              <a:defRPr sz="2000"/>
+              <a:defRPr sz="1499"/>
             </a:lvl4pPr>
-            <a:lvl5pPr marL="1828800" indent="0">
+            <a:lvl5pPr marL="1371543" indent="0">
               <a:buNone/>
-              <a:defRPr sz="2000"/>
+              <a:defRPr sz="1499"/>
             </a:lvl5pPr>
-            <a:lvl6pPr marL="2286000" indent="0">
+            <a:lvl6pPr marL="1714428" indent="0">
               <a:buNone/>
-              <a:defRPr sz="2000"/>
+              <a:defRPr sz="1499"/>
             </a:lvl6pPr>
-            <a:lvl7pPr marL="2743200" indent="0">
+            <a:lvl7pPr marL="2057314" indent="0">
               <a:buNone/>
-              <a:defRPr sz="2000"/>
+              <a:defRPr sz="1499"/>
             </a:lvl7pPr>
-            <a:lvl8pPr marL="3200400" indent="0">
+            <a:lvl8pPr marL="2400200" indent="0">
               <a:buNone/>
-              <a:defRPr sz="2000"/>
+              <a:defRPr sz="1499"/>
             </a:lvl8pPr>
-            <a:lvl9pPr marL="3657600" indent="0">
+            <a:lvl9pPr marL="2743085" indent="0">
               <a:buNone/>
-              <a:defRPr sz="2000"/>
+              <a:defRPr sz="1499"/>
             </a:lvl9pPr>
           </a:lstStyle>
           <a:p>
-            <a:endParaRPr lang="en-CN"/>
+            <a:r>
+              <a:rPr lang="en-US"/>
+              <a:t>Click icon to add picture</a:t>
+            </a:r>
+            <a:endParaRPr lang="en-US" dirty="0"/>
           </a:p>
         </p:txBody>
       </p:sp>
       <p:sp>
         <p:nvSpPr>
-          <p:cNvPr id="4" name="Text Placeholder 3">
-            <a:extLst>
-              <a:ext uri="{FF2B5EF4-FFF2-40B4-BE49-F238E27FC236}">
-                <a16:creationId xmlns:a16="http://schemas.microsoft.com/office/drawing/2014/main" id="{82A44471-F04D-58F9-0947-73B6F48D5CAE}"/>
-              </a:ext>
-            </a:extLst>
-          </p:cNvPr>
+          <p:cNvPr id="4" name="Text Placeholder 3"/>
           <p:cNvSpPr>
             <a:spLocks noGrp="1"/>
           </p:cNvSpPr>
@@ -2611,8 +2725,8 @@
         </p:nvSpPr>
         <p:spPr>
           <a:xfrm>
-            <a:off x="839788" y="2057400"/>
-            <a:ext cx="3932237" cy="3811588"/>
+            <a:off x="472381" y="2971800"/>
+            <a:ext cx="2211884" cy="5505627"/>
           </a:xfrm>
         </p:spPr>
         <p:txBody>
@@ -2620,39 +2734,39 @@
           <a:lstStyle>
             <a:lvl1pPr marL="0" indent="0">
               <a:buNone/>
-              <a:defRPr sz="1600"/>
+              <a:defRPr sz="1200"/>
             </a:lvl1pPr>
-            <a:lvl2pPr marL="457200" indent="0">
+            <a:lvl2pPr marL="342886" indent="0">
               <a:buNone/>
-              <a:defRPr sz="1400"/>
+              <a:defRPr sz="1050"/>
             </a:lvl2pPr>
-            <a:lvl3pPr marL="914400" indent="0">
+            <a:lvl3pPr marL="685771" indent="0">
               <a:buNone/>
-              <a:defRPr sz="1200"/>
+              <a:defRPr sz="900"/>
             </a:lvl3pPr>
-            <a:lvl4pPr marL="1371600" indent="0">
+            <a:lvl4pPr marL="1028657" indent="0">
               <a:buNone/>
-              <a:defRPr sz="1000"/>
+              <a:defRPr sz="750"/>
             </a:lvl4pPr>
-            <a:lvl5pPr marL="1828800" indent="0">
+            <a:lvl5pPr marL="1371543" indent="0">
               <a:buNone/>
-              <a:defRPr sz="1000"/>
+              <a:defRPr sz="750"/>
             </a:lvl5pPr>
-            <a:lvl6pPr marL="2286000" indent="0">
+            <a:lvl6pPr marL="1714428" indent="0">
               <a:buNone/>
-              <a:defRPr sz="1000"/>
+              <a:defRPr sz="750"/>
             </a:lvl6pPr>
-            <a:lvl7pPr marL="2743200" indent="0">
+            <a:lvl7pPr marL="2057314" indent="0">
               <a:buNone/>
-              <a:defRPr sz="1000"/>
+              <a:defRPr sz="750"/>
             </a:lvl7pPr>
-            <a:lvl8pPr marL="3200400" indent="0">
+            <a:lvl8pPr marL="2400200" indent="0">
               <a:buNone/>
-              <a:defRPr sz="1000"/>
+              <a:defRPr sz="750"/>
             </a:lvl8pPr>
-            <a:lvl9pPr marL="3657600" indent="0">
+            <a:lvl9pPr marL="2743085" indent="0">
               <a:buNone/>
-              <a:defRPr sz="1000"/>
+              <a:defRPr sz="750"/>
             </a:lvl9pPr>
           </a:lstStyle>
           <a:p>
@@ -2666,13 +2780,7 @@
       </p:sp>
       <p:sp>
         <p:nvSpPr>
-          <p:cNvPr id="5" name="Date Placeholder 4">
-            <a:extLst>
-              <a:ext uri="{FF2B5EF4-FFF2-40B4-BE49-F238E27FC236}">
-                <a16:creationId xmlns:a16="http://schemas.microsoft.com/office/drawing/2014/main" id="{D3E9ABCB-562D-6F60-475D-86FFEBCE3D96}"/>
-              </a:ext>
-            </a:extLst>
-          </p:cNvPr>
+          <p:cNvPr id="5" name="Date Placeholder 4"/>
           <p:cNvSpPr>
             <a:spLocks noGrp="1"/>
           </p:cNvSpPr>
@@ -2695,13 +2803,7 @@
       </p:sp>
       <p:sp>
         <p:nvSpPr>
-          <p:cNvPr id="6" name="Footer Placeholder 5">
-            <a:extLst>
-              <a:ext uri="{FF2B5EF4-FFF2-40B4-BE49-F238E27FC236}">
-                <a16:creationId xmlns:a16="http://schemas.microsoft.com/office/drawing/2014/main" id="{44F13C88-645D-B341-4124-6ECB0E4293C2}"/>
-              </a:ext>
-            </a:extLst>
-          </p:cNvPr>
+          <p:cNvPr id="6" name="Footer Placeholder 5"/>
           <p:cNvSpPr>
             <a:spLocks noGrp="1"/>
           </p:cNvSpPr>
@@ -2720,13 +2822,7 @@
       </p:sp>
       <p:sp>
         <p:nvSpPr>
-          <p:cNvPr id="7" name="Slide Number Placeholder 6">
-            <a:extLst>
-              <a:ext uri="{FF2B5EF4-FFF2-40B4-BE49-F238E27FC236}">
-                <a16:creationId xmlns:a16="http://schemas.microsoft.com/office/drawing/2014/main" id="{EB896B7E-97B4-4505-41D8-89F92548A0F9}"/>
-              </a:ext>
-            </a:extLst>
-          </p:cNvPr>
+          <p:cNvPr id="7" name="Slide Number Placeholder 6"/>
           <p:cNvSpPr>
             <a:spLocks noGrp="1"/>
           </p:cNvSpPr>
@@ -2750,7 +2846,7 @@
     </p:spTree>
     <p:extLst>
       <p:ext uri="{BB962C8B-B14F-4D97-AF65-F5344CB8AC3E}">
-        <p14:creationId xmlns:p14="http://schemas.microsoft.com/office/powerpoint/2010/main" val="1942748535"/>
+        <p14:creationId xmlns:p14="http://schemas.microsoft.com/office/powerpoint/2010/main" val="3765657486"/>
       </p:ext>
     </p:extLst>
   </p:cSld>
@@ -2784,13 +2880,7 @@
       </p:grpSpPr>
       <p:sp>
         <p:nvSpPr>
-          <p:cNvPr id="2" name="Title Placeholder 1">
-            <a:extLst>
-              <a:ext uri="{FF2B5EF4-FFF2-40B4-BE49-F238E27FC236}">
-                <a16:creationId xmlns:a16="http://schemas.microsoft.com/office/drawing/2014/main" id="{A7B55B83-4A5F-2F28-9C60-2F836F6DF0CA}"/>
-              </a:ext>
-            </a:extLst>
-          </p:cNvPr>
+          <p:cNvPr id="2" name="Title Placeholder 1"/>
           <p:cNvSpPr>
             <a:spLocks noGrp="1"/>
           </p:cNvSpPr>
@@ -2800,8 +2890,8 @@
         </p:nvSpPr>
         <p:spPr>
           <a:xfrm>
-            <a:off x="838200" y="365125"/>
-            <a:ext cx="10515600" cy="1325563"/>
+            <a:off x="471489" y="527406"/>
+            <a:ext cx="5915025" cy="1914702"/>
           </a:xfrm>
           <a:prstGeom prst="rect">
             <a:avLst/>
@@ -2817,19 +2907,13 @@
               <a:rPr lang="en-US"/>
               <a:t>Click to edit Master title style</a:t>
             </a:r>
-            <a:endParaRPr lang="en-CN"/>
+            <a:endParaRPr lang="en-US" dirty="0"/>
           </a:p>
         </p:txBody>
       </p:sp>
       <p:sp>
         <p:nvSpPr>
-          <p:cNvPr id="3" name="Text Placeholder 2">
-            <a:extLst>
-              <a:ext uri="{FF2B5EF4-FFF2-40B4-BE49-F238E27FC236}">
-                <a16:creationId xmlns:a16="http://schemas.microsoft.com/office/drawing/2014/main" id="{5A830B5D-1F22-F73E-8298-A3E35807BFCB}"/>
-              </a:ext>
-            </a:extLst>
-          </p:cNvPr>
+          <p:cNvPr id="3" name="Text Placeholder 2"/>
           <p:cNvSpPr>
             <a:spLocks noGrp="1"/>
           </p:cNvSpPr>
@@ -2839,8 +2923,8 @@
         </p:nvSpPr>
         <p:spPr>
           <a:xfrm>
-            <a:off x="838200" y="1825625"/>
-            <a:ext cx="10515600" cy="4351338"/>
+            <a:off x="471489" y="2637014"/>
+            <a:ext cx="5915025" cy="6285266"/>
           </a:xfrm>
           <a:prstGeom prst="rect">
             <a:avLst/>
@@ -2885,19 +2969,13 @@
               <a:rPr lang="en-US"/>
               <a:t>Fifth level</a:t>
             </a:r>
-            <a:endParaRPr lang="en-CN"/>
+            <a:endParaRPr lang="en-US" dirty="0"/>
           </a:p>
         </p:txBody>
       </p:sp>
       <p:sp>
         <p:nvSpPr>
-          <p:cNvPr id="4" name="Date Placeholder 3">
-            <a:extLst>
-              <a:ext uri="{FF2B5EF4-FFF2-40B4-BE49-F238E27FC236}">
-                <a16:creationId xmlns:a16="http://schemas.microsoft.com/office/drawing/2014/main" id="{A538302F-745E-9C84-7FAF-A62ED5277810}"/>
-              </a:ext>
-            </a:extLst>
-          </p:cNvPr>
+          <p:cNvPr id="4" name="Date Placeholder 3"/>
           <p:cNvSpPr>
             <a:spLocks noGrp="1"/>
           </p:cNvSpPr>
@@ -2907,8 +2985,8 @@
         </p:nvSpPr>
         <p:spPr>
           <a:xfrm>
-            <a:off x="838200" y="6356350"/>
-            <a:ext cx="2743200" cy="365125"/>
+            <a:off x="471488" y="9181398"/>
+            <a:ext cx="1543050" cy="527403"/>
           </a:xfrm>
           <a:prstGeom prst="rect">
             <a:avLst/>
@@ -2918,7 +2996,7 @@
           <a:bodyPr vert="horz" lIns="91440" tIns="45720" rIns="91440" bIns="45720" rtlCol="0" anchor="ctr"/>
           <a:lstStyle>
             <a:lvl1pPr algn="l">
-              <a:defRPr sz="1200">
+              <a:defRPr sz="900">
                 <a:solidFill>
                   <a:schemeClr val="tx1">
                     <a:tint val="75000"/>
@@ -2938,13 +3016,7 @@
       </p:sp>
       <p:sp>
         <p:nvSpPr>
-          <p:cNvPr id="5" name="Footer Placeholder 4">
-            <a:extLst>
-              <a:ext uri="{FF2B5EF4-FFF2-40B4-BE49-F238E27FC236}">
-                <a16:creationId xmlns:a16="http://schemas.microsoft.com/office/drawing/2014/main" id="{3B7E9F5F-1A27-830A-6911-09609BCA5FAB}"/>
-              </a:ext>
-            </a:extLst>
-          </p:cNvPr>
+          <p:cNvPr id="5" name="Footer Placeholder 4"/>
           <p:cNvSpPr>
             <a:spLocks noGrp="1"/>
           </p:cNvSpPr>
@@ -2954,8 +3026,8 @@
         </p:nvSpPr>
         <p:spPr>
           <a:xfrm>
-            <a:off x="4038600" y="6356350"/>
-            <a:ext cx="4114800" cy="365125"/>
+            <a:off x="2271714" y="9181398"/>
+            <a:ext cx="2314575" cy="527403"/>
           </a:xfrm>
           <a:prstGeom prst="rect">
             <a:avLst/>
@@ -2965,7 +3037,7 @@
           <a:bodyPr vert="horz" lIns="91440" tIns="45720" rIns="91440" bIns="45720" rtlCol="0" anchor="ctr"/>
           <a:lstStyle>
             <a:lvl1pPr algn="ctr">
-              <a:defRPr sz="1200">
+              <a:defRPr sz="900">
                 <a:solidFill>
                   <a:schemeClr val="tx1">
                     <a:tint val="75000"/>
@@ -2981,13 +3053,7 @@
       </p:sp>
       <p:sp>
         <p:nvSpPr>
-          <p:cNvPr id="6" name="Slide Number Placeholder 5">
-            <a:extLst>
-              <a:ext uri="{FF2B5EF4-FFF2-40B4-BE49-F238E27FC236}">
-                <a16:creationId xmlns:a16="http://schemas.microsoft.com/office/drawing/2014/main" id="{BB592084-3903-9AA2-417F-4DAD5D8059C7}"/>
-              </a:ext>
-            </a:extLst>
-          </p:cNvPr>
+          <p:cNvPr id="6" name="Slide Number Placeholder 5"/>
           <p:cNvSpPr>
             <a:spLocks noGrp="1"/>
           </p:cNvSpPr>
@@ -2997,8 +3063,8 @@
         </p:nvSpPr>
         <p:spPr>
           <a:xfrm>
-            <a:off x="8610600" y="6356350"/>
-            <a:ext cx="2743200" cy="365125"/>
+            <a:off x="4843463" y="9181398"/>
+            <a:ext cx="1543050" cy="527403"/>
           </a:xfrm>
           <a:prstGeom prst="rect">
             <a:avLst/>
@@ -3008,7 +3074,7 @@
           <a:bodyPr vert="horz" lIns="91440" tIns="45720" rIns="91440" bIns="45720" rtlCol="0" anchor="ctr"/>
           <a:lstStyle>
             <a:lvl1pPr algn="r">
-              <a:defRPr sz="1200">
+              <a:defRPr sz="900">
                 <a:solidFill>
                   <a:schemeClr val="tx1">
                     <a:tint val="75000"/>
@@ -3029,27 +3095,27 @@
     </p:spTree>
     <p:extLst>
       <p:ext uri="{BB962C8B-B14F-4D97-AF65-F5344CB8AC3E}">
-        <p14:creationId xmlns:p14="http://schemas.microsoft.com/office/powerpoint/2010/main" val="3421467739"/>
+        <p14:creationId xmlns:p14="http://schemas.microsoft.com/office/powerpoint/2010/main" val="1419581100"/>
       </p:ext>
     </p:extLst>
   </p:cSld>
   <p:clrMap bg1="lt1" tx1="dk1" bg2="lt2" tx2="dk2" accent1="accent1" accent2="accent2" accent3="accent3" accent4="accent4" accent5="accent5" accent6="accent6" hlink="hlink" folHlink="folHlink"/>
   <p:sldLayoutIdLst>
-    <p:sldLayoutId id="2147483649" r:id="rId1"/>
-    <p:sldLayoutId id="2147483650" r:id="rId2"/>
-    <p:sldLayoutId id="2147483651" r:id="rId3"/>
-    <p:sldLayoutId id="2147483652" r:id="rId4"/>
-    <p:sldLayoutId id="2147483653" r:id="rId5"/>
-    <p:sldLayoutId id="2147483654" r:id="rId6"/>
-    <p:sldLayoutId id="2147483655" r:id="rId7"/>
-    <p:sldLayoutId id="2147483656" r:id="rId8"/>
-    <p:sldLayoutId id="2147483657" r:id="rId9"/>
-    <p:sldLayoutId id="2147483658" r:id="rId10"/>
-    <p:sldLayoutId id="2147483659" r:id="rId11"/>
+    <p:sldLayoutId id="2147483697" r:id="rId1"/>
+    <p:sldLayoutId id="2147483698" r:id="rId2"/>
+    <p:sldLayoutId id="2147483699" r:id="rId3"/>
+    <p:sldLayoutId id="2147483700" r:id="rId4"/>
+    <p:sldLayoutId id="2147483701" r:id="rId5"/>
+    <p:sldLayoutId id="2147483702" r:id="rId6"/>
+    <p:sldLayoutId id="2147483703" r:id="rId7"/>
+    <p:sldLayoutId id="2147483704" r:id="rId8"/>
+    <p:sldLayoutId id="2147483705" r:id="rId9"/>
+    <p:sldLayoutId id="2147483706" r:id="rId10"/>
+    <p:sldLayoutId id="2147483707" r:id="rId11"/>
   </p:sldLayoutIdLst>
   <p:txStyles>
     <p:titleStyle>
-      <a:lvl1pPr algn="l" defTabSz="914400" rtl="0" eaLnBrk="1" latinLnBrk="0" hangingPunct="1">
+      <a:lvl1pPr algn="l" defTabSz="685771" rtl="0" eaLnBrk="1" latinLnBrk="0" hangingPunct="1">
         <a:lnSpc>
           <a:spcPct val="90000"/>
         </a:lnSpc>
@@ -3057,7 +3123,7 @@
           <a:spcPct val="0"/>
         </a:spcBef>
         <a:buNone/>
-        <a:defRPr sz="4400" kern="1200">
+        <a:defRPr sz="3300" kern="1200">
           <a:solidFill>
             <a:schemeClr val="tx1"/>
           </a:solidFill>
@@ -3068,16 +3134,16 @@
       </a:lvl1pPr>
     </p:titleStyle>
     <p:bodyStyle>
-      <a:lvl1pPr marL="228600" indent="-228600" algn="l" defTabSz="914400" rtl="0" eaLnBrk="1" latinLnBrk="0" hangingPunct="1">
+      <a:lvl1pPr marL="171443" indent="-171443" algn="l" defTabSz="685771" rtl="0" eaLnBrk="1" latinLnBrk="0" hangingPunct="1">
         <a:lnSpc>
           <a:spcPct val="90000"/>
         </a:lnSpc>
         <a:spcBef>
-          <a:spcPts val="1000"/>
+          <a:spcPts val="750"/>
         </a:spcBef>
         <a:buFont typeface="Arial" panose="020B0604020202020204" pitchFamily="34" charset="0"/>
         <a:buChar char="•"/>
-        <a:defRPr sz="2800" kern="1200">
+        <a:defRPr sz="2100" kern="1200">
           <a:solidFill>
             <a:schemeClr val="tx1"/>
           </a:solidFill>
@@ -3086,48 +3152,12 @@
           <a:cs typeface="+mn-cs"/>
         </a:defRPr>
       </a:lvl1pPr>
-      <a:lvl2pPr marL="685800" indent="-228600" algn="l" defTabSz="914400" rtl="0" eaLnBrk="1" latinLnBrk="0" hangingPunct="1">
+      <a:lvl2pPr marL="514329" indent="-171443" algn="l" defTabSz="685771" rtl="0" eaLnBrk="1" latinLnBrk="0" hangingPunct="1">
         <a:lnSpc>
           <a:spcPct val="90000"/>
         </a:lnSpc>
         <a:spcBef>
-          <a:spcPts val="500"/>
-        </a:spcBef>
-        <a:buFont typeface="Arial" panose="020B0604020202020204" pitchFamily="34" charset="0"/>
-        <a:buChar char="•"/>
-        <a:defRPr sz="2400" kern="1200">
-          <a:solidFill>
-            <a:schemeClr val="tx1"/>
-          </a:solidFill>
-          <a:latin typeface="+mn-lt"/>
-          <a:ea typeface="+mn-ea"/>
-          <a:cs typeface="+mn-cs"/>
-        </a:defRPr>
-      </a:lvl2pPr>
-      <a:lvl3pPr marL="1143000" indent="-228600" algn="l" defTabSz="914400" rtl="0" eaLnBrk="1" latinLnBrk="0" hangingPunct="1">
-        <a:lnSpc>
-          <a:spcPct val="90000"/>
-        </a:lnSpc>
-        <a:spcBef>
-          <a:spcPts val="500"/>
-        </a:spcBef>
-        <a:buFont typeface="Arial" panose="020B0604020202020204" pitchFamily="34" charset="0"/>
-        <a:buChar char="•"/>
-        <a:defRPr sz="2000" kern="1200">
-          <a:solidFill>
-            <a:schemeClr val="tx1"/>
-          </a:solidFill>
-          <a:latin typeface="+mn-lt"/>
-          <a:ea typeface="+mn-ea"/>
-          <a:cs typeface="+mn-cs"/>
-        </a:defRPr>
-      </a:lvl3pPr>
-      <a:lvl4pPr marL="1600200" indent="-228600" algn="l" defTabSz="914400" rtl="0" eaLnBrk="1" latinLnBrk="0" hangingPunct="1">
-        <a:lnSpc>
-          <a:spcPct val="90000"/>
-        </a:lnSpc>
-        <a:spcBef>
-          <a:spcPts val="500"/>
+          <a:spcPts val="376"/>
         </a:spcBef>
         <a:buFont typeface="Arial" panose="020B0604020202020204" pitchFamily="34" charset="0"/>
         <a:buChar char="•"/>
@@ -3139,17 +3169,53 @@
           <a:ea typeface="+mn-ea"/>
           <a:cs typeface="+mn-cs"/>
         </a:defRPr>
-      </a:lvl4pPr>
-      <a:lvl5pPr marL="2057400" indent="-228600" algn="l" defTabSz="914400" rtl="0" eaLnBrk="1" latinLnBrk="0" hangingPunct="1">
+      </a:lvl2pPr>
+      <a:lvl3pPr marL="857214" indent="-171443" algn="l" defTabSz="685771" rtl="0" eaLnBrk="1" latinLnBrk="0" hangingPunct="1">
         <a:lnSpc>
           <a:spcPct val="90000"/>
         </a:lnSpc>
         <a:spcBef>
-          <a:spcPts val="500"/>
+          <a:spcPts val="376"/>
         </a:spcBef>
         <a:buFont typeface="Arial" panose="020B0604020202020204" pitchFamily="34" charset="0"/>
         <a:buChar char="•"/>
-        <a:defRPr sz="1800" kern="1200">
+        <a:defRPr sz="1499" kern="1200">
+          <a:solidFill>
+            <a:schemeClr val="tx1"/>
+          </a:solidFill>
+          <a:latin typeface="+mn-lt"/>
+          <a:ea typeface="+mn-ea"/>
+          <a:cs typeface="+mn-cs"/>
+        </a:defRPr>
+      </a:lvl3pPr>
+      <a:lvl4pPr marL="1200100" indent="-171443" algn="l" defTabSz="685771" rtl="0" eaLnBrk="1" latinLnBrk="0" hangingPunct="1">
+        <a:lnSpc>
+          <a:spcPct val="90000"/>
+        </a:lnSpc>
+        <a:spcBef>
+          <a:spcPts val="376"/>
+        </a:spcBef>
+        <a:buFont typeface="Arial" panose="020B0604020202020204" pitchFamily="34" charset="0"/>
+        <a:buChar char="•"/>
+        <a:defRPr sz="1351" kern="1200">
+          <a:solidFill>
+            <a:schemeClr val="tx1"/>
+          </a:solidFill>
+          <a:latin typeface="+mn-lt"/>
+          <a:ea typeface="+mn-ea"/>
+          <a:cs typeface="+mn-cs"/>
+        </a:defRPr>
+      </a:lvl4pPr>
+      <a:lvl5pPr marL="1542986" indent="-171443" algn="l" defTabSz="685771" rtl="0" eaLnBrk="1" latinLnBrk="0" hangingPunct="1">
+        <a:lnSpc>
+          <a:spcPct val="90000"/>
+        </a:lnSpc>
+        <a:spcBef>
+          <a:spcPts val="376"/>
+        </a:spcBef>
+        <a:buFont typeface="Arial" panose="020B0604020202020204" pitchFamily="34" charset="0"/>
+        <a:buChar char="•"/>
+        <a:defRPr sz="1351" kern="1200">
           <a:solidFill>
             <a:schemeClr val="tx1"/>
           </a:solidFill>
@@ -3158,16 +3224,16 @@
           <a:cs typeface="+mn-cs"/>
         </a:defRPr>
       </a:lvl5pPr>
-      <a:lvl6pPr marL="2514600" indent="-228600" algn="l" defTabSz="914400" rtl="0" eaLnBrk="1" latinLnBrk="0" hangingPunct="1">
+      <a:lvl6pPr marL="1885871" indent="-171443" algn="l" defTabSz="685771" rtl="0" eaLnBrk="1" latinLnBrk="0" hangingPunct="1">
         <a:lnSpc>
           <a:spcPct val="90000"/>
         </a:lnSpc>
         <a:spcBef>
-          <a:spcPts val="500"/>
+          <a:spcPts val="376"/>
         </a:spcBef>
         <a:buFont typeface="Arial" panose="020B0604020202020204" pitchFamily="34" charset="0"/>
         <a:buChar char="•"/>
-        <a:defRPr sz="1800" kern="1200">
+        <a:defRPr sz="1351" kern="1200">
           <a:solidFill>
             <a:schemeClr val="tx1"/>
           </a:solidFill>
@@ -3176,16 +3242,16 @@
           <a:cs typeface="+mn-cs"/>
         </a:defRPr>
       </a:lvl6pPr>
-      <a:lvl7pPr marL="2971800" indent="-228600" algn="l" defTabSz="914400" rtl="0" eaLnBrk="1" latinLnBrk="0" hangingPunct="1">
+      <a:lvl7pPr marL="2228757" indent="-171443" algn="l" defTabSz="685771" rtl="0" eaLnBrk="1" latinLnBrk="0" hangingPunct="1">
         <a:lnSpc>
           <a:spcPct val="90000"/>
         </a:lnSpc>
         <a:spcBef>
-          <a:spcPts val="500"/>
+          <a:spcPts val="376"/>
         </a:spcBef>
         <a:buFont typeface="Arial" panose="020B0604020202020204" pitchFamily="34" charset="0"/>
         <a:buChar char="•"/>
-        <a:defRPr sz="1800" kern="1200">
+        <a:defRPr sz="1351" kern="1200">
           <a:solidFill>
             <a:schemeClr val="tx1"/>
           </a:solidFill>
@@ -3194,16 +3260,16 @@
           <a:cs typeface="+mn-cs"/>
         </a:defRPr>
       </a:lvl7pPr>
-      <a:lvl8pPr marL="3429000" indent="-228600" algn="l" defTabSz="914400" rtl="0" eaLnBrk="1" latinLnBrk="0" hangingPunct="1">
+      <a:lvl8pPr marL="2571643" indent="-171443" algn="l" defTabSz="685771" rtl="0" eaLnBrk="1" latinLnBrk="0" hangingPunct="1">
         <a:lnSpc>
           <a:spcPct val="90000"/>
         </a:lnSpc>
         <a:spcBef>
-          <a:spcPts val="500"/>
+          <a:spcPts val="376"/>
         </a:spcBef>
         <a:buFont typeface="Arial" panose="020B0604020202020204" pitchFamily="34" charset="0"/>
         <a:buChar char="•"/>
-        <a:defRPr sz="1800" kern="1200">
+        <a:defRPr sz="1351" kern="1200">
           <a:solidFill>
             <a:schemeClr val="tx1"/>
           </a:solidFill>
@@ -3212,16 +3278,16 @@
           <a:cs typeface="+mn-cs"/>
         </a:defRPr>
       </a:lvl8pPr>
-      <a:lvl9pPr marL="3886200" indent="-228600" algn="l" defTabSz="914400" rtl="0" eaLnBrk="1" latinLnBrk="0" hangingPunct="1">
+      <a:lvl9pPr marL="2914528" indent="-171443" algn="l" defTabSz="685771" rtl="0" eaLnBrk="1" latinLnBrk="0" hangingPunct="1">
         <a:lnSpc>
           <a:spcPct val="90000"/>
         </a:lnSpc>
         <a:spcBef>
-          <a:spcPts val="500"/>
+          <a:spcPts val="376"/>
         </a:spcBef>
         <a:buFont typeface="Arial" panose="020B0604020202020204" pitchFamily="34" charset="0"/>
         <a:buChar char="•"/>
-        <a:defRPr sz="1800" kern="1200">
+        <a:defRPr sz="1351" kern="1200">
           <a:solidFill>
             <a:schemeClr val="tx1"/>
           </a:solidFill>
@@ -3233,10 +3299,10 @@
     </p:bodyStyle>
     <p:otherStyle>
       <a:defPPr>
-        <a:defRPr lang="en-CN"/>
+        <a:defRPr lang="en-US"/>
       </a:defPPr>
-      <a:lvl1pPr marL="0" algn="l" defTabSz="914400" rtl="0" eaLnBrk="1" latinLnBrk="0" hangingPunct="1">
-        <a:defRPr sz="1800" kern="1200">
+      <a:lvl1pPr marL="0" algn="l" defTabSz="685771" rtl="0" eaLnBrk="1" latinLnBrk="0" hangingPunct="1">
+        <a:defRPr sz="1351" kern="1200">
           <a:solidFill>
             <a:schemeClr val="tx1"/>
           </a:solidFill>
@@ -3245,8 +3311,8 @@
           <a:cs typeface="+mn-cs"/>
         </a:defRPr>
       </a:lvl1pPr>
-      <a:lvl2pPr marL="457200" algn="l" defTabSz="914400" rtl="0" eaLnBrk="1" latinLnBrk="0" hangingPunct="1">
-        <a:defRPr sz="1800" kern="1200">
+      <a:lvl2pPr marL="342886" algn="l" defTabSz="685771" rtl="0" eaLnBrk="1" latinLnBrk="0" hangingPunct="1">
+        <a:defRPr sz="1351" kern="1200">
           <a:solidFill>
             <a:schemeClr val="tx1"/>
           </a:solidFill>
@@ -3255,8 +3321,8 @@
           <a:cs typeface="+mn-cs"/>
         </a:defRPr>
       </a:lvl2pPr>
-      <a:lvl3pPr marL="914400" algn="l" defTabSz="914400" rtl="0" eaLnBrk="1" latinLnBrk="0" hangingPunct="1">
-        <a:defRPr sz="1800" kern="1200">
+      <a:lvl3pPr marL="685771" algn="l" defTabSz="685771" rtl="0" eaLnBrk="1" latinLnBrk="0" hangingPunct="1">
+        <a:defRPr sz="1351" kern="1200">
           <a:solidFill>
             <a:schemeClr val="tx1"/>
           </a:solidFill>
@@ -3265,8 +3331,8 @@
           <a:cs typeface="+mn-cs"/>
         </a:defRPr>
       </a:lvl3pPr>
-      <a:lvl4pPr marL="1371600" algn="l" defTabSz="914400" rtl="0" eaLnBrk="1" latinLnBrk="0" hangingPunct="1">
-        <a:defRPr sz="1800" kern="1200">
+      <a:lvl4pPr marL="1028657" algn="l" defTabSz="685771" rtl="0" eaLnBrk="1" latinLnBrk="0" hangingPunct="1">
+        <a:defRPr sz="1351" kern="1200">
           <a:solidFill>
             <a:schemeClr val="tx1"/>
           </a:solidFill>
@@ -3275,8 +3341,8 @@
           <a:cs typeface="+mn-cs"/>
         </a:defRPr>
       </a:lvl4pPr>
-      <a:lvl5pPr marL="1828800" algn="l" defTabSz="914400" rtl="0" eaLnBrk="1" latinLnBrk="0" hangingPunct="1">
-        <a:defRPr sz="1800" kern="1200">
+      <a:lvl5pPr marL="1371543" algn="l" defTabSz="685771" rtl="0" eaLnBrk="1" latinLnBrk="0" hangingPunct="1">
+        <a:defRPr sz="1351" kern="1200">
           <a:solidFill>
             <a:schemeClr val="tx1"/>
           </a:solidFill>
@@ -3285,8 +3351,8 @@
           <a:cs typeface="+mn-cs"/>
         </a:defRPr>
       </a:lvl5pPr>
-      <a:lvl6pPr marL="2286000" algn="l" defTabSz="914400" rtl="0" eaLnBrk="1" latinLnBrk="0" hangingPunct="1">
-        <a:defRPr sz="1800" kern="1200">
+      <a:lvl6pPr marL="1714428" algn="l" defTabSz="685771" rtl="0" eaLnBrk="1" latinLnBrk="0" hangingPunct="1">
+        <a:defRPr sz="1351" kern="1200">
           <a:solidFill>
             <a:schemeClr val="tx1"/>
           </a:solidFill>
@@ -3295,8 +3361,8 @@
           <a:cs typeface="+mn-cs"/>
         </a:defRPr>
       </a:lvl6pPr>
-      <a:lvl7pPr marL="2743200" algn="l" defTabSz="914400" rtl="0" eaLnBrk="1" latinLnBrk="0" hangingPunct="1">
-        <a:defRPr sz="1800" kern="1200">
+      <a:lvl7pPr marL="2057314" algn="l" defTabSz="685771" rtl="0" eaLnBrk="1" latinLnBrk="0" hangingPunct="1">
+        <a:defRPr sz="1351" kern="1200">
           <a:solidFill>
             <a:schemeClr val="tx1"/>
           </a:solidFill>
@@ -3305,8 +3371,8 @@
           <a:cs typeface="+mn-cs"/>
         </a:defRPr>
       </a:lvl7pPr>
-      <a:lvl8pPr marL="3200400" algn="l" defTabSz="914400" rtl="0" eaLnBrk="1" latinLnBrk="0" hangingPunct="1">
-        <a:defRPr sz="1800" kern="1200">
+      <a:lvl8pPr marL="2400200" algn="l" defTabSz="685771" rtl="0" eaLnBrk="1" latinLnBrk="0" hangingPunct="1">
+        <a:defRPr sz="1351" kern="1200">
           <a:solidFill>
             <a:schemeClr val="tx1"/>
           </a:solidFill>
@@ -3315,8 +3381,8 @@
           <a:cs typeface="+mn-cs"/>
         </a:defRPr>
       </a:lvl8pPr>
-      <a:lvl9pPr marL="3657600" algn="l" defTabSz="914400" rtl="0" eaLnBrk="1" latinLnBrk="0" hangingPunct="1">
-        <a:defRPr sz="1800" kern="1200">
+      <a:lvl9pPr marL="2743085" algn="l" defTabSz="685771" rtl="0" eaLnBrk="1" latinLnBrk="0" hangingPunct="1">
+        <a:defRPr sz="1351" kern="1200">
           <a:solidFill>
             <a:schemeClr val="tx1"/>
           </a:solidFill>
@@ -3361,8 +3427,8 @@
         </p:nvSpPr>
         <p:spPr>
           <a:xfrm>
-            <a:off x="4366901" y="0"/>
-            <a:ext cx="3078663" cy="369332"/>
+            <a:off x="1467716" y="-7951"/>
+            <a:ext cx="3594895" cy="307777"/>
           </a:xfrm>
           <a:prstGeom prst="rect">
             <a:avLst/>
@@ -3376,43 +3442,858 @@
           <a:lstStyle/>
           <a:p>
             <a:r>
-              <a:rPr lang="en-US" altLang="zh-CN" b="1" i="1" dirty="0"/>
+              <a:rPr lang="en-US" altLang="zh-CN" sz="1400" i="1" dirty="0"/>
+              <a:t>Cheat</a:t>
+            </a:r>
+            <a:r>
+              <a:rPr lang="zh-CN" altLang="en-US" sz="1400" i="1" dirty="0"/>
+              <a:t> </a:t>
+            </a:r>
+            <a:r>
+              <a:rPr lang="en-US" altLang="zh-CN" sz="1400" i="1" dirty="0"/>
+              <a:t>Sheet</a:t>
+            </a:r>
+            <a:r>
+              <a:rPr lang="zh-CN" altLang="en-US" sz="1400" i="1" dirty="0"/>
+              <a:t> </a:t>
+            </a:r>
+            <a:r>
+              <a:rPr lang="en-US" altLang="zh-CN" sz="1400" i="1" dirty="0"/>
+              <a:t>for</a:t>
+            </a:r>
+            <a:r>
+              <a:rPr lang="zh-CN" altLang="en-US" sz="1400" i="1" dirty="0"/>
+              <a:t> </a:t>
+            </a:r>
+            <a:r>
+              <a:rPr lang="en-US" altLang="zh-CN" sz="1400" b="1" i="1" dirty="0"/>
               <a:t>Magic</a:t>
             </a:r>
             <a:r>
-              <a:rPr lang="zh-CN" altLang="en-US" b="1" i="1" dirty="0"/>
+              <a:rPr lang="zh-CN" altLang="en-US" sz="1400" b="1" i="1" dirty="0"/>
               <a:t> </a:t>
             </a:r>
             <a:r>
-              <a:rPr lang="en-US" altLang="zh-CN" b="1" i="1" dirty="0"/>
+              <a:rPr lang="en-US" altLang="zh-CN" sz="1400" b="1" i="1" dirty="0"/>
               <a:t>State</a:t>
             </a:r>
             <a:r>
-              <a:rPr lang="zh-CN" altLang="en-US" b="1" i="1" dirty="0"/>
+              <a:rPr lang="zh-CN" altLang="en-US" sz="1400" b="1" i="1" dirty="0"/>
               <a:t> </a:t>
             </a:r>
             <a:r>
-              <a:rPr lang="en-US" altLang="zh-CN" b="1" i="1" dirty="0"/>
+              <a:rPr lang="en-US" altLang="zh-CN" sz="1400" b="1" i="1" dirty="0"/>
               <a:t>Distillation</a:t>
             </a:r>
             <a:r>
-              <a:rPr lang="zh-CN" altLang="en-US" b="1" i="1" dirty="0"/>
+              <a:rPr lang="zh-CN" altLang="en-US" sz="1400" b="1" i="1" dirty="0"/>
               <a:t> </a:t>
             </a:r>
             <a:r>
-              <a:rPr lang="en-US" altLang="zh-CN" b="1" i="1" dirty="0"/>
+              <a:rPr lang="en-US" altLang="zh-CN" sz="1400" b="1" i="1" dirty="0"/>
               <a:t>(MSD)</a:t>
             </a:r>
-            <a:endParaRPr lang="en-CN" b="1" i="1" dirty="0"/>
+            <a:endParaRPr lang="en-CN" sz="1400" b="1" i="1" dirty="0"/>
           </a:p>
         </p:txBody>
       </p:sp>
+      <p:grpSp>
+        <p:nvGrpSpPr>
+          <p:cNvPr id="14" name="Group 13">
+            <a:extLst>
+              <a:ext uri="{FF2B5EF4-FFF2-40B4-BE49-F238E27FC236}">
+                <a16:creationId xmlns:a16="http://schemas.microsoft.com/office/drawing/2014/main" id="{9D5389AB-C2D8-C5DF-E5F4-9BCBCCA30919}"/>
+              </a:ext>
+            </a:extLst>
+          </p:cNvPr>
+          <p:cNvGrpSpPr/>
+          <p:nvPr/>
+        </p:nvGrpSpPr>
+        <p:grpSpPr>
+          <a:xfrm>
+            <a:off x="0" y="430063"/>
+            <a:ext cx="3773790" cy="666525"/>
+            <a:chOff x="0" y="464533"/>
+            <a:chExt cx="3773789" cy="666525"/>
+          </a:xfrm>
+        </p:grpSpPr>
+        <p:sp>
+          <p:nvSpPr>
+            <p:cNvPr id="5" name="TextBox 4">
+              <a:extLst>
+                <a:ext uri="{FF2B5EF4-FFF2-40B4-BE49-F238E27FC236}">
+                  <a16:creationId xmlns:a16="http://schemas.microsoft.com/office/drawing/2014/main" id="{236B334C-8BE5-7E69-6399-469A22866E74}"/>
+                </a:ext>
+              </a:extLst>
+            </p:cNvPr>
+            <p:cNvSpPr txBox="1"/>
+            <p:nvPr/>
+          </p:nvSpPr>
+          <p:spPr>
+            <a:xfrm>
+              <a:off x="0" y="464533"/>
+              <a:ext cx="985270" cy="284245"/>
+            </a:xfrm>
+            <a:prstGeom prst="rect">
+              <a:avLst/>
+            </a:prstGeom>
+            <a:noFill/>
+          </p:spPr>
+          <p:txBody>
+            <a:bodyPr wrap="none" rtlCol="0">
+              <a:spAutoFit/>
+            </a:bodyPr>
+            <a:lstStyle/>
+            <a:p>
+              <a:r>
+                <a:rPr lang="en-US" altLang="zh-CN" sz="1247" b="1" i="1" dirty="0"/>
+                <a:t>Why</a:t>
+              </a:r>
+              <a:r>
+                <a:rPr lang="zh-CN" altLang="en-US" sz="1247" b="1" i="1" dirty="0"/>
+                <a:t> </a:t>
+              </a:r>
+              <a:r>
+                <a:rPr lang="en-US" altLang="zh-CN" sz="1247" b="1" i="1" dirty="0"/>
+                <a:t>MSD?</a:t>
+              </a:r>
+              <a:r>
+                <a:rPr lang="zh-CN" altLang="en-US" sz="1247" b="1" i="1" dirty="0"/>
+                <a:t>  </a:t>
+              </a:r>
+              <a:endParaRPr lang="en-CN" sz="1247" b="1" i="1" dirty="0"/>
+            </a:p>
+          </p:txBody>
+        </p:sp>
+        <p:sp>
+          <p:nvSpPr>
+            <p:cNvPr id="6" name="TextBox 5">
+              <a:extLst>
+                <a:ext uri="{FF2B5EF4-FFF2-40B4-BE49-F238E27FC236}">
+                  <a16:creationId xmlns:a16="http://schemas.microsoft.com/office/drawing/2014/main" id="{6D5005CD-067B-D0CE-A152-84B5FD7B08CF}"/>
+                </a:ext>
+              </a:extLst>
+            </p:cNvPr>
+            <p:cNvSpPr txBox="1"/>
+            <p:nvPr/>
+          </p:nvSpPr>
+          <p:spPr>
+            <a:xfrm>
+              <a:off x="0" y="699914"/>
+              <a:ext cx="3773789" cy="431144"/>
+            </a:xfrm>
+            <a:prstGeom prst="rect">
+              <a:avLst/>
+            </a:prstGeom>
+            <a:noFill/>
+          </p:spPr>
+          <p:txBody>
+            <a:bodyPr wrap="none" rtlCol="0">
+              <a:spAutoFit/>
+            </a:bodyPr>
+            <a:lstStyle/>
+            <a:p>
+              <a:r>
+                <a:rPr lang="en-US" altLang="zh-CN" sz="1101" b="1" i="1" dirty="0">
+                  <a:solidFill>
+                    <a:schemeClr val="accent1"/>
+                  </a:solidFill>
+                </a:rPr>
+                <a:t>-</a:t>
+              </a:r>
+              <a:r>
+                <a:rPr lang="zh-CN" altLang="en-US" sz="1101" b="1" i="1" dirty="0">
+                  <a:solidFill>
+                    <a:schemeClr val="accent1"/>
+                  </a:solidFill>
+                </a:rPr>
+                <a:t> </a:t>
+              </a:r>
+              <a:r>
+                <a:rPr lang="en-US" altLang="zh-CN" sz="1101" b="1" i="1" dirty="0">
+                  <a:solidFill>
+                    <a:schemeClr val="accent1"/>
+                  </a:solidFill>
+                </a:rPr>
+                <a:t>Non-Clifford</a:t>
+              </a:r>
+              <a:r>
+                <a:rPr lang="zh-CN" altLang="en-US" sz="1101" b="1" i="1" dirty="0"/>
+                <a:t> </a:t>
+              </a:r>
+              <a:r>
+                <a:rPr lang="en-US" altLang="zh-CN" sz="1101" dirty="0"/>
+                <a:t>resource</a:t>
+              </a:r>
+              <a:r>
+                <a:rPr lang="zh-CN" altLang="en-US" sz="1101" dirty="0"/>
+                <a:t> </a:t>
+              </a:r>
+              <a:r>
+                <a:rPr lang="en-US" altLang="zh-CN" sz="1101" dirty="0"/>
+                <a:t>is</a:t>
+              </a:r>
+              <a:r>
+                <a:rPr lang="zh-CN" altLang="en-US" sz="1101" dirty="0"/>
+                <a:t> </a:t>
+              </a:r>
+              <a:r>
+                <a:rPr lang="en-US" altLang="zh-CN" sz="1101" dirty="0"/>
+                <a:t>necessary</a:t>
+              </a:r>
+              <a:r>
+                <a:rPr lang="zh-CN" altLang="en-US" sz="1101" dirty="0"/>
+                <a:t> </a:t>
+              </a:r>
+              <a:r>
+                <a:rPr lang="en-US" altLang="zh-CN" sz="1101" dirty="0"/>
+                <a:t>for</a:t>
+              </a:r>
+              <a:r>
+                <a:rPr lang="zh-CN" altLang="en-US" sz="1101" dirty="0"/>
+                <a:t> </a:t>
+              </a:r>
+              <a:r>
+                <a:rPr lang="en-US" altLang="zh-CN" sz="1101" b="1" i="1" dirty="0">
+                  <a:solidFill>
+                    <a:schemeClr val="accent1"/>
+                  </a:solidFill>
+                </a:rPr>
+                <a:t>quantum</a:t>
+              </a:r>
+              <a:r>
+                <a:rPr lang="zh-CN" altLang="en-US" sz="1101" b="1" i="1" dirty="0">
+                  <a:solidFill>
+                    <a:schemeClr val="accent1"/>
+                  </a:solidFill>
+                </a:rPr>
+                <a:t> </a:t>
+              </a:r>
+              <a:r>
+                <a:rPr lang="en-US" altLang="zh-CN" sz="1101" b="1" i="1" dirty="0">
+                  <a:solidFill>
+                    <a:schemeClr val="accent1"/>
+                  </a:solidFill>
+                </a:rPr>
+                <a:t>advantage</a:t>
+              </a:r>
+              <a:r>
+                <a:rPr lang="en-US" altLang="zh-CN" sz="1101" b="1" i="1" dirty="0"/>
+                <a:t>.</a:t>
+              </a:r>
+            </a:p>
+            <a:p>
+              <a:r>
+                <a:rPr lang="en-US" altLang="zh-CN" sz="1101" i="1" dirty="0"/>
+                <a:t>-</a:t>
+              </a:r>
+              <a:r>
+                <a:rPr lang="zh-CN" altLang="en-US" sz="1101" i="1" dirty="0"/>
+                <a:t> </a:t>
+              </a:r>
+              <a:r>
+                <a:rPr lang="en-US" altLang="zh-CN" sz="1101" i="1" dirty="0"/>
+                <a:t>MSD</a:t>
+              </a:r>
+              <a:r>
+                <a:rPr lang="zh-CN" altLang="en-US" sz="1101" i="1" dirty="0"/>
+                <a:t> </a:t>
+              </a:r>
+              <a:r>
+                <a:rPr lang="en-US" altLang="zh-CN" sz="1101" i="1" dirty="0"/>
+                <a:t>is</a:t>
+              </a:r>
+              <a:r>
+                <a:rPr lang="zh-CN" altLang="en-US" sz="1101" i="1" dirty="0"/>
+                <a:t> </a:t>
+              </a:r>
+              <a:r>
+                <a:rPr lang="en-US" altLang="zh-CN" sz="1101" i="1" dirty="0"/>
+                <a:t>needed</a:t>
+              </a:r>
+              <a:r>
+                <a:rPr lang="zh-CN" altLang="en-US" sz="1101" i="1" dirty="0"/>
+                <a:t> </a:t>
+              </a:r>
+              <a:r>
+                <a:rPr lang="en-US" altLang="zh-CN" sz="1101" i="1" dirty="0"/>
+                <a:t>to</a:t>
+              </a:r>
+              <a:r>
+                <a:rPr lang="zh-CN" altLang="en-US" sz="1101" i="1" dirty="0"/>
+                <a:t> </a:t>
+              </a:r>
+              <a:r>
+                <a:rPr lang="en-US" altLang="zh-CN" sz="1101" i="1" dirty="0"/>
+                <a:t>prepare</a:t>
+              </a:r>
+              <a:r>
+                <a:rPr lang="zh-CN" altLang="en-US" sz="1101" i="1" dirty="0"/>
+                <a:t> </a:t>
+              </a:r>
+              <a:r>
+                <a:rPr lang="en-US" altLang="zh-CN" sz="1101" i="1" dirty="0"/>
+                <a:t>high-fidelity</a:t>
+              </a:r>
+              <a:r>
+                <a:rPr lang="zh-CN" altLang="en-US" sz="1101" i="1" dirty="0"/>
+                <a:t> </a:t>
+              </a:r>
+              <a:r>
+                <a:rPr lang="en-US" altLang="zh-CN" sz="1101" b="1" i="1" dirty="0">
+                  <a:solidFill>
+                    <a:schemeClr val="accent1"/>
+                  </a:solidFill>
+                </a:rPr>
+                <a:t>non-Clifford</a:t>
+              </a:r>
+              <a:r>
+                <a:rPr lang="zh-CN" altLang="en-US" sz="1101" b="1" i="1" dirty="0"/>
+                <a:t> </a:t>
+              </a:r>
+              <a:r>
+                <a:rPr lang="en-US" altLang="zh-CN" sz="1101" dirty="0"/>
+                <a:t>resource.</a:t>
+              </a:r>
+              <a:r>
+                <a:rPr lang="zh-CN" altLang="en-US" sz="1101" dirty="0"/>
+                <a:t> </a:t>
+              </a:r>
+              <a:endParaRPr lang="en-CN" sz="1101" b="1" i="1" dirty="0"/>
+            </a:p>
+          </p:txBody>
+        </p:sp>
+      </p:grpSp>
+      <p:grpSp>
+        <p:nvGrpSpPr>
+          <p:cNvPr id="16" name="Group 15">
+            <a:extLst>
+              <a:ext uri="{FF2B5EF4-FFF2-40B4-BE49-F238E27FC236}">
+                <a16:creationId xmlns:a16="http://schemas.microsoft.com/office/drawing/2014/main" id="{96ABCC94-0CD2-7AA4-B871-D5F5F70081B7}"/>
+              </a:ext>
+            </a:extLst>
+          </p:cNvPr>
+          <p:cNvGrpSpPr/>
+          <p:nvPr/>
+        </p:nvGrpSpPr>
+        <p:grpSpPr>
+          <a:xfrm>
+            <a:off x="-1437" y="3816184"/>
+            <a:ext cx="3391185" cy="863712"/>
+            <a:chOff x="-1437" y="2962481"/>
+            <a:chExt cx="3391186" cy="863713"/>
+          </a:xfrm>
+        </p:grpSpPr>
+        <mc:AlternateContent xmlns:mc="http://schemas.openxmlformats.org/markup-compatibility/2006">
+          <mc:Choice xmlns:a14="http://schemas.microsoft.com/office/drawing/2010/main" Requires="a14">
+            <p:sp>
+              <p:nvSpPr>
+                <p:cNvPr id="3" name="TextBox 2">
+                  <a:extLst>
+                    <a:ext uri="{FF2B5EF4-FFF2-40B4-BE49-F238E27FC236}">
+                      <a16:creationId xmlns:a16="http://schemas.microsoft.com/office/drawing/2014/main" id="{00E69FEF-EDD9-6F62-C6A1-D7DA6C7AB46E}"/>
+                    </a:ext>
+                  </a:extLst>
+                </p:cNvPr>
+                <p:cNvSpPr txBox="1"/>
+                <p:nvPr/>
+              </p:nvSpPr>
+              <p:spPr>
+                <a:xfrm>
+                  <a:off x="-1437" y="3196084"/>
+                  <a:ext cx="3391186" cy="630110"/>
+                </a:xfrm>
+                <a:prstGeom prst="rect">
+                  <a:avLst/>
+                </a:prstGeom>
+                <a:noFill/>
+              </p:spPr>
+              <p:txBody>
+                <a:bodyPr wrap="none" rtlCol="0">
+                  <a:spAutoFit/>
+                </a:bodyPr>
+                <a:lstStyle/>
+                <a:p>
+                  <a:pPr marL="171443" indent="-171443">
+                    <a:buFontTx/>
+                    <a:buChar char="-"/>
+                  </a:pPr>
+                  <a:r>
+                    <a:rPr lang="en-US" altLang="zh-CN" sz="1101" dirty="0"/>
+                    <a:t>Stabilizer</a:t>
+                  </a:r>
+                  <a:r>
+                    <a:rPr lang="zh-CN" altLang="en-US" sz="1101" dirty="0"/>
+                    <a:t> </a:t>
+                  </a:r>
+                  <a:r>
+                    <a:rPr lang="en-US" altLang="zh-CN" sz="1101" dirty="0"/>
+                    <a:t>generators:</a:t>
+                  </a:r>
+                  <a:r>
+                    <a:rPr lang="zh-CN" altLang="en-US" sz="1101" dirty="0"/>
+                    <a:t> </a:t>
+                  </a:r>
+                  <a14:m>
+                    <m:oMath xmlns:m="http://schemas.openxmlformats.org/officeDocument/2006/math">
+                      <m:r>
+                        <a:rPr lang="en-US" altLang="zh-CN" sz="1101" i="1">
+                          <a:latin typeface="Cambria Math" panose="02040503050406030204" pitchFamily="18" charset="0"/>
+                        </a:rPr>
+                        <m:t>𝑋𝑍𝑍𝑋𝐼</m:t>
+                      </m:r>
+                      <m:r>
+                        <a:rPr lang="en-US" altLang="zh-CN" sz="1101" i="1">
+                          <a:latin typeface="Cambria Math" panose="02040503050406030204" pitchFamily="18" charset="0"/>
+                        </a:rPr>
+                        <m:t>,</m:t>
+                      </m:r>
+                      <m:r>
+                        <a:rPr lang="zh-CN" altLang="en-US" sz="1101" i="1">
+                          <a:latin typeface="Cambria Math" panose="02040503050406030204" pitchFamily="18" charset="0"/>
+                        </a:rPr>
+                        <m:t> </m:t>
+                      </m:r>
+                      <m:r>
+                        <a:rPr lang="en-US" altLang="zh-CN" sz="1101" i="1">
+                          <a:latin typeface="Cambria Math" panose="02040503050406030204" pitchFamily="18" charset="0"/>
+                        </a:rPr>
+                        <m:t>𝐼𝑋𝑍𝑍𝑋</m:t>
+                      </m:r>
+                      <m:r>
+                        <a:rPr lang="en-US" altLang="zh-CN" sz="1101" i="1">
+                          <a:latin typeface="Cambria Math" panose="02040503050406030204" pitchFamily="18" charset="0"/>
+                        </a:rPr>
+                        <m:t>,</m:t>
+                      </m:r>
+                      <m:r>
+                        <a:rPr lang="zh-CN" altLang="en-US" sz="1101" i="1">
+                          <a:latin typeface="Cambria Math" panose="02040503050406030204" pitchFamily="18" charset="0"/>
+                        </a:rPr>
+                        <m:t> </m:t>
+                      </m:r>
+                      <m:r>
+                        <a:rPr lang="en-US" altLang="zh-CN" sz="1101" i="1">
+                          <a:latin typeface="Cambria Math" panose="02040503050406030204" pitchFamily="18" charset="0"/>
+                        </a:rPr>
+                        <m:t>𝑋𝐼𝑋𝑍𝑍</m:t>
+                      </m:r>
+                      <m:r>
+                        <a:rPr lang="en-US" altLang="zh-CN" sz="1101" i="1">
+                          <a:latin typeface="Cambria Math" panose="02040503050406030204" pitchFamily="18" charset="0"/>
+                        </a:rPr>
+                        <m:t>,</m:t>
+                      </m:r>
+                      <m:r>
+                        <a:rPr lang="zh-CN" altLang="en-US" sz="1101" i="1">
+                          <a:latin typeface="Cambria Math" panose="02040503050406030204" pitchFamily="18" charset="0"/>
+                        </a:rPr>
+                        <m:t> </m:t>
+                      </m:r>
+                      <m:r>
+                        <a:rPr lang="en-US" altLang="zh-CN" sz="1101" i="1">
+                          <a:latin typeface="Cambria Math" panose="02040503050406030204" pitchFamily="18" charset="0"/>
+                        </a:rPr>
+                        <m:t>𝑍𝑋𝐼𝑋𝑍</m:t>
+                      </m:r>
+                    </m:oMath>
+                  </a14:m>
+                  <a:endParaRPr lang="en-US" altLang="zh-CN" sz="1101" dirty="0"/>
+                </a:p>
+                <a:p>
+                  <a:pPr marL="171443" indent="-171443">
+                    <a:buFontTx/>
+                    <a:buChar char="-"/>
+                  </a:pPr>
+                  <a:r>
+                    <a:rPr lang="en-US" altLang="zh-CN" sz="1101" dirty="0"/>
+                    <a:t>Logical</a:t>
+                  </a:r>
+                  <a:r>
+                    <a:rPr lang="zh-CN" altLang="en-US" sz="1101" dirty="0"/>
+                    <a:t> </a:t>
+                  </a:r>
+                  <a:r>
+                    <a:rPr lang="en-US" altLang="zh-CN" sz="1101" dirty="0"/>
+                    <a:t>operators:</a:t>
+                  </a:r>
+                  <a:r>
+                    <a:rPr lang="zh-CN" altLang="en-US" sz="1101" dirty="0"/>
+                    <a:t> </a:t>
+                  </a:r>
+                  <a14:m>
+                    <m:oMath xmlns:m="http://schemas.openxmlformats.org/officeDocument/2006/math">
+                      <m:sSub>
+                        <m:sSubPr>
+                          <m:ctrlPr>
+                            <a:rPr lang="en-US" altLang="zh-CN" sz="1101" i="1">
+                              <a:latin typeface="Cambria Math" panose="02040503050406030204" pitchFamily="18" charset="0"/>
+                            </a:rPr>
+                          </m:ctrlPr>
+                        </m:sSubPr>
+                        <m:e>
+                          <m:r>
+                            <a:rPr lang="en-US" altLang="zh-CN" sz="1101" i="1">
+                              <a:latin typeface="Cambria Math" panose="02040503050406030204" pitchFamily="18" charset="0"/>
+                            </a:rPr>
+                            <m:t>𝑋</m:t>
+                          </m:r>
+                        </m:e>
+                        <m:sub>
+                          <m:r>
+                            <a:rPr lang="en-US" altLang="zh-CN" sz="1101" i="1">
+                              <a:latin typeface="Cambria Math" panose="02040503050406030204" pitchFamily="18" charset="0"/>
+                            </a:rPr>
+                            <m:t>𝐿</m:t>
+                          </m:r>
+                        </m:sub>
+                      </m:sSub>
+                      <m:r>
+                        <a:rPr lang="en-US" altLang="zh-CN" sz="1101" i="1">
+                          <a:latin typeface="Cambria Math" panose="02040503050406030204" pitchFamily="18" charset="0"/>
+                        </a:rPr>
+                        <m:t>=</m:t>
+                      </m:r>
+                      <m:r>
+                        <a:rPr lang="en-US" altLang="zh-CN" sz="1101" i="1">
+                          <a:latin typeface="Cambria Math" panose="02040503050406030204" pitchFamily="18" charset="0"/>
+                        </a:rPr>
+                        <m:t>𝑋𝑋𝑋𝑋𝑋</m:t>
+                      </m:r>
+                      <m:r>
+                        <a:rPr lang="en-US" altLang="zh-CN" sz="1101" i="1">
+                          <a:latin typeface="Cambria Math" panose="02040503050406030204" pitchFamily="18" charset="0"/>
+                        </a:rPr>
+                        <m:t>,</m:t>
+                      </m:r>
+                      <m:r>
+                        <a:rPr lang="zh-CN" altLang="en-US" sz="1101" i="1">
+                          <a:latin typeface="Cambria Math" panose="02040503050406030204" pitchFamily="18" charset="0"/>
+                        </a:rPr>
+                        <m:t> </m:t>
+                      </m:r>
+                      <m:sSub>
+                        <m:sSubPr>
+                          <m:ctrlPr>
+                            <a:rPr lang="en-US" altLang="zh-CN" sz="1101" i="1">
+                              <a:latin typeface="Cambria Math" panose="02040503050406030204" pitchFamily="18" charset="0"/>
+                            </a:rPr>
+                          </m:ctrlPr>
+                        </m:sSubPr>
+                        <m:e>
+                          <m:r>
+                            <a:rPr lang="en-US" altLang="zh-CN" sz="1101" i="1">
+                              <a:latin typeface="Cambria Math" panose="02040503050406030204" pitchFamily="18" charset="0"/>
+                            </a:rPr>
+                            <m:t>𝑍</m:t>
+                          </m:r>
+                        </m:e>
+                        <m:sub>
+                          <m:r>
+                            <a:rPr lang="en-US" altLang="zh-CN" sz="1101" i="1">
+                              <a:latin typeface="Cambria Math" panose="02040503050406030204" pitchFamily="18" charset="0"/>
+                            </a:rPr>
+                            <m:t>𝐿</m:t>
+                          </m:r>
+                        </m:sub>
+                      </m:sSub>
+                      <m:r>
+                        <a:rPr lang="en-US" altLang="zh-CN" sz="1101" i="1">
+                          <a:latin typeface="Cambria Math" panose="02040503050406030204" pitchFamily="18" charset="0"/>
+                        </a:rPr>
+                        <m:t>=</m:t>
+                      </m:r>
+                      <m:r>
+                        <a:rPr lang="en-US" altLang="zh-CN" sz="1101" i="1">
+                          <a:latin typeface="Cambria Math" panose="02040503050406030204" pitchFamily="18" charset="0"/>
+                        </a:rPr>
+                        <m:t>𝑍𝑍𝑍𝑍𝑍</m:t>
+                      </m:r>
+                    </m:oMath>
+                  </a14:m>
+                  <a:endParaRPr lang="en-US" altLang="zh-CN" sz="1101" dirty="0"/>
+                </a:p>
+                <a:p>
+                  <a:pPr marL="171443" indent="-171443">
+                    <a:buFontTx/>
+                    <a:buChar char="-"/>
+                  </a:pPr>
+                  <a:r>
+                    <a:rPr lang="en-US" altLang="zh-CN" sz="1101" dirty="0"/>
+                    <a:t>Target</a:t>
+                  </a:r>
+                  <a:r>
+                    <a:rPr lang="zh-CN" altLang="en-US" sz="1101" dirty="0"/>
+                    <a:t> </a:t>
+                  </a:r>
+                  <a:r>
+                    <a:rPr lang="en-US" altLang="zh-CN" sz="1101" dirty="0"/>
+                    <a:t>state:</a:t>
+                  </a:r>
+                  <a:r>
+                    <a:rPr lang="zh-CN" altLang="en-US" sz="1101" dirty="0"/>
+                    <a:t> </a:t>
+                  </a:r>
+                  <a14:m>
+                    <m:oMath xmlns:m="http://schemas.openxmlformats.org/officeDocument/2006/math">
+                      <m:d>
+                        <m:dPr>
+                          <m:begChr m:val="|"/>
+                          <m:endChr m:val="⟩"/>
+                          <m:ctrlPr>
+                            <a:rPr lang="en-US" altLang="zh-CN" sz="1101" i="1">
+                              <a:latin typeface="Cambria Math" panose="02040503050406030204" pitchFamily="18" charset="0"/>
+                            </a:rPr>
+                          </m:ctrlPr>
+                        </m:dPr>
+                        <m:e>
+                          <m:r>
+                            <a:rPr lang="en-US" altLang="zh-CN" sz="1101" i="1">
+                              <a:latin typeface="Cambria Math" panose="02040503050406030204" pitchFamily="18" charset="0"/>
+                            </a:rPr>
+                            <m:t>𝐹</m:t>
+                          </m:r>
+                        </m:e>
+                      </m:d>
+                      <m:d>
+                        <m:dPr>
+                          <m:begChr m:val="⟨"/>
+                          <m:endChr m:val="|"/>
+                          <m:ctrlPr>
+                            <a:rPr lang="en-US" altLang="zh-CN" sz="1101" i="1">
+                              <a:latin typeface="Cambria Math" panose="02040503050406030204" pitchFamily="18" charset="0"/>
+                            </a:rPr>
+                          </m:ctrlPr>
+                        </m:dPr>
+                        <m:e>
+                          <m:r>
+                            <a:rPr lang="en-US" altLang="zh-CN" sz="1101" i="1">
+                              <a:latin typeface="Cambria Math" panose="02040503050406030204" pitchFamily="18" charset="0"/>
+                            </a:rPr>
+                            <m:t>𝐹</m:t>
+                          </m:r>
+                        </m:e>
+                      </m:d>
+                      <m:r>
+                        <a:rPr lang="en-US" altLang="zh-CN" sz="1101" i="1">
+                          <a:latin typeface="Cambria Math" panose="02040503050406030204" pitchFamily="18" charset="0"/>
+                        </a:rPr>
+                        <m:t>=</m:t>
+                      </m:r>
+                      <m:d>
+                        <m:dPr>
+                          <m:ctrlPr>
+                            <a:rPr lang="en-US" altLang="zh-CN" sz="1101" i="1">
+                              <a:latin typeface="Cambria Math" panose="02040503050406030204" pitchFamily="18" charset="0"/>
+                            </a:rPr>
+                          </m:ctrlPr>
+                        </m:dPr>
+                        <m:e>
+                          <m:r>
+                            <a:rPr lang="en-US" altLang="zh-CN" sz="1101" i="1">
+                              <a:latin typeface="Cambria Math" panose="02040503050406030204" pitchFamily="18" charset="0"/>
+                            </a:rPr>
+                            <m:t>𝐼</m:t>
+                          </m:r>
+                          <m:r>
+                            <a:rPr lang="en-US" altLang="zh-CN" sz="1101" i="1">
+                              <a:latin typeface="Cambria Math" panose="02040503050406030204" pitchFamily="18" charset="0"/>
+                            </a:rPr>
+                            <m:t>+</m:t>
+                          </m:r>
+                          <m:d>
+                            <m:dPr>
+                              <m:ctrlPr>
+                                <a:rPr lang="en-US" altLang="zh-CN" sz="1101" i="1">
+                                  <a:latin typeface="Cambria Math" panose="02040503050406030204" pitchFamily="18" charset="0"/>
+                                </a:rPr>
+                              </m:ctrlPr>
+                            </m:dPr>
+                            <m:e>
+                              <m:r>
+                                <a:rPr lang="en-US" altLang="zh-CN" sz="1101" i="1">
+                                  <a:latin typeface="Cambria Math" panose="02040503050406030204" pitchFamily="18" charset="0"/>
+                                </a:rPr>
+                                <m:t>𝑋</m:t>
+                              </m:r>
+                              <m:r>
+                                <a:rPr lang="en-US" altLang="zh-CN" sz="1101" i="1">
+                                  <a:latin typeface="Cambria Math" panose="02040503050406030204" pitchFamily="18" charset="0"/>
+                                </a:rPr>
+                                <m:t>+</m:t>
+                              </m:r>
+                              <m:r>
+                                <a:rPr lang="en-US" altLang="zh-CN" sz="1101" i="1">
+                                  <a:latin typeface="Cambria Math" panose="02040503050406030204" pitchFamily="18" charset="0"/>
+                                </a:rPr>
+                                <m:t>𝑌</m:t>
+                              </m:r>
+                              <m:r>
+                                <a:rPr lang="en-US" altLang="zh-CN" sz="1101" i="1">
+                                  <a:latin typeface="Cambria Math" panose="02040503050406030204" pitchFamily="18" charset="0"/>
+                                </a:rPr>
+                                <m:t>+</m:t>
+                              </m:r>
+                              <m:r>
+                                <a:rPr lang="en-US" altLang="zh-CN" sz="1101" i="1">
+                                  <a:latin typeface="Cambria Math" panose="02040503050406030204" pitchFamily="18" charset="0"/>
+                                </a:rPr>
+                                <m:t>𝑍</m:t>
+                              </m:r>
+                            </m:e>
+                          </m:d>
+                          <m:r>
+                            <a:rPr lang="en-US" altLang="zh-CN" sz="1101" i="1">
+                              <a:latin typeface="Cambria Math" panose="02040503050406030204" pitchFamily="18" charset="0"/>
+                            </a:rPr>
+                            <m:t>/</m:t>
+                          </m:r>
+                          <m:rad>
+                            <m:radPr>
+                              <m:degHide m:val="on"/>
+                              <m:ctrlPr>
+                                <a:rPr lang="en-US" altLang="zh-CN" sz="1101" i="1">
+                                  <a:latin typeface="Cambria Math" panose="02040503050406030204" pitchFamily="18" charset="0"/>
+                                </a:rPr>
+                              </m:ctrlPr>
+                            </m:radPr>
+                            <m:deg/>
+                            <m:e>
+                              <m:r>
+                                <a:rPr lang="en-US" altLang="zh-CN" sz="1101" i="1">
+                                  <a:latin typeface="Cambria Math" panose="02040503050406030204" pitchFamily="18" charset="0"/>
+                                </a:rPr>
+                                <m:t>3</m:t>
+                              </m:r>
+                            </m:e>
+                          </m:rad>
+                        </m:e>
+                      </m:d>
+                      <m:r>
+                        <a:rPr lang="en-US" altLang="zh-CN" sz="1101" i="1">
+                          <a:latin typeface="Cambria Math" panose="02040503050406030204" pitchFamily="18" charset="0"/>
+                        </a:rPr>
+                        <m:t>/2</m:t>
+                      </m:r>
+                    </m:oMath>
+                  </a14:m>
+                  <a:endParaRPr lang="en-US" altLang="zh-CN" sz="1101" dirty="0"/>
+                </a:p>
+              </p:txBody>
+            </p:sp>
+          </mc:Choice>
+          <mc:Fallback>
+            <p:sp>
+              <p:nvSpPr>
+                <p:cNvPr id="3" name="TextBox 2">
+                  <a:extLst>
+                    <a:ext uri="{FF2B5EF4-FFF2-40B4-BE49-F238E27FC236}">
+                      <a16:creationId xmlns:a16="http://schemas.microsoft.com/office/drawing/2014/main" id="{00E69FEF-EDD9-6F62-C6A1-D7DA6C7AB46E}"/>
+                    </a:ext>
+                  </a:extLst>
+                </p:cNvPr>
+                <p:cNvSpPr txBox="1">
+                  <a:spLocks noRot="1" noChangeAspect="1" noMove="1" noResize="1" noEditPoints="1" noAdjustHandles="1" noChangeArrowheads="1" noChangeShapeType="1" noTextEdit="1"/>
+                </p:cNvSpPr>
+                <p:nvPr/>
+              </p:nvSpPr>
+              <p:spPr>
+                <a:xfrm>
+                  <a:off x="-1437" y="3196084"/>
+                  <a:ext cx="3391186" cy="630110"/>
+                </a:xfrm>
+                <a:prstGeom prst="rect">
+                  <a:avLst/>
+                </a:prstGeom>
+                <a:blipFill>
+                  <a:blip r:embed="rId3"/>
+                  <a:stretch>
+                    <a:fillRect b="-3922"/>
+                  </a:stretch>
+                </a:blipFill>
+              </p:spPr>
+              <p:txBody>
+                <a:bodyPr/>
+                <a:lstStyle/>
+                <a:p>
+                  <a:r>
+                    <a:rPr lang="en-CN">
+                      <a:noFill/>
+                    </a:rPr>
+                    <a:t> </a:t>
+                  </a:r>
+                </a:p>
+              </p:txBody>
+            </p:sp>
+          </mc:Fallback>
+        </mc:AlternateContent>
+        <p:sp>
+          <p:nvSpPr>
+            <p:cNvPr id="9" name="TextBox 8">
+              <a:extLst>
+                <a:ext uri="{FF2B5EF4-FFF2-40B4-BE49-F238E27FC236}">
+                  <a16:creationId xmlns:a16="http://schemas.microsoft.com/office/drawing/2014/main" id="{29850756-1C36-1EDB-AA7D-AAE616B12847}"/>
+                </a:ext>
+              </a:extLst>
+            </p:cNvPr>
+            <p:cNvSpPr txBox="1"/>
+            <p:nvPr/>
+          </p:nvSpPr>
+          <p:spPr>
+            <a:xfrm>
+              <a:off x="129914" y="2962481"/>
+              <a:ext cx="1383712" cy="284245"/>
+            </a:xfrm>
+            <a:prstGeom prst="rect">
+              <a:avLst/>
+            </a:prstGeom>
+            <a:noFill/>
+          </p:spPr>
+          <p:txBody>
+            <a:bodyPr wrap="none" rtlCol="0">
+              <a:spAutoFit/>
+            </a:bodyPr>
+            <a:lstStyle/>
+            <a:p>
+              <a:r>
+                <a:rPr lang="en-US" altLang="zh-CN" sz="1247" b="1" i="1" dirty="0"/>
+                <a:t>[[5,</a:t>
+              </a:r>
+              <a:r>
+                <a:rPr lang="zh-CN" altLang="en-US" sz="1247" b="1" i="1" dirty="0"/>
+                <a:t> </a:t>
+              </a:r>
+              <a:r>
+                <a:rPr lang="en-US" altLang="zh-CN" sz="1247" b="1" i="1" dirty="0"/>
+                <a:t>1,</a:t>
+              </a:r>
+              <a:r>
+                <a:rPr lang="zh-CN" altLang="en-US" sz="1247" b="1" i="1" dirty="0"/>
+                <a:t> </a:t>
+              </a:r>
+              <a:r>
+                <a:rPr lang="en-US" altLang="zh-CN" sz="1247" b="1" i="1" dirty="0"/>
+                <a:t>3]]</a:t>
+              </a:r>
+              <a:r>
+                <a:rPr lang="zh-CN" altLang="en-US" sz="1247" b="1" i="1" dirty="0"/>
+                <a:t> </a:t>
+              </a:r>
+              <a:r>
+                <a:rPr lang="en-US" altLang="zh-CN" sz="1247" b="1" i="1" dirty="0"/>
+                <a:t>protocol</a:t>
+              </a:r>
+              <a:endParaRPr lang="en-CN" sz="1247" b="1" i="1" dirty="0"/>
+            </a:p>
+          </p:txBody>
+        </p:sp>
+      </p:grpSp>
       <p:sp>
         <p:nvSpPr>
-          <p:cNvPr id="5" name="TextBox 4">
+          <p:cNvPr id="11" name="TextBox 10">
             <a:extLst>
               <a:ext uri="{FF2B5EF4-FFF2-40B4-BE49-F238E27FC236}">
-                <a16:creationId xmlns:a16="http://schemas.microsoft.com/office/drawing/2014/main" id="{236B334C-8BE5-7E69-6399-469A22866E74}"/>
+                <a16:creationId xmlns:a16="http://schemas.microsoft.com/office/drawing/2014/main" id="{8483A2A1-E2F9-E1C5-B322-D6D93072E0BA}"/>
               </a:ext>
             </a:extLst>
           </p:cNvPr>
@@ -3421,8 +4302,8 @@
         </p:nvSpPr>
         <p:spPr>
           <a:xfrm>
-            <a:off x="1862983" y="485686"/>
-            <a:ext cx="1343253" cy="369332"/>
+            <a:off x="85748" y="6918659"/>
+            <a:ext cx="1465466" cy="284245"/>
           </a:xfrm>
           <a:prstGeom prst="rect">
             <a:avLst/>
@@ -3436,31 +4317,2103 @@
           <a:lstStyle/>
           <a:p>
             <a:r>
-              <a:rPr lang="en-US" altLang="zh-CN" b="1" i="1" dirty="0"/>
-              <a:t>Why</a:t>
-            </a:r>
-            <a:r>
-              <a:rPr lang="zh-CN" altLang="en-US" b="1" i="1" dirty="0"/>
+              <a:rPr lang="en-US" altLang="zh-CN" sz="1247" b="1" i="1" dirty="0"/>
+              <a:t>[[15,</a:t>
+            </a:r>
+            <a:r>
+              <a:rPr lang="zh-CN" altLang="en-US" sz="1247" b="1" i="1" dirty="0"/>
               <a:t> </a:t>
             </a:r>
             <a:r>
-              <a:rPr lang="en-US" altLang="zh-CN" b="1" i="1" dirty="0"/>
-              <a:t>MSD?</a:t>
-            </a:r>
-            <a:r>
-              <a:rPr lang="zh-CN" altLang="en-US" b="1" i="1" dirty="0"/>
-              <a:t>  </a:t>
-            </a:r>
-            <a:endParaRPr lang="en-CN" b="1" i="1" dirty="0"/>
+              <a:rPr lang="en-US" altLang="zh-CN" sz="1247" b="1" i="1" dirty="0"/>
+              <a:t>1,</a:t>
+            </a:r>
+            <a:r>
+              <a:rPr lang="zh-CN" altLang="en-US" sz="1247" b="1" i="1" dirty="0"/>
+              <a:t> </a:t>
+            </a:r>
+            <a:r>
+              <a:rPr lang="en-US" altLang="zh-CN" sz="1247" b="1" i="1" dirty="0"/>
+              <a:t>3]]</a:t>
+            </a:r>
+            <a:r>
+              <a:rPr lang="zh-CN" altLang="en-US" sz="1247" b="1" i="1" dirty="0"/>
+              <a:t> </a:t>
+            </a:r>
+            <a:r>
+              <a:rPr lang="en-US" altLang="zh-CN" sz="1247" b="1" i="1" dirty="0"/>
+              <a:t>protocol</a:t>
+            </a:r>
+            <a:endParaRPr lang="en-CN" sz="1247" b="1" i="1" dirty="0"/>
           </a:p>
         </p:txBody>
       </p:sp>
+      <p:grpSp>
+        <p:nvGrpSpPr>
+          <p:cNvPr id="15" name="Group 14">
+            <a:extLst>
+              <a:ext uri="{FF2B5EF4-FFF2-40B4-BE49-F238E27FC236}">
+                <a16:creationId xmlns:a16="http://schemas.microsoft.com/office/drawing/2014/main" id="{B96B76F5-6643-B138-CD3A-D9D1A5FEC7AB}"/>
+              </a:ext>
+            </a:extLst>
+          </p:cNvPr>
+          <p:cNvGrpSpPr/>
+          <p:nvPr/>
+        </p:nvGrpSpPr>
+        <p:grpSpPr>
+          <a:xfrm>
+            <a:off x="-1436" y="1251364"/>
+            <a:ext cx="4721356" cy="1163003"/>
+            <a:chOff x="-1437" y="1251364"/>
+            <a:chExt cx="4721356" cy="1163003"/>
+          </a:xfrm>
+        </p:grpSpPr>
+        <p:sp>
+          <p:nvSpPr>
+            <p:cNvPr id="2" name="TextBox 1">
+              <a:extLst>
+                <a:ext uri="{FF2B5EF4-FFF2-40B4-BE49-F238E27FC236}">
+                  <a16:creationId xmlns:a16="http://schemas.microsoft.com/office/drawing/2014/main" id="{3B013F51-CC97-27C1-7807-6F36FB551A9B}"/>
+                </a:ext>
+              </a:extLst>
+            </p:cNvPr>
+            <p:cNvSpPr txBox="1"/>
+            <p:nvPr/>
+          </p:nvSpPr>
+          <p:spPr>
+            <a:xfrm>
+              <a:off x="0" y="1251364"/>
+              <a:ext cx="3151440" cy="284245"/>
+            </a:xfrm>
+            <a:prstGeom prst="rect">
+              <a:avLst/>
+            </a:prstGeom>
+            <a:noFill/>
+          </p:spPr>
+          <p:txBody>
+            <a:bodyPr wrap="none" rtlCol="0">
+              <a:spAutoFit/>
+            </a:bodyPr>
+            <a:lstStyle/>
+            <a:p>
+              <a:r>
+                <a:rPr lang="en-US" altLang="zh-CN" sz="1247" b="1" i="1" dirty="0"/>
+                <a:t>How</a:t>
+              </a:r>
+              <a:r>
+                <a:rPr lang="zh-CN" altLang="en-US" sz="1247" b="1" i="1" dirty="0"/>
+                <a:t> </a:t>
+              </a:r>
+              <a:r>
+                <a:rPr lang="en-US" altLang="zh-CN" sz="1247" b="1" i="1" dirty="0"/>
+                <a:t>to</a:t>
+              </a:r>
+              <a:r>
+                <a:rPr lang="zh-CN" altLang="en-US" sz="1247" b="1" i="1" dirty="0"/>
+                <a:t> </a:t>
+              </a:r>
+              <a:r>
+                <a:rPr lang="en-US" altLang="zh-CN" sz="1247" b="1" i="1" dirty="0"/>
+                <a:t>describe</a:t>
+              </a:r>
+              <a:r>
+                <a:rPr lang="zh-CN" altLang="en-US" sz="1247" b="1" i="1" dirty="0"/>
+                <a:t> </a:t>
+              </a:r>
+              <a:r>
+                <a:rPr lang="en-US" altLang="zh-CN" sz="1247" b="1" i="1" dirty="0"/>
+                <a:t>MSD?</a:t>
+              </a:r>
+              <a:r>
+                <a:rPr lang="zh-CN" altLang="en-US" sz="1247" b="1" i="1" dirty="0"/>
+                <a:t> </a:t>
+              </a:r>
+              <a:r>
+                <a:rPr lang="en-US" altLang="zh-CN" sz="1247" b="1" i="1" dirty="0"/>
+                <a:t>–</a:t>
+              </a:r>
+              <a:r>
+                <a:rPr lang="zh-CN" altLang="en-US" sz="1247" b="1" i="1" dirty="0"/>
+                <a:t> </a:t>
+              </a:r>
+              <a:r>
+                <a:rPr lang="en-US" altLang="zh-CN" sz="1247" b="1" i="1" dirty="0">
+                  <a:solidFill>
+                    <a:schemeClr val="accent1"/>
+                  </a:solidFill>
+                </a:rPr>
+                <a:t>Stabilizer</a:t>
+              </a:r>
+              <a:r>
+                <a:rPr lang="zh-CN" altLang="en-US" sz="1247" b="1" i="1" dirty="0">
+                  <a:solidFill>
+                    <a:schemeClr val="accent1"/>
+                  </a:solidFill>
+                </a:rPr>
+                <a:t> </a:t>
+              </a:r>
+              <a:r>
+                <a:rPr lang="en-US" altLang="zh-CN" sz="1247" b="1" i="1" dirty="0">
+                  <a:solidFill>
+                    <a:schemeClr val="accent1"/>
+                  </a:solidFill>
+                </a:rPr>
+                <a:t>Reduction</a:t>
+              </a:r>
+              <a:endParaRPr lang="en-CN" sz="1247" b="1" i="1" dirty="0">
+                <a:solidFill>
+                  <a:schemeClr val="accent1"/>
+                </a:solidFill>
+              </a:endParaRPr>
+            </a:p>
+          </p:txBody>
+        </p:sp>
+        <mc:AlternateContent xmlns:mc="http://schemas.openxmlformats.org/markup-compatibility/2006">
+          <mc:Choice xmlns:a14="http://schemas.microsoft.com/office/drawing/2010/main" Requires="a14">
+            <p:sp>
+              <p:nvSpPr>
+                <p:cNvPr id="12" name="TextBox 11">
+                  <a:extLst>
+                    <a:ext uri="{FF2B5EF4-FFF2-40B4-BE49-F238E27FC236}">
+                      <a16:creationId xmlns:a16="http://schemas.microsoft.com/office/drawing/2014/main" id="{C5FB6090-3042-09AD-0C9C-D1750F0DD8F4}"/>
+                    </a:ext>
+                  </a:extLst>
+                </p:cNvPr>
+                <p:cNvSpPr txBox="1"/>
+                <p:nvPr/>
+              </p:nvSpPr>
+              <p:spPr>
+                <a:xfrm>
+                  <a:off x="-1437" y="1475007"/>
+                  <a:ext cx="4721356" cy="939360"/>
+                </a:xfrm>
+                <a:prstGeom prst="rect">
+                  <a:avLst/>
+                </a:prstGeom>
+                <a:noFill/>
+              </p:spPr>
+              <p:txBody>
+                <a:bodyPr wrap="square" rtlCol="0">
+                  <a:spAutoFit/>
+                </a:bodyPr>
+                <a:lstStyle/>
+                <a:p>
+                  <a:pPr marL="171443" indent="-171443">
+                    <a:buFontTx/>
+                    <a:buChar char="-"/>
+                  </a:pPr>
+                  <a:r>
+                    <a:rPr lang="en-US" altLang="zh-CN" sz="1101" dirty="0"/>
+                    <a:t>Almost</a:t>
+                  </a:r>
+                  <a:r>
+                    <a:rPr lang="zh-CN" altLang="en-US" sz="1101" dirty="0"/>
+                    <a:t> </a:t>
+                  </a:r>
+                  <a:r>
+                    <a:rPr lang="en-US" altLang="zh-CN" sz="1101" dirty="0"/>
+                    <a:t>every</a:t>
+                  </a:r>
+                  <a:r>
+                    <a:rPr lang="zh-CN" altLang="en-US" sz="1101" dirty="0"/>
+                    <a:t> </a:t>
+                  </a:r>
+                  <a:r>
+                    <a:rPr lang="en-US" altLang="zh-CN" sz="1101" dirty="0"/>
+                    <a:t>MSD</a:t>
+                  </a:r>
+                  <a:r>
+                    <a:rPr lang="zh-CN" altLang="en-US" sz="1101" dirty="0"/>
+                    <a:t> </a:t>
+                  </a:r>
+                  <a:r>
+                    <a:rPr lang="en-US" altLang="zh-CN" sz="1101" dirty="0"/>
+                    <a:t>protocol</a:t>
+                  </a:r>
+                  <a:r>
+                    <a:rPr lang="zh-CN" altLang="en-US" sz="1101" dirty="0"/>
+                    <a:t> </a:t>
+                  </a:r>
+                  <a:r>
+                    <a:rPr lang="en-US" altLang="zh-CN" sz="1101" dirty="0"/>
+                    <a:t>can</a:t>
+                  </a:r>
+                  <a:r>
+                    <a:rPr lang="zh-CN" altLang="en-US" sz="1101" dirty="0"/>
+                    <a:t> </a:t>
+                  </a:r>
+                  <a:r>
+                    <a:rPr lang="en-US" altLang="zh-CN" sz="1101" dirty="0"/>
+                    <a:t>be</a:t>
+                  </a:r>
+                  <a:r>
+                    <a:rPr lang="zh-CN" altLang="en-US" sz="1101" dirty="0"/>
+                    <a:t> </a:t>
+                  </a:r>
+                  <a:r>
+                    <a:rPr lang="en-US" altLang="zh-CN" sz="1101" dirty="0"/>
+                    <a:t>described</a:t>
+                  </a:r>
+                  <a:r>
+                    <a:rPr lang="zh-CN" altLang="en-US" sz="1101" dirty="0"/>
+                    <a:t> </a:t>
+                  </a:r>
+                  <a:r>
+                    <a:rPr lang="en-US" altLang="zh-CN" sz="1101" dirty="0"/>
+                    <a:t>using</a:t>
+                  </a:r>
+                  <a:r>
+                    <a:rPr lang="zh-CN" altLang="en-US" sz="1101" dirty="0"/>
+                    <a:t> </a:t>
+                  </a:r>
+                  <a:r>
+                    <a:rPr lang="en-US" altLang="zh-CN" sz="1101" b="1" dirty="0"/>
+                    <a:t>stabilizer</a:t>
+                  </a:r>
+                  <a:r>
+                    <a:rPr lang="zh-CN" altLang="en-US" sz="1101" b="1" dirty="0"/>
+                    <a:t> </a:t>
+                  </a:r>
+                  <a:r>
+                    <a:rPr lang="en-US" altLang="zh-CN" sz="1101" b="1" dirty="0"/>
+                    <a:t>codes</a:t>
+                  </a:r>
+                  <a:r>
+                    <a:rPr lang="en-US" altLang="zh-CN" sz="1101" dirty="0"/>
+                    <a:t>.</a:t>
+                  </a:r>
+                </a:p>
+                <a:p>
+                  <a:pPr marL="171443" indent="-171443">
+                    <a:buFontTx/>
+                    <a:buChar char="-"/>
+                  </a:pPr>
+                  <a:r>
+                    <a:rPr lang="en-US" altLang="zh-CN" sz="1101" b="1" i="1" dirty="0"/>
+                    <a:t>Stabilizer</a:t>
+                  </a:r>
+                  <a:r>
+                    <a:rPr lang="zh-CN" altLang="en-US" sz="1101" b="1" i="1" dirty="0"/>
+                    <a:t> </a:t>
+                  </a:r>
+                  <a:r>
+                    <a:rPr lang="en-US" altLang="zh-CN" sz="1101" b="1" i="1" dirty="0"/>
+                    <a:t>Reduction</a:t>
+                  </a:r>
+                  <a:r>
+                    <a:rPr lang="en-US" altLang="zh-CN" sz="1101" dirty="0"/>
+                    <a:t>:</a:t>
+                  </a:r>
+                  <a:r>
+                    <a:rPr lang="zh-CN" altLang="en-US" sz="1101" dirty="0"/>
+                    <a:t> </a:t>
+                  </a:r>
+                  <a:r>
+                    <a:rPr lang="en-US" altLang="zh-CN" sz="1101" dirty="0"/>
+                    <a:t>1.</a:t>
+                  </a:r>
+                  <a:r>
+                    <a:rPr lang="zh-CN" altLang="en-US" sz="1101" dirty="0"/>
+                    <a:t> </a:t>
+                  </a:r>
+                  <a:r>
+                    <a:rPr lang="en-US" altLang="zh-CN" sz="1101" dirty="0"/>
+                    <a:t>Take</a:t>
+                  </a:r>
+                  <a:r>
+                    <a:rPr lang="zh-CN" altLang="en-US" sz="1101" dirty="0"/>
+                    <a:t> </a:t>
+                  </a:r>
+                  <a:r>
+                    <a:rPr lang="en-US" altLang="zh-CN" sz="1101" dirty="0"/>
+                    <a:t>the</a:t>
+                  </a:r>
+                  <a:r>
+                    <a:rPr lang="zh-CN" altLang="en-US" sz="1101" dirty="0"/>
+                    <a:t> </a:t>
+                  </a:r>
+                  <a:r>
+                    <a:rPr lang="en-US" altLang="zh-CN" sz="1101" dirty="0"/>
+                    <a:t>input</a:t>
+                  </a:r>
+                  <a:r>
+                    <a:rPr lang="zh-CN" altLang="en-US" sz="1101" dirty="0"/>
+                    <a:t> </a:t>
+                  </a:r>
+                  <a:r>
+                    <a:rPr lang="en-US" altLang="zh-CN" sz="1101" dirty="0"/>
+                    <a:t>state</a:t>
+                  </a:r>
+                  <a:r>
+                    <a:rPr lang="zh-CN" altLang="en-US" sz="1101" dirty="0"/>
+                    <a:t> </a:t>
+                  </a:r>
+                  <a14:m>
+                    <m:oMath xmlns:m="http://schemas.openxmlformats.org/officeDocument/2006/math">
+                      <m:sSub>
+                        <m:sSubPr>
+                          <m:ctrlPr>
+                            <a:rPr lang="en-US" altLang="zh-CN" sz="1101" i="1">
+                              <a:latin typeface="Cambria Math" panose="02040503050406030204" pitchFamily="18" charset="0"/>
+                            </a:rPr>
+                          </m:ctrlPr>
+                        </m:sSubPr>
+                        <m:e>
+                          <m:r>
+                            <a:rPr lang="en-US" altLang="zh-CN" sz="1101" i="1">
+                              <a:latin typeface="Cambria Math" panose="02040503050406030204" pitchFamily="18" charset="0"/>
+                            </a:rPr>
+                            <m:t>𝜌</m:t>
+                          </m:r>
+                        </m:e>
+                        <m:sub>
+                          <m:r>
+                            <a:rPr lang="en-US" altLang="zh-CN" sz="1101" i="1">
+                              <a:latin typeface="Cambria Math" panose="02040503050406030204" pitchFamily="18" charset="0"/>
+                            </a:rPr>
+                            <m:t>𝑖𝑛</m:t>
+                          </m:r>
+                        </m:sub>
+                      </m:sSub>
+                    </m:oMath>
+                  </a14:m>
+                  <a:r>
+                    <a:rPr lang="en-US" altLang="zh-CN" sz="1101" dirty="0"/>
+                    <a:t>.</a:t>
+                  </a:r>
+                  <a:r>
+                    <a:rPr lang="zh-CN" altLang="en-US" sz="1101" dirty="0"/>
+                    <a:t> </a:t>
+                  </a:r>
+                  <a:r>
+                    <a:rPr lang="en-US" altLang="zh-CN" sz="1101" dirty="0"/>
+                    <a:t>2.</a:t>
+                  </a:r>
+                  <a:r>
+                    <a:rPr lang="zh-CN" altLang="en-US" sz="1101" dirty="0"/>
+                    <a:t> </a:t>
+                  </a:r>
+                  <a:r>
+                    <a:rPr lang="en-US" altLang="zh-CN" sz="1101" dirty="0"/>
+                    <a:t>Measure</a:t>
+                  </a:r>
+                  <a:r>
+                    <a:rPr lang="zh-CN" altLang="en-US" sz="1101" dirty="0"/>
+                    <a:t> </a:t>
+                  </a:r>
+                  <a:r>
+                    <a:rPr lang="en-US" altLang="zh-CN" sz="1101" dirty="0"/>
+                    <a:t>all</a:t>
+                  </a:r>
+                  <a:r>
+                    <a:rPr lang="zh-CN" altLang="en-US" sz="1101" dirty="0"/>
+                    <a:t> </a:t>
+                  </a:r>
+                  <a:r>
+                    <a:rPr lang="en-US" altLang="zh-CN" sz="1101" dirty="0"/>
+                    <a:t>given</a:t>
+                  </a:r>
+                  <a:r>
+                    <a:rPr lang="zh-CN" altLang="en-US" sz="1101" dirty="0"/>
+                    <a:t> </a:t>
+                  </a:r>
+                  <a:r>
+                    <a:rPr lang="en-US" altLang="zh-CN" sz="1101" dirty="0"/>
+                    <a:t>stabilizer</a:t>
+                  </a:r>
+                  <a:r>
+                    <a:rPr lang="zh-CN" altLang="en-US" sz="1101" dirty="0"/>
+                    <a:t> </a:t>
+                  </a:r>
+                  <a:r>
+                    <a:rPr lang="en-US" altLang="zh-CN" sz="1101" dirty="0"/>
+                    <a:t>generators.</a:t>
+                  </a:r>
+                  <a:r>
+                    <a:rPr lang="zh-CN" altLang="en-US" sz="1101" dirty="0"/>
+                    <a:t> </a:t>
+                  </a:r>
+                  <a:r>
+                    <a:rPr lang="en-US" altLang="zh-CN" sz="1101" dirty="0"/>
+                    <a:t>3.</a:t>
+                  </a:r>
+                  <a:r>
+                    <a:rPr lang="zh-CN" altLang="en-US" sz="1101" dirty="0"/>
+                    <a:t> </a:t>
+                  </a:r>
+                  <a:r>
+                    <a:rPr lang="en-US" altLang="zh-CN" sz="1101" dirty="0"/>
+                    <a:t>Post-select</a:t>
+                  </a:r>
+                  <a:r>
+                    <a:rPr lang="zh-CN" altLang="en-US" sz="1101" dirty="0"/>
+                    <a:t> </a:t>
+                  </a:r>
+                  <a:r>
+                    <a:rPr lang="en-US" altLang="zh-CN" sz="1101" dirty="0"/>
+                    <a:t>on</a:t>
+                  </a:r>
+                  <a:r>
+                    <a:rPr lang="zh-CN" altLang="en-US" sz="1101" dirty="0"/>
+                    <a:t> </a:t>
+                  </a:r>
+                  <a:r>
+                    <a:rPr lang="en-US" altLang="zh-CN" sz="1101" dirty="0"/>
+                    <a:t>given</a:t>
+                  </a:r>
+                  <a:r>
+                    <a:rPr lang="zh-CN" altLang="en-US" sz="1101" dirty="0"/>
+                    <a:t> </a:t>
+                  </a:r>
+                  <a:r>
+                    <a:rPr lang="en-US" altLang="zh-CN" sz="1101" dirty="0"/>
+                    <a:t>measurement</a:t>
+                  </a:r>
+                  <a:r>
+                    <a:rPr lang="zh-CN" altLang="en-US" sz="1101" dirty="0"/>
+                    <a:t> </a:t>
+                  </a:r>
+                  <a:r>
+                    <a:rPr lang="en-US" altLang="zh-CN" sz="1101" dirty="0"/>
+                    <a:t>patterns.</a:t>
+                  </a:r>
+                  <a:r>
+                    <a:rPr lang="zh-CN" altLang="en-US" sz="1101" dirty="0"/>
+                    <a:t> </a:t>
+                  </a:r>
+                  <a:r>
+                    <a:rPr lang="en-US" altLang="zh-CN" sz="1101" dirty="0"/>
+                    <a:t>4.</a:t>
+                  </a:r>
+                  <a:r>
+                    <a:rPr lang="zh-CN" altLang="en-US" sz="1101" dirty="0"/>
+                    <a:t> </a:t>
+                  </a:r>
+                  <a:r>
+                    <a:rPr lang="en-US" altLang="zh-CN" sz="1101" dirty="0"/>
+                    <a:t>Decode</a:t>
+                  </a:r>
+                  <a:r>
+                    <a:rPr lang="zh-CN" altLang="en-US" sz="1101" dirty="0"/>
+                    <a:t> </a:t>
+                  </a:r>
+                  <a:r>
+                    <a:rPr lang="en-US" altLang="zh-CN" sz="1101" dirty="0"/>
+                    <a:t>the</a:t>
+                  </a:r>
+                  <a:r>
+                    <a:rPr lang="zh-CN" altLang="en-US" sz="1101" dirty="0"/>
+                    <a:t> </a:t>
+                  </a:r>
+                  <a:r>
+                    <a:rPr lang="en-US" altLang="zh-CN" sz="1101" dirty="0"/>
+                    <a:t>post-measurement</a:t>
+                  </a:r>
+                  <a:r>
+                    <a:rPr lang="zh-CN" altLang="en-US" sz="1101" dirty="0"/>
+                    <a:t> </a:t>
+                  </a:r>
+                  <a:r>
+                    <a:rPr lang="en-US" altLang="zh-CN" sz="1101" dirty="0"/>
+                    <a:t>state.</a:t>
+                  </a:r>
+                </a:p>
+                <a:p>
+                  <a:pPr marL="171443" indent="-171443">
+                    <a:buFontTx/>
+                    <a:buChar char="-"/>
+                  </a:pPr>
+                  <a:r>
+                    <a:rPr lang="en-US" altLang="zh-CN" sz="1101" b="1" i="1" dirty="0">
+                      <a:solidFill>
+                        <a:schemeClr val="accent1"/>
+                      </a:solidFill>
+                    </a:rPr>
+                    <a:t>Technically,</a:t>
+                  </a:r>
+                  <a:r>
+                    <a:rPr lang="zh-CN" altLang="en-US" sz="1101" b="1" i="1" dirty="0">
+                      <a:solidFill>
+                        <a:schemeClr val="accent1"/>
+                      </a:solidFill>
+                    </a:rPr>
+                    <a:t> </a:t>
+                  </a:r>
+                  <a:r>
+                    <a:rPr lang="en-US" altLang="zh-CN" sz="1101" b="1" i="1" dirty="0">
+                      <a:solidFill>
+                        <a:schemeClr val="accent1"/>
+                      </a:solidFill>
+                    </a:rPr>
+                    <a:t>just</a:t>
+                  </a:r>
+                  <a:r>
+                    <a:rPr lang="zh-CN" altLang="en-US" sz="1101" b="1" i="1" dirty="0">
+                      <a:solidFill>
+                        <a:schemeClr val="accent1"/>
+                      </a:solidFill>
+                    </a:rPr>
+                    <a:t> </a:t>
+                  </a:r>
+                  <a:r>
+                    <a:rPr lang="en-US" altLang="zh-CN" sz="1101" b="1" i="1" dirty="0">
+                      <a:solidFill>
+                        <a:schemeClr val="accent1"/>
+                      </a:solidFill>
+                    </a:rPr>
+                    <a:t>apply</a:t>
+                  </a:r>
+                  <a:r>
+                    <a:rPr lang="zh-CN" altLang="en-US" sz="1101" b="1" i="1" dirty="0">
+                      <a:solidFill>
+                        <a:schemeClr val="accent1"/>
+                      </a:solidFill>
+                    </a:rPr>
+                    <a:t> </a:t>
+                  </a:r>
+                  <a:r>
+                    <a:rPr lang="en-US" altLang="zh-CN" sz="1101" b="1" i="1" dirty="0">
+                      <a:solidFill>
+                        <a:schemeClr val="accent1"/>
+                      </a:solidFill>
+                    </a:rPr>
+                    <a:t>the</a:t>
+                  </a:r>
+                  <a:r>
+                    <a:rPr lang="zh-CN" altLang="en-US" sz="1101" b="1" i="1" dirty="0">
+                      <a:solidFill>
+                        <a:schemeClr val="accent1"/>
+                      </a:solidFill>
+                    </a:rPr>
+                    <a:t> </a:t>
+                  </a:r>
+                  <a:r>
+                    <a:rPr lang="en-US" altLang="zh-CN" sz="1101" b="1" i="1" dirty="0">
+                      <a:solidFill>
+                        <a:schemeClr val="accent1"/>
+                      </a:solidFill>
+                    </a:rPr>
+                    <a:t>decoder</a:t>
+                  </a:r>
+                  <a:r>
+                    <a:rPr lang="zh-CN" altLang="en-US" sz="1101" b="1" i="1" dirty="0">
+                      <a:solidFill>
+                        <a:schemeClr val="accent1"/>
+                      </a:solidFill>
+                    </a:rPr>
+                    <a:t> </a:t>
+                  </a:r>
+                  <a:r>
+                    <a:rPr lang="en-US" altLang="zh-CN" sz="1101" b="1" i="1" dirty="0">
+                      <a:solidFill>
+                        <a:schemeClr val="accent1"/>
+                      </a:solidFill>
+                    </a:rPr>
+                    <a:t>operation</a:t>
+                  </a:r>
+                  <a:r>
+                    <a:rPr lang="zh-CN" altLang="en-US" sz="1101" b="1" i="1" dirty="0">
+                      <a:solidFill>
+                        <a:schemeClr val="accent1"/>
+                      </a:solidFill>
+                    </a:rPr>
+                    <a:t> </a:t>
+                  </a:r>
+                  <a:r>
+                    <a:rPr lang="en-US" altLang="zh-CN" sz="1101" b="1" i="1" dirty="0">
+                      <a:solidFill>
+                        <a:schemeClr val="accent1"/>
+                      </a:solidFill>
+                    </a:rPr>
+                    <a:t>and</a:t>
+                  </a:r>
+                  <a:r>
+                    <a:rPr lang="zh-CN" altLang="en-US" sz="1101" b="1" i="1" dirty="0">
+                      <a:solidFill>
+                        <a:schemeClr val="accent1"/>
+                      </a:solidFill>
+                    </a:rPr>
+                    <a:t> </a:t>
+                  </a:r>
+                  <a:r>
+                    <a:rPr lang="en-US" altLang="zh-CN" sz="1101" b="1" i="1" dirty="0">
+                      <a:solidFill>
+                        <a:schemeClr val="accent1"/>
+                      </a:solidFill>
+                    </a:rPr>
+                    <a:t>measure</a:t>
+                  </a:r>
+                  <a:r>
+                    <a:rPr lang="zh-CN" altLang="en-US" sz="1101" b="1" i="1" dirty="0">
+                      <a:solidFill>
+                        <a:schemeClr val="accent1"/>
+                      </a:solidFill>
+                    </a:rPr>
+                    <a:t> </a:t>
+                  </a:r>
+                  <a:r>
+                    <a:rPr lang="en-US" altLang="zh-CN" sz="1101" b="1" i="1" dirty="0">
+                      <a:solidFill>
+                        <a:schemeClr val="accent1"/>
+                      </a:solidFill>
+                    </a:rPr>
+                    <a:t>every</a:t>
+                  </a:r>
+                  <a:r>
+                    <a:rPr lang="zh-CN" altLang="en-US" sz="1101" b="1" i="1" dirty="0">
+                      <a:solidFill>
+                        <a:schemeClr val="accent1"/>
+                      </a:solidFill>
+                    </a:rPr>
+                    <a:t> </a:t>
+                  </a:r>
+                  <a:r>
+                    <a:rPr lang="en-US" altLang="zh-CN" sz="1101" b="1" i="1" dirty="0">
+                      <a:solidFill>
+                        <a:schemeClr val="accent1"/>
+                      </a:solidFill>
+                    </a:rPr>
+                    <a:t>ancilla!</a:t>
+                  </a:r>
+                  <a:endParaRPr lang="en-CN" sz="1101" b="1" i="1" dirty="0">
+                    <a:solidFill>
+                      <a:schemeClr val="accent1"/>
+                    </a:solidFill>
+                  </a:endParaRPr>
+                </a:p>
+              </p:txBody>
+            </p:sp>
+          </mc:Choice>
+          <mc:Fallback>
+            <p:sp>
+              <p:nvSpPr>
+                <p:cNvPr id="12" name="TextBox 11">
+                  <a:extLst>
+                    <a:ext uri="{FF2B5EF4-FFF2-40B4-BE49-F238E27FC236}">
+                      <a16:creationId xmlns:a16="http://schemas.microsoft.com/office/drawing/2014/main" id="{C5FB6090-3042-09AD-0C9C-D1750F0DD8F4}"/>
+                    </a:ext>
+                  </a:extLst>
+                </p:cNvPr>
+                <p:cNvSpPr txBox="1">
+                  <a:spLocks noRot="1" noChangeAspect="1" noMove="1" noResize="1" noEditPoints="1" noAdjustHandles="1" noChangeArrowheads="1" noChangeShapeType="1" noTextEdit="1"/>
+                </p:cNvSpPr>
+                <p:nvPr/>
+              </p:nvSpPr>
+              <p:spPr>
+                <a:xfrm>
+                  <a:off x="-1437" y="1475007"/>
+                  <a:ext cx="4721356" cy="939360"/>
+                </a:xfrm>
+                <a:prstGeom prst="rect">
+                  <a:avLst/>
+                </a:prstGeom>
+                <a:blipFill>
+                  <a:blip r:embed="rId4"/>
+                  <a:stretch>
+                    <a:fillRect b="-2667"/>
+                  </a:stretch>
+                </a:blipFill>
+              </p:spPr>
+              <p:txBody>
+                <a:bodyPr/>
+                <a:lstStyle/>
+                <a:p>
+                  <a:r>
+                    <a:rPr lang="en-CN">
+                      <a:noFill/>
+                    </a:rPr>
+                    <a:t> </a:t>
+                  </a:r>
+                </a:p>
+              </p:txBody>
+            </p:sp>
+          </mc:Fallback>
+        </mc:AlternateContent>
+      </p:grpSp>
+      <p:grpSp>
+        <p:nvGrpSpPr>
+          <p:cNvPr id="75" name="Group 74">
+            <a:extLst>
+              <a:ext uri="{FF2B5EF4-FFF2-40B4-BE49-F238E27FC236}">
+                <a16:creationId xmlns:a16="http://schemas.microsoft.com/office/drawing/2014/main" id="{4A4CFA1C-D3B8-21B1-C0D5-A405C65B6734}"/>
+              </a:ext>
+            </a:extLst>
+          </p:cNvPr>
+          <p:cNvGrpSpPr/>
+          <p:nvPr/>
+        </p:nvGrpSpPr>
+        <p:grpSpPr>
+          <a:xfrm>
+            <a:off x="-1437" y="5012565"/>
+            <a:ext cx="4945456" cy="1253866"/>
+            <a:chOff x="-1437" y="5012565"/>
+            <a:chExt cx="4945456" cy="1253866"/>
+          </a:xfrm>
+        </p:grpSpPr>
+        <p:sp>
+          <p:nvSpPr>
+            <p:cNvPr id="10" name="TextBox 9">
+              <a:extLst>
+                <a:ext uri="{FF2B5EF4-FFF2-40B4-BE49-F238E27FC236}">
+                  <a16:creationId xmlns:a16="http://schemas.microsoft.com/office/drawing/2014/main" id="{C8E4A9F6-B6F2-FBFB-09A3-B8B38A4D66F2}"/>
+                </a:ext>
+              </a:extLst>
+            </p:cNvPr>
+            <p:cNvSpPr txBox="1"/>
+            <p:nvPr/>
+          </p:nvSpPr>
+          <p:spPr>
+            <a:xfrm>
+              <a:off x="128062" y="5012565"/>
+              <a:ext cx="1383712" cy="284245"/>
+            </a:xfrm>
+            <a:prstGeom prst="rect">
+              <a:avLst/>
+            </a:prstGeom>
+            <a:noFill/>
+          </p:spPr>
+          <p:txBody>
+            <a:bodyPr wrap="none" rtlCol="0">
+              <a:spAutoFit/>
+            </a:bodyPr>
+            <a:lstStyle/>
+            <a:p>
+              <a:r>
+                <a:rPr lang="en-US" altLang="zh-CN" sz="1247" b="1" i="1" dirty="0"/>
+                <a:t>[[7,</a:t>
+              </a:r>
+              <a:r>
+                <a:rPr lang="zh-CN" altLang="en-US" sz="1247" b="1" i="1" dirty="0"/>
+                <a:t> </a:t>
+              </a:r>
+              <a:r>
+                <a:rPr lang="en-US" altLang="zh-CN" sz="1247" b="1" i="1" dirty="0"/>
+                <a:t>1,</a:t>
+              </a:r>
+              <a:r>
+                <a:rPr lang="zh-CN" altLang="en-US" sz="1247" b="1" i="1" dirty="0"/>
+                <a:t> </a:t>
+              </a:r>
+              <a:r>
+                <a:rPr lang="en-US" altLang="zh-CN" sz="1247" b="1" i="1" dirty="0"/>
+                <a:t>3]]</a:t>
+              </a:r>
+              <a:r>
+                <a:rPr lang="zh-CN" altLang="en-US" sz="1247" b="1" i="1" dirty="0"/>
+                <a:t> </a:t>
+              </a:r>
+              <a:r>
+                <a:rPr lang="en-US" altLang="zh-CN" sz="1247" b="1" i="1" dirty="0"/>
+                <a:t>protocol</a:t>
+              </a:r>
+              <a:endParaRPr lang="en-CN" sz="1247" b="1" i="1" dirty="0"/>
+            </a:p>
+          </p:txBody>
+        </p:sp>
+        <mc:AlternateContent xmlns:mc="http://schemas.openxmlformats.org/markup-compatibility/2006">
+          <mc:Choice xmlns:a14="http://schemas.microsoft.com/office/drawing/2010/main" Requires="a14">
+            <p:sp>
+              <p:nvSpPr>
+                <p:cNvPr id="13" name="TextBox 12">
+                  <a:extLst>
+                    <a:ext uri="{FF2B5EF4-FFF2-40B4-BE49-F238E27FC236}">
+                      <a16:creationId xmlns:a16="http://schemas.microsoft.com/office/drawing/2014/main" id="{AA43A39F-3356-4DA2-07AE-F1F87EEF81BA}"/>
+                    </a:ext>
+                  </a:extLst>
+                </p:cNvPr>
+                <p:cNvSpPr txBox="1"/>
+                <p:nvPr/>
+              </p:nvSpPr>
+              <p:spPr>
+                <a:xfrm>
+                  <a:off x="-1437" y="5240701"/>
+                  <a:ext cx="4945456" cy="1025730"/>
+                </a:xfrm>
+                <a:prstGeom prst="rect">
+                  <a:avLst/>
+                </a:prstGeom>
+                <a:noFill/>
+              </p:spPr>
+              <p:txBody>
+                <a:bodyPr wrap="none" rtlCol="0">
+                  <a:spAutoFit/>
+                </a:bodyPr>
+                <a:lstStyle/>
+                <a:p>
+                  <a:pPr marL="171443" indent="-171443">
+                    <a:buFontTx/>
+                    <a:buChar char="-"/>
+                  </a:pPr>
+                  <a:r>
+                    <a:rPr lang="en-US" altLang="zh-CN" sz="1101" dirty="0"/>
+                    <a:t>Stabilizer</a:t>
+                  </a:r>
+                  <a:r>
+                    <a:rPr lang="zh-CN" altLang="en-US" sz="1101" dirty="0"/>
+                    <a:t> </a:t>
+                  </a:r>
+                  <a:r>
+                    <a:rPr lang="en-US" altLang="zh-CN" sz="1101" dirty="0"/>
+                    <a:t>generators:</a:t>
+                  </a:r>
+                  <a:r>
+                    <a:rPr lang="zh-CN" altLang="en-US" sz="1101" dirty="0"/>
+                    <a:t> </a:t>
+                  </a:r>
+                  <a14:m>
+                    <m:oMath xmlns:m="http://schemas.openxmlformats.org/officeDocument/2006/math">
+                      <m:r>
+                        <a:rPr lang="en-US" altLang="zh-CN" sz="1101" i="1">
+                          <a:latin typeface="Cambria Math" panose="02040503050406030204" pitchFamily="18" charset="0"/>
+                        </a:rPr>
+                        <m:t>𝑋𝑋𝑋𝑋𝐼𝐼𝐼</m:t>
+                      </m:r>
+                      <m:r>
+                        <a:rPr lang="en-US" altLang="zh-CN" sz="1101" i="1">
+                          <a:latin typeface="Cambria Math" panose="02040503050406030204" pitchFamily="18" charset="0"/>
+                        </a:rPr>
+                        <m:t>,</m:t>
+                      </m:r>
+                      <m:r>
+                        <a:rPr lang="zh-CN" altLang="en-US" sz="1101" i="1">
+                          <a:latin typeface="Cambria Math" panose="02040503050406030204" pitchFamily="18" charset="0"/>
+                        </a:rPr>
+                        <m:t> </m:t>
+                      </m:r>
+                      <m:r>
+                        <a:rPr lang="en-US" altLang="zh-CN" sz="1101" i="1">
+                          <a:latin typeface="Cambria Math" panose="02040503050406030204" pitchFamily="18" charset="0"/>
+                        </a:rPr>
+                        <m:t>𝑋𝑋𝐼𝐼𝑋𝑋𝐼</m:t>
+                      </m:r>
+                      <m:r>
+                        <a:rPr lang="en-US" altLang="zh-CN" sz="1101" i="1">
+                          <a:latin typeface="Cambria Math" panose="02040503050406030204" pitchFamily="18" charset="0"/>
+                        </a:rPr>
+                        <m:t>,</m:t>
+                      </m:r>
+                      <m:r>
+                        <a:rPr lang="zh-CN" altLang="en-US" sz="1101" i="1">
+                          <a:latin typeface="Cambria Math" panose="02040503050406030204" pitchFamily="18" charset="0"/>
+                        </a:rPr>
+                        <m:t> </m:t>
+                      </m:r>
+                      <m:r>
+                        <a:rPr lang="en-US" altLang="zh-CN" sz="1101" i="1">
+                          <a:latin typeface="Cambria Math" panose="02040503050406030204" pitchFamily="18" charset="0"/>
+                        </a:rPr>
+                        <m:t>𝑋𝐼𝑋𝐼𝑋𝐼𝑋</m:t>
+                      </m:r>
+                      <m:r>
+                        <a:rPr lang="en-US" altLang="zh-CN" sz="1101" i="1">
+                          <a:latin typeface="Cambria Math" panose="02040503050406030204" pitchFamily="18" charset="0"/>
+                        </a:rPr>
+                        <m:t>,</m:t>
+                      </m:r>
+                      <m:r>
+                        <a:rPr lang="zh-CN" altLang="en-US" sz="1101" i="1">
+                          <a:latin typeface="Cambria Math" panose="02040503050406030204" pitchFamily="18" charset="0"/>
+                        </a:rPr>
+                        <m:t> </m:t>
+                      </m:r>
+                      <m:r>
+                        <a:rPr lang="en-US" altLang="zh-CN" sz="1101" i="1">
+                          <a:latin typeface="Cambria Math" panose="02040503050406030204" pitchFamily="18" charset="0"/>
+                        </a:rPr>
+                        <m:t>𝑍𝑍𝑍𝑍𝐼𝐼𝐼</m:t>
+                      </m:r>
+                      <m:r>
+                        <a:rPr lang="en-US" altLang="zh-CN" sz="1101" i="1">
+                          <a:latin typeface="Cambria Math" panose="02040503050406030204" pitchFamily="18" charset="0"/>
+                        </a:rPr>
+                        <m:t>,</m:t>
+                      </m:r>
+                      <m:r>
+                        <a:rPr lang="zh-CN" altLang="en-US" sz="1101" i="1">
+                          <a:latin typeface="Cambria Math" panose="02040503050406030204" pitchFamily="18" charset="0"/>
+                        </a:rPr>
+                        <m:t> </m:t>
+                      </m:r>
+                      <m:r>
+                        <a:rPr lang="en-US" altLang="zh-CN" sz="1101" i="1">
+                          <a:latin typeface="Cambria Math" panose="02040503050406030204" pitchFamily="18" charset="0"/>
+                        </a:rPr>
+                        <m:t>𝑍𝑍𝐼𝐼𝑍𝑍𝐼</m:t>
+                      </m:r>
+                      <m:r>
+                        <a:rPr lang="en-US" altLang="zh-CN" sz="1101" i="1">
+                          <a:latin typeface="Cambria Math" panose="02040503050406030204" pitchFamily="18" charset="0"/>
+                        </a:rPr>
+                        <m:t>,</m:t>
+                      </m:r>
+                      <m:r>
+                        <a:rPr lang="zh-CN" altLang="en-US" sz="1101" i="1">
+                          <a:latin typeface="Cambria Math" panose="02040503050406030204" pitchFamily="18" charset="0"/>
+                        </a:rPr>
+                        <m:t> </m:t>
+                      </m:r>
+                      <m:r>
+                        <a:rPr lang="en-US" altLang="zh-CN" sz="1101" i="1">
+                          <a:latin typeface="Cambria Math" panose="02040503050406030204" pitchFamily="18" charset="0"/>
+                        </a:rPr>
+                        <m:t>𝑍𝐼𝑍𝐼𝑍𝐼𝑍</m:t>
+                      </m:r>
+                    </m:oMath>
+                  </a14:m>
+                  <a:endParaRPr lang="en-US" altLang="zh-CN" sz="1101" dirty="0"/>
+                </a:p>
+                <a:p>
+                  <a:pPr marL="171443" indent="-171443">
+                    <a:buFontTx/>
+                    <a:buChar char="-"/>
+                  </a:pPr>
+                  <a:r>
+                    <a:rPr lang="en-US" altLang="zh-CN" sz="1101" dirty="0"/>
+                    <a:t>Logical</a:t>
+                  </a:r>
+                  <a:r>
+                    <a:rPr lang="zh-CN" altLang="en-US" sz="1101" dirty="0"/>
+                    <a:t> </a:t>
+                  </a:r>
+                  <a:r>
+                    <a:rPr lang="en-US" altLang="zh-CN" sz="1101" dirty="0"/>
+                    <a:t>operators:</a:t>
+                  </a:r>
+                  <a:r>
+                    <a:rPr lang="zh-CN" altLang="en-US" sz="1101" dirty="0"/>
+                    <a:t> </a:t>
+                  </a:r>
+                  <a14:m>
+                    <m:oMath xmlns:m="http://schemas.openxmlformats.org/officeDocument/2006/math">
+                      <m:sSub>
+                        <m:sSubPr>
+                          <m:ctrlPr>
+                            <a:rPr lang="en-US" altLang="zh-CN" sz="1101" i="1">
+                              <a:latin typeface="Cambria Math" panose="02040503050406030204" pitchFamily="18" charset="0"/>
+                            </a:rPr>
+                          </m:ctrlPr>
+                        </m:sSubPr>
+                        <m:e>
+                          <m:r>
+                            <a:rPr lang="en-US" altLang="zh-CN" sz="1101" i="1">
+                              <a:latin typeface="Cambria Math" panose="02040503050406030204" pitchFamily="18" charset="0"/>
+                            </a:rPr>
+                            <m:t>𝑋</m:t>
+                          </m:r>
+                        </m:e>
+                        <m:sub>
+                          <m:r>
+                            <a:rPr lang="en-US" altLang="zh-CN" sz="1101" i="1">
+                              <a:latin typeface="Cambria Math" panose="02040503050406030204" pitchFamily="18" charset="0"/>
+                            </a:rPr>
+                            <m:t>𝐿</m:t>
+                          </m:r>
+                        </m:sub>
+                      </m:sSub>
+                      <m:r>
+                        <a:rPr lang="en-US" altLang="zh-CN" sz="1101" i="1">
+                          <a:latin typeface="Cambria Math" panose="02040503050406030204" pitchFamily="18" charset="0"/>
+                        </a:rPr>
+                        <m:t>=</m:t>
+                      </m:r>
+                      <m:r>
+                        <a:rPr lang="en-US" altLang="zh-CN" sz="1101" i="1">
+                          <a:latin typeface="Cambria Math" panose="02040503050406030204" pitchFamily="18" charset="0"/>
+                        </a:rPr>
+                        <m:t>𝑋𝑋𝑋𝑋𝑋𝑋𝑋</m:t>
+                      </m:r>
+                      <m:r>
+                        <a:rPr lang="en-US" altLang="zh-CN" sz="1101" i="1">
+                          <a:latin typeface="Cambria Math" panose="02040503050406030204" pitchFamily="18" charset="0"/>
+                        </a:rPr>
+                        <m:t>,</m:t>
+                      </m:r>
+                      <m:r>
+                        <a:rPr lang="zh-CN" altLang="en-US" sz="1101" i="1">
+                          <a:latin typeface="Cambria Math" panose="02040503050406030204" pitchFamily="18" charset="0"/>
+                        </a:rPr>
+                        <m:t> </m:t>
+                      </m:r>
+                      <m:sSub>
+                        <m:sSubPr>
+                          <m:ctrlPr>
+                            <a:rPr lang="en-US" altLang="zh-CN" sz="1101" i="1">
+                              <a:latin typeface="Cambria Math" panose="02040503050406030204" pitchFamily="18" charset="0"/>
+                            </a:rPr>
+                          </m:ctrlPr>
+                        </m:sSubPr>
+                        <m:e>
+                          <m:r>
+                            <a:rPr lang="en-US" altLang="zh-CN" sz="1101" i="1">
+                              <a:latin typeface="Cambria Math" panose="02040503050406030204" pitchFamily="18" charset="0"/>
+                            </a:rPr>
+                            <m:t>𝑍</m:t>
+                          </m:r>
+                        </m:e>
+                        <m:sub>
+                          <m:r>
+                            <a:rPr lang="en-US" altLang="zh-CN" sz="1101" i="1">
+                              <a:latin typeface="Cambria Math" panose="02040503050406030204" pitchFamily="18" charset="0"/>
+                            </a:rPr>
+                            <m:t>𝐿</m:t>
+                          </m:r>
+                        </m:sub>
+                      </m:sSub>
+                      <m:r>
+                        <a:rPr lang="en-US" altLang="zh-CN" sz="1101" i="1">
+                          <a:latin typeface="Cambria Math" panose="02040503050406030204" pitchFamily="18" charset="0"/>
+                        </a:rPr>
+                        <m:t>=</m:t>
+                      </m:r>
+                      <m:r>
+                        <a:rPr lang="en-US" altLang="zh-CN" sz="1101" i="1">
+                          <a:latin typeface="Cambria Math" panose="02040503050406030204" pitchFamily="18" charset="0"/>
+                        </a:rPr>
+                        <m:t>𝑍𝑍𝑍𝑍𝑍𝑍𝑍</m:t>
+                      </m:r>
+                    </m:oMath>
+                  </a14:m>
+                  <a:endParaRPr lang="en-US" altLang="zh-CN" sz="1101" dirty="0"/>
+                </a:p>
+                <a:p>
+                  <a:pPr marL="171443" indent="-171443">
+                    <a:buFontTx/>
+                    <a:buChar char="-"/>
+                  </a:pPr>
+                  <a:r>
+                    <a:rPr lang="en-US" altLang="zh-CN" sz="1101" dirty="0"/>
+                    <a:t>Target</a:t>
+                  </a:r>
+                  <a:r>
+                    <a:rPr lang="zh-CN" altLang="en-US" sz="1101" dirty="0"/>
+                    <a:t> </a:t>
+                  </a:r>
+                  <a:r>
+                    <a:rPr lang="en-US" altLang="zh-CN" sz="1101" dirty="0"/>
+                    <a:t>state:</a:t>
+                  </a:r>
+                  <a:r>
+                    <a:rPr lang="zh-CN" altLang="en-US" sz="1101" dirty="0"/>
+                    <a:t> </a:t>
+                  </a:r>
+                  <a14:m>
+                    <m:oMath xmlns:m="http://schemas.openxmlformats.org/officeDocument/2006/math">
+                      <m:d>
+                        <m:dPr>
+                          <m:begChr m:val="|"/>
+                          <m:endChr m:val="⟩"/>
+                          <m:ctrlPr>
+                            <a:rPr lang="en-US" altLang="zh-CN" sz="1101" i="1">
+                              <a:latin typeface="Cambria Math" panose="02040503050406030204" pitchFamily="18" charset="0"/>
+                            </a:rPr>
+                          </m:ctrlPr>
+                        </m:dPr>
+                        <m:e>
+                          <m:r>
+                            <a:rPr lang="en-US" altLang="zh-CN" sz="1101" i="1">
+                              <a:latin typeface="Cambria Math" panose="02040503050406030204" pitchFamily="18" charset="0"/>
+                            </a:rPr>
+                            <m:t>𝑇</m:t>
+                          </m:r>
+                        </m:e>
+                      </m:d>
+                      <m:r>
+                        <a:rPr lang="en-US" altLang="zh-CN" sz="1101" i="1">
+                          <a:latin typeface="Cambria Math" panose="02040503050406030204" pitchFamily="18" charset="0"/>
+                        </a:rPr>
+                        <m:t>=(</m:t>
+                      </m:r>
+                      <m:d>
+                        <m:dPr>
+                          <m:begChr m:val="|"/>
+                          <m:endChr m:val="⟩"/>
+                          <m:ctrlPr>
+                            <a:rPr lang="en-US" altLang="zh-CN" sz="1101" i="1">
+                              <a:latin typeface="Cambria Math" panose="02040503050406030204" pitchFamily="18" charset="0"/>
+                            </a:rPr>
+                          </m:ctrlPr>
+                        </m:dPr>
+                        <m:e>
+                          <m:r>
+                            <a:rPr lang="en-US" altLang="zh-CN" sz="1101" i="1">
+                              <a:latin typeface="Cambria Math" panose="02040503050406030204" pitchFamily="18" charset="0"/>
+                            </a:rPr>
+                            <m:t>0</m:t>
+                          </m:r>
+                        </m:e>
+                      </m:d>
+                      <m:r>
+                        <a:rPr lang="en-US" altLang="zh-CN" sz="1101" i="1">
+                          <a:latin typeface="Cambria Math" panose="02040503050406030204" pitchFamily="18" charset="0"/>
+                        </a:rPr>
+                        <m:t>+</m:t>
+                      </m:r>
+                      <m:sSup>
+                        <m:sSupPr>
+                          <m:ctrlPr>
+                            <a:rPr lang="en-US" altLang="zh-CN" sz="1101" i="1">
+                              <a:latin typeface="Cambria Math" panose="02040503050406030204" pitchFamily="18" charset="0"/>
+                            </a:rPr>
+                          </m:ctrlPr>
+                        </m:sSupPr>
+                        <m:e>
+                          <m:r>
+                            <a:rPr lang="en-US" altLang="zh-CN" sz="1101" i="1">
+                              <a:latin typeface="Cambria Math" panose="02040503050406030204" pitchFamily="18" charset="0"/>
+                            </a:rPr>
+                            <m:t>𝑒</m:t>
+                          </m:r>
+                        </m:e>
+                        <m:sup>
+                          <m:r>
+                            <a:rPr lang="en-US" altLang="zh-CN" sz="1101" i="1">
+                              <a:latin typeface="Cambria Math" panose="02040503050406030204" pitchFamily="18" charset="0"/>
+                            </a:rPr>
+                            <m:t>𝑖</m:t>
+                          </m:r>
+                          <m:r>
+                            <a:rPr lang="en-US" altLang="zh-CN" sz="1101" i="1">
+                              <a:latin typeface="Cambria Math" panose="02040503050406030204" pitchFamily="18" charset="0"/>
+                            </a:rPr>
+                            <m:t>𝜋</m:t>
+                          </m:r>
+                          <m:r>
+                            <a:rPr lang="en-US" altLang="zh-CN" sz="1101" i="1">
+                              <a:latin typeface="Cambria Math" panose="02040503050406030204" pitchFamily="18" charset="0"/>
+                            </a:rPr>
+                            <m:t>/4</m:t>
+                          </m:r>
+                        </m:sup>
+                      </m:sSup>
+                      <m:d>
+                        <m:dPr>
+                          <m:begChr m:val="|"/>
+                          <m:endChr m:val="⟩"/>
+                          <m:ctrlPr>
+                            <a:rPr lang="en-US" altLang="zh-CN" sz="1101" i="1">
+                              <a:latin typeface="Cambria Math" panose="02040503050406030204" pitchFamily="18" charset="0"/>
+                            </a:rPr>
+                          </m:ctrlPr>
+                        </m:dPr>
+                        <m:e>
+                          <m:r>
+                            <a:rPr lang="en-US" altLang="zh-CN" sz="1101" i="1">
+                              <a:latin typeface="Cambria Math" panose="02040503050406030204" pitchFamily="18" charset="0"/>
+                            </a:rPr>
+                            <m:t>1</m:t>
+                          </m:r>
+                        </m:e>
+                      </m:d>
+                      <m:r>
+                        <a:rPr lang="en-US" altLang="zh-CN" sz="1101" i="1">
+                          <a:latin typeface="Cambria Math" panose="02040503050406030204" pitchFamily="18" charset="0"/>
+                        </a:rPr>
+                        <m:t>)/</m:t>
+                      </m:r>
+                      <m:rad>
+                        <m:radPr>
+                          <m:degHide m:val="on"/>
+                          <m:ctrlPr>
+                            <a:rPr lang="en-US" altLang="zh-CN" sz="1101" i="1">
+                              <a:latin typeface="Cambria Math" panose="02040503050406030204" pitchFamily="18" charset="0"/>
+                            </a:rPr>
+                          </m:ctrlPr>
+                        </m:radPr>
+                        <m:deg/>
+                        <m:e>
+                          <m:r>
+                            <a:rPr lang="en-US" altLang="zh-CN" sz="1101" i="1">
+                              <a:latin typeface="Cambria Math" panose="02040503050406030204" pitchFamily="18" charset="0"/>
+                            </a:rPr>
+                            <m:t>2</m:t>
+                          </m:r>
+                        </m:e>
+                      </m:rad>
+                    </m:oMath>
+                  </a14:m>
+                  <a:endParaRPr lang="en-CN" sz="1101" b="1" i="1" dirty="0"/>
+                </a:p>
+                <a:p>
+                  <a:pPr marL="171443" indent="-171443">
+                    <a:buFontTx/>
+                    <a:buChar char="-"/>
+                  </a:pPr>
+                  <a:r>
+                    <a:rPr lang="en-US" altLang="zh-CN" sz="1101" dirty="0"/>
+                    <a:t>Linear</a:t>
+                  </a:r>
+                  <a:r>
+                    <a:rPr lang="zh-CN" altLang="en-US" sz="1101" dirty="0"/>
+                    <a:t> </a:t>
+                  </a:r>
+                  <a:r>
+                    <a:rPr lang="en-US" altLang="zh-CN" sz="1101" dirty="0"/>
+                    <a:t>efficiency:</a:t>
+                  </a:r>
+                  <a:r>
+                    <a:rPr lang="zh-CN" altLang="en-US" sz="1101" dirty="0"/>
+                    <a:t> </a:t>
+                  </a:r>
+                  <a14:m>
+                    <m:oMath xmlns:m="http://schemas.openxmlformats.org/officeDocument/2006/math">
+                      <m:sSup>
+                        <m:sSupPr>
+                          <m:ctrlPr>
+                            <a:rPr lang="en-US" altLang="zh-CN" sz="1101" i="1" smtClean="0">
+                              <a:latin typeface="Cambria Math" panose="02040503050406030204" pitchFamily="18" charset="0"/>
+                            </a:rPr>
+                          </m:ctrlPr>
+                        </m:sSupPr>
+                        <m:e>
+                          <m:r>
+                            <a:rPr lang="en-US" altLang="zh-CN" sz="1101" b="0" i="1" smtClean="0">
+                              <a:latin typeface="Cambria Math" panose="02040503050406030204" pitchFamily="18" charset="0"/>
+                            </a:rPr>
+                            <m:t>𝜖</m:t>
+                          </m:r>
+                        </m:e>
+                        <m:sup>
+                          <m:r>
+                            <a:rPr lang="en-US" altLang="zh-CN" sz="1101" b="0" i="1" smtClean="0">
+                              <a:latin typeface="Cambria Math" panose="02040503050406030204" pitchFamily="18" charset="0"/>
+                            </a:rPr>
+                            <m:t>′</m:t>
+                          </m:r>
+                        </m:sup>
+                      </m:sSup>
+                      <m:r>
+                        <a:rPr lang="en-US" altLang="zh-CN" sz="1101" b="0" i="1" smtClean="0">
+                          <a:latin typeface="Cambria Math" panose="02040503050406030204" pitchFamily="18" charset="0"/>
+                        </a:rPr>
+                        <m:t>=</m:t>
+                      </m:r>
+                      <m:f>
+                        <m:fPr>
+                          <m:ctrlPr>
+                            <a:rPr lang="en-US" altLang="zh-CN" sz="1101" i="1" smtClean="0">
+                              <a:latin typeface="Cambria Math" panose="02040503050406030204" pitchFamily="18" charset="0"/>
+                            </a:rPr>
+                          </m:ctrlPr>
+                        </m:fPr>
+                        <m:num>
+                          <m:r>
+                            <a:rPr lang="en-US" altLang="zh-CN" sz="1101" b="0" i="1" smtClean="0">
+                              <a:latin typeface="Cambria Math" panose="02040503050406030204" pitchFamily="18" charset="0"/>
+                            </a:rPr>
+                            <m:t>7</m:t>
+                          </m:r>
+                        </m:num>
+                        <m:den>
+                          <m:r>
+                            <a:rPr lang="en-US" altLang="zh-CN" sz="1101" b="0" i="1" smtClean="0">
+                              <a:latin typeface="Cambria Math" panose="02040503050406030204" pitchFamily="18" charset="0"/>
+                            </a:rPr>
+                            <m:t>9</m:t>
+                          </m:r>
+                        </m:den>
+                      </m:f>
+                      <m:r>
+                        <a:rPr lang="en-US" altLang="zh-CN" sz="1101" b="0" i="1" smtClean="0">
+                          <a:latin typeface="Cambria Math" panose="02040503050406030204" pitchFamily="18" charset="0"/>
+                        </a:rPr>
+                        <m:t>𝜖</m:t>
+                      </m:r>
+                    </m:oMath>
+                  </a14:m>
+                  <a:endParaRPr lang="en-CN" sz="1101" i="1" dirty="0"/>
+                </a:p>
+                <a:p>
+                  <a:pPr marL="171443" indent="-171443">
+                    <a:buFontTx/>
+                    <a:buChar char="-"/>
+                  </a:pPr>
+                  <a:r>
+                    <a:rPr lang="en-US" altLang="zh-CN" sz="1101" dirty="0"/>
+                    <a:t>Tight</a:t>
+                  </a:r>
+                  <a:r>
+                    <a:rPr lang="zh-CN" altLang="en-US" sz="1101" dirty="0"/>
+                    <a:t> </a:t>
+                  </a:r>
+                  <a:r>
+                    <a:rPr lang="en-US" altLang="zh-CN" sz="1101" dirty="0"/>
+                    <a:t>threshold:</a:t>
+                  </a:r>
+                  <a:r>
+                    <a:rPr lang="zh-CN" altLang="en-US" sz="1101" dirty="0"/>
+                    <a:t> </a:t>
+                  </a:r>
+                  <a:r>
+                    <a:rPr lang="en-US" altLang="zh-CN" sz="1101" dirty="0"/>
+                    <a:t>14.148%</a:t>
+                  </a:r>
+                  <a:endParaRPr lang="en-CN" sz="1101" dirty="0"/>
+                </a:p>
+              </p:txBody>
+            </p:sp>
+          </mc:Choice>
+          <mc:Fallback>
+            <p:sp>
+              <p:nvSpPr>
+                <p:cNvPr id="13" name="TextBox 12">
+                  <a:extLst>
+                    <a:ext uri="{FF2B5EF4-FFF2-40B4-BE49-F238E27FC236}">
+                      <a16:creationId xmlns:a16="http://schemas.microsoft.com/office/drawing/2014/main" id="{AA43A39F-3356-4DA2-07AE-F1F87EEF81BA}"/>
+                    </a:ext>
+                  </a:extLst>
+                </p:cNvPr>
+                <p:cNvSpPr txBox="1">
+                  <a:spLocks noRot="1" noChangeAspect="1" noMove="1" noResize="1" noEditPoints="1" noAdjustHandles="1" noChangeArrowheads="1" noChangeShapeType="1" noTextEdit="1"/>
+                </p:cNvSpPr>
+                <p:nvPr/>
+              </p:nvSpPr>
+              <p:spPr>
+                <a:xfrm>
+                  <a:off x="-1437" y="5240701"/>
+                  <a:ext cx="4945456" cy="1025730"/>
+                </a:xfrm>
+                <a:prstGeom prst="rect">
+                  <a:avLst/>
+                </a:prstGeom>
+                <a:blipFill>
+                  <a:blip r:embed="rId5"/>
+                  <a:stretch>
+                    <a:fillRect b="-2439"/>
+                  </a:stretch>
+                </a:blipFill>
+              </p:spPr>
+              <p:txBody>
+                <a:bodyPr/>
+                <a:lstStyle/>
+                <a:p>
+                  <a:r>
+                    <a:rPr lang="en-CN">
+                      <a:noFill/>
+                    </a:rPr>
+                    <a:t> </a:t>
+                  </a:r>
+                </a:p>
+              </p:txBody>
+            </p:sp>
+          </mc:Fallback>
+        </mc:AlternateContent>
+      </p:grpSp>
+      <p:pic>
+        <p:nvPicPr>
+          <p:cNvPr id="68" name="Picture 67" descr="A close-up of a blue circuit board&#10;&#10;Description automatically generated">
+            <a:extLst>
+              <a:ext uri="{FF2B5EF4-FFF2-40B4-BE49-F238E27FC236}">
+                <a16:creationId xmlns:a16="http://schemas.microsoft.com/office/drawing/2014/main" id="{E821501B-AF9A-4293-FCC7-9BEC8BE4945C}"/>
+              </a:ext>
+            </a:extLst>
+          </p:cNvPr>
+          <p:cNvPicPr>
+            <a:picLocks noChangeAspect="1"/>
+          </p:cNvPicPr>
+          <p:nvPr/>
+        </p:nvPicPr>
+        <p:blipFill rotWithShape="1">
+          <a:blip r:embed="rId6"/>
+          <a:srcRect l="44688" t="13310"/>
+          <a:stretch/>
+        </p:blipFill>
+        <p:spPr>
+          <a:xfrm>
+            <a:off x="4290059" y="1944687"/>
+            <a:ext cx="2567941" cy="1335965"/>
+          </a:xfrm>
+          <a:prstGeom prst="rect">
+            <a:avLst/>
+          </a:prstGeom>
+        </p:spPr>
+      </p:pic>
+      <p:grpSp>
+        <p:nvGrpSpPr>
+          <p:cNvPr id="69" name="Group 68">
+            <a:extLst>
+              <a:ext uri="{FF2B5EF4-FFF2-40B4-BE49-F238E27FC236}">
+                <a16:creationId xmlns:a16="http://schemas.microsoft.com/office/drawing/2014/main" id="{945054F5-C82C-2697-FAA5-EBAC06D87656}"/>
+              </a:ext>
+            </a:extLst>
+          </p:cNvPr>
+          <p:cNvGrpSpPr/>
+          <p:nvPr/>
+        </p:nvGrpSpPr>
+        <p:grpSpPr>
+          <a:xfrm>
+            <a:off x="-1437" y="2489018"/>
+            <a:ext cx="3871073" cy="1344146"/>
+            <a:chOff x="0" y="464533"/>
+            <a:chExt cx="4318156" cy="1344146"/>
+          </a:xfrm>
+        </p:grpSpPr>
+        <p:sp>
+          <p:nvSpPr>
+            <p:cNvPr id="70" name="TextBox 69">
+              <a:extLst>
+                <a:ext uri="{FF2B5EF4-FFF2-40B4-BE49-F238E27FC236}">
+                  <a16:creationId xmlns:a16="http://schemas.microsoft.com/office/drawing/2014/main" id="{06D71E49-C9E5-8066-426F-A6B692B3EDB4}"/>
+                </a:ext>
+              </a:extLst>
+            </p:cNvPr>
+            <p:cNvSpPr txBox="1"/>
+            <p:nvPr/>
+          </p:nvSpPr>
+          <p:spPr>
+            <a:xfrm>
+              <a:off x="0" y="464533"/>
+              <a:ext cx="1359668" cy="284245"/>
+            </a:xfrm>
+            <a:prstGeom prst="rect">
+              <a:avLst/>
+            </a:prstGeom>
+            <a:noFill/>
+          </p:spPr>
+          <p:txBody>
+            <a:bodyPr wrap="none" rtlCol="0">
+              <a:spAutoFit/>
+            </a:bodyPr>
+            <a:lstStyle/>
+            <a:p>
+              <a:r>
+                <a:rPr lang="en-US" altLang="zh-CN" sz="1247" b="1" i="1" dirty="0"/>
+                <a:t>Benchmark</a:t>
+              </a:r>
+              <a:r>
+                <a:rPr lang="zh-CN" altLang="en-US" sz="1247" b="1" i="1" dirty="0"/>
+                <a:t> </a:t>
+              </a:r>
+              <a:r>
+                <a:rPr lang="en-US" altLang="zh-CN" sz="1247" b="1" i="1" dirty="0"/>
+                <a:t>MSD</a:t>
+              </a:r>
+              <a:r>
+                <a:rPr lang="zh-CN" altLang="en-US" sz="1247" b="1" i="1" dirty="0"/>
+                <a:t>  </a:t>
+              </a:r>
+              <a:endParaRPr lang="en-CN" sz="1247" b="1" i="1" dirty="0"/>
+            </a:p>
+          </p:txBody>
+        </p:sp>
+        <mc:AlternateContent xmlns:mc="http://schemas.openxmlformats.org/markup-compatibility/2006">
+          <mc:Choice xmlns:a14="http://schemas.microsoft.com/office/drawing/2010/main" Requires="a14">
+            <p:sp>
+              <p:nvSpPr>
+                <p:cNvPr id="71" name="TextBox 70">
+                  <a:extLst>
+                    <a:ext uri="{FF2B5EF4-FFF2-40B4-BE49-F238E27FC236}">
+                      <a16:creationId xmlns:a16="http://schemas.microsoft.com/office/drawing/2014/main" id="{832ED899-F556-7360-D495-49EA78827FF8}"/>
+                    </a:ext>
+                  </a:extLst>
+                </p:cNvPr>
+                <p:cNvSpPr txBox="1"/>
+                <p:nvPr/>
+              </p:nvSpPr>
+              <p:spPr>
+                <a:xfrm>
+                  <a:off x="1" y="699914"/>
+                  <a:ext cx="4318155" cy="1108765"/>
+                </a:xfrm>
+                <a:prstGeom prst="rect">
+                  <a:avLst/>
+                </a:prstGeom>
+                <a:noFill/>
+              </p:spPr>
+              <p:txBody>
+                <a:bodyPr wrap="square" rtlCol="0">
+                  <a:spAutoFit/>
+                </a:bodyPr>
+                <a:lstStyle/>
+                <a:p>
+                  <a:pPr marL="171443" indent="-171443">
+                    <a:buFontTx/>
+                    <a:buChar char="-"/>
+                  </a:pPr>
+                  <a:r>
+                    <a:rPr lang="en-US" altLang="zh-CN" sz="1101" b="1" i="1" dirty="0">
+                      <a:solidFill>
+                        <a:schemeClr val="accent1"/>
+                      </a:solidFill>
+                    </a:rPr>
+                    <a:t>Target</a:t>
+                  </a:r>
+                  <a:r>
+                    <a:rPr lang="zh-CN" altLang="en-US" sz="1101" b="1" i="1" dirty="0">
+                      <a:solidFill>
+                        <a:schemeClr val="accent1"/>
+                      </a:solidFill>
+                    </a:rPr>
+                    <a:t> </a:t>
+                  </a:r>
+                  <a:r>
+                    <a:rPr lang="en-US" altLang="zh-CN" sz="1101" b="1" i="1" dirty="0">
+                      <a:solidFill>
+                        <a:schemeClr val="accent1"/>
+                      </a:solidFill>
+                    </a:rPr>
+                    <a:t>state:</a:t>
+                  </a:r>
+                  <a:r>
+                    <a:rPr lang="zh-CN" altLang="en-US" sz="1101" b="1" i="1" dirty="0">
+                      <a:solidFill>
+                        <a:schemeClr val="accent1"/>
+                      </a:solidFill>
+                    </a:rPr>
+                    <a:t> </a:t>
+                  </a:r>
+                  <a:r>
+                    <a:rPr lang="en-US" altLang="zh-CN" sz="1101" dirty="0">
+                      <a:solidFill>
+                        <a:schemeClr val="tx1"/>
+                      </a:solidFill>
+                    </a:rPr>
+                    <a:t>which</a:t>
+                  </a:r>
+                  <a:r>
+                    <a:rPr lang="zh-CN" altLang="en-US" sz="1101" dirty="0">
+                      <a:solidFill>
+                        <a:schemeClr val="tx1"/>
+                      </a:solidFill>
+                    </a:rPr>
+                    <a:t> </a:t>
+                  </a:r>
+                  <a:r>
+                    <a:rPr lang="en-US" altLang="zh-CN" sz="1101" dirty="0">
+                      <a:solidFill>
+                        <a:schemeClr val="tx1"/>
+                      </a:solidFill>
+                    </a:rPr>
+                    <a:t>state</a:t>
+                  </a:r>
+                  <a:r>
+                    <a:rPr lang="zh-CN" altLang="en-US" sz="1101" dirty="0">
+                      <a:solidFill>
+                        <a:schemeClr val="tx1"/>
+                      </a:solidFill>
+                    </a:rPr>
+                    <a:t> </a:t>
+                  </a:r>
+                  <a:r>
+                    <a:rPr lang="en-US" altLang="zh-CN" sz="1101" dirty="0">
+                      <a:solidFill>
+                        <a:schemeClr val="tx1"/>
+                      </a:solidFill>
+                    </a:rPr>
+                    <a:t>are</a:t>
+                  </a:r>
+                  <a:r>
+                    <a:rPr lang="zh-CN" altLang="en-US" sz="1101" dirty="0">
+                      <a:solidFill>
+                        <a:schemeClr val="tx1"/>
+                      </a:solidFill>
+                    </a:rPr>
+                    <a:t> </a:t>
+                  </a:r>
+                  <a:r>
+                    <a:rPr lang="en-US" altLang="zh-CN" sz="1101" dirty="0">
+                      <a:solidFill>
+                        <a:schemeClr val="tx1"/>
+                      </a:solidFill>
+                    </a:rPr>
+                    <a:t>we</a:t>
+                  </a:r>
+                  <a:r>
+                    <a:rPr lang="zh-CN" altLang="en-US" sz="1101" dirty="0">
+                      <a:solidFill>
+                        <a:schemeClr val="tx1"/>
+                      </a:solidFill>
+                    </a:rPr>
+                    <a:t> </a:t>
+                  </a:r>
+                  <a:r>
+                    <a:rPr lang="en-US" altLang="zh-CN" sz="1101" dirty="0">
+                      <a:solidFill>
+                        <a:schemeClr val="tx1"/>
+                      </a:solidFill>
+                    </a:rPr>
+                    <a:t>distilling?</a:t>
+                  </a:r>
+                  <a:r>
+                    <a:rPr lang="zh-CN" altLang="en-US" sz="1101" dirty="0">
+                      <a:solidFill>
+                        <a:schemeClr val="tx1"/>
+                      </a:solidFill>
+                    </a:rPr>
+                    <a:t> </a:t>
+                  </a:r>
+                  <a14:m>
+                    <m:oMath xmlns:m="http://schemas.openxmlformats.org/officeDocument/2006/math">
+                      <m:d>
+                        <m:dPr>
+                          <m:begChr m:val="|"/>
+                          <m:endChr m:val="⟩"/>
+                          <m:ctrlPr>
+                            <a:rPr lang="en-US" altLang="zh-CN" sz="1101" smtClean="0">
+                              <a:solidFill>
+                                <a:schemeClr val="tx1"/>
+                              </a:solidFill>
+                              <a:latin typeface="Cambria Math" panose="02040503050406030204" pitchFamily="18" charset="0"/>
+                            </a:rPr>
+                          </m:ctrlPr>
+                        </m:dPr>
+                        <m:e>
+                          <m:r>
+                            <m:rPr>
+                              <m:sty m:val="p"/>
+                            </m:rPr>
+                            <a:rPr lang="en-US" altLang="zh-CN" sz="1101" b="0" i="0" smtClean="0">
+                              <a:solidFill>
+                                <a:schemeClr val="tx1"/>
+                              </a:solidFill>
+                              <a:latin typeface="Cambria Math" panose="02040503050406030204" pitchFamily="18" charset="0"/>
+                            </a:rPr>
+                            <m:t>T</m:t>
+                          </m:r>
+                        </m:e>
+                      </m:d>
+                    </m:oMath>
+                  </a14:m>
+                  <a:r>
+                    <a:rPr lang="zh-CN" altLang="en-US" sz="1101" dirty="0">
+                      <a:solidFill>
+                        <a:schemeClr val="tx1"/>
+                      </a:solidFill>
+                    </a:rPr>
+                    <a:t> </a:t>
+                  </a:r>
+                  <a:r>
+                    <a:rPr lang="en-US" altLang="zh-CN" sz="1101" dirty="0">
+                      <a:solidFill>
+                        <a:schemeClr val="tx1"/>
+                      </a:solidFill>
+                    </a:rPr>
+                    <a:t>for</a:t>
+                  </a:r>
+                  <a:r>
+                    <a:rPr lang="zh-CN" altLang="en-US" sz="1101" dirty="0">
+                      <a:solidFill>
+                        <a:schemeClr val="tx1"/>
+                      </a:solidFill>
+                    </a:rPr>
+                    <a:t> </a:t>
+                  </a:r>
+                  <a:r>
+                    <a:rPr lang="en-US" altLang="zh-CN" sz="1101" dirty="0">
+                      <a:solidFill>
+                        <a:schemeClr val="tx1"/>
+                      </a:solidFill>
+                    </a:rPr>
+                    <a:t>T</a:t>
+                  </a:r>
+                  <a:r>
+                    <a:rPr lang="zh-CN" altLang="en-US" sz="1101" dirty="0">
+                      <a:solidFill>
+                        <a:schemeClr val="tx1"/>
+                      </a:solidFill>
+                    </a:rPr>
+                    <a:t> </a:t>
+                  </a:r>
+                  <a:r>
+                    <a:rPr lang="en-US" altLang="zh-CN" sz="1101" dirty="0">
+                      <a:solidFill>
+                        <a:schemeClr val="tx1"/>
+                      </a:solidFill>
+                    </a:rPr>
+                    <a:t>gates?</a:t>
+                  </a:r>
+                  <a:r>
+                    <a:rPr lang="zh-CN" altLang="en-US" sz="1101" dirty="0">
+                      <a:solidFill>
+                        <a:schemeClr val="tx1"/>
+                      </a:solidFill>
+                    </a:rPr>
+                    <a:t> </a:t>
+                  </a:r>
+                  <a:r>
+                    <a:rPr lang="en-US" altLang="zh-CN" sz="1101" dirty="0">
+                      <a:solidFill>
+                        <a:schemeClr val="tx1"/>
+                      </a:solidFill>
+                    </a:rPr>
+                    <a:t>Or</a:t>
+                  </a:r>
+                  <a:r>
+                    <a:rPr lang="zh-CN" altLang="en-US" sz="1101" dirty="0">
+                      <a:solidFill>
+                        <a:schemeClr val="tx1"/>
+                      </a:solidFill>
+                    </a:rPr>
+                    <a:t> </a:t>
+                  </a:r>
+                  <a:r>
+                    <a:rPr lang="en-US" altLang="zh-CN" sz="1101" dirty="0">
+                      <a:solidFill>
+                        <a:schemeClr val="tx1"/>
+                      </a:solidFill>
+                    </a:rPr>
+                    <a:t>something</a:t>
+                  </a:r>
+                  <a:r>
+                    <a:rPr lang="zh-CN" altLang="en-US" sz="1101" dirty="0">
+                      <a:solidFill>
+                        <a:schemeClr val="tx1"/>
+                      </a:solidFill>
+                    </a:rPr>
+                    <a:t> </a:t>
+                  </a:r>
+                  <a:r>
+                    <a:rPr lang="en-US" altLang="zh-CN" sz="1101" dirty="0">
+                      <a:solidFill>
+                        <a:schemeClr val="tx1"/>
+                      </a:solidFill>
+                    </a:rPr>
+                    <a:t>else?</a:t>
+                  </a:r>
+                </a:p>
+                <a:p>
+                  <a:pPr marL="171443" indent="-171443">
+                    <a:buFontTx/>
+                    <a:buChar char="-"/>
+                  </a:pPr>
+                  <a:r>
+                    <a:rPr lang="en-US" altLang="zh-CN" sz="1101" b="1" i="1" dirty="0">
+                      <a:solidFill>
+                        <a:schemeClr val="accent1"/>
+                      </a:solidFill>
+                    </a:rPr>
+                    <a:t>Distillation</a:t>
+                  </a:r>
+                  <a:r>
+                    <a:rPr lang="zh-CN" altLang="en-US" sz="1101" b="1" i="1" dirty="0">
+                      <a:solidFill>
+                        <a:schemeClr val="accent1"/>
+                      </a:solidFill>
+                    </a:rPr>
+                    <a:t> </a:t>
+                  </a:r>
+                  <a:r>
+                    <a:rPr lang="en-US" altLang="zh-CN" sz="1101" b="1" i="1" dirty="0">
+                      <a:solidFill>
+                        <a:schemeClr val="accent1"/>
+                      </a:solidFill>
+                    </a:rPr>
+                    <a:t>efficiency:</a:t>
+                  </a:r>
+                  <a:r>
+                    <a:rPr lang="zh-CN" altLang="en-US" sz="1101" b="1" i="1" dirty="0">
+                      <a:solidFill>
+                        <a:schemeClr val="accent1"/>
+                      </a:solidFill>
+                    </a:rPr>
+                    <a:t> </a:t>
+                  </a:r>
+                  <a:r>
+                    <a:rPr lang="en-US" altLang="zh-CN" sz="1101" dirty="0"/>
+                    <a:t>How</a:t>
+                  </a:r>
+                  <a:r>
+                    <a:rPr lang="zh-CN" altLang="en-US" sz="1101" dirty="0"/>
+                    <a:t> </a:t>
+                  </a:r>
+                  <a:r>
+                    <a:rPr lang="en-US" altLang="zh-CN" sz="1101" dirty="0"/>
+                    <a:t>fast</a:t>
+                  </a:r>
+                  <a:r>
+                    <a:rPr lang="zh-CN" altLang="en-US" sz="1101" dirty="0"/>
+                    <a:t> </a:t>
+                  </a:r>
+                  <a:r>
+                    <a:rPr lang="en-US" altLang="zh-CN" sz="1101" dirty="0"/>
+                    <a:t>can</a:t>
+                  </a:r>
+                  <a:r>
+                    <a:rPr lang="zh-CN" altLang="en-US" sz="1101" dirty="0"/>
+                    <a:t> </a:t>
+                  </a:r>
+                  <a:r>
+                    <a:rPr lang="en-US" altLang="zh-CN" sz="1101" dirty="0"/>
+                    <a:t>we</a:t>
+                  </a:r>
+                  <a:r>
+                    <a:rPr lang="zh-CN" altLang="en-US" sz="1101" dirty="0"/>
+                    <a:t> </a:t>
+                  </a:r>
+                  <a:r>
+                    <a:rPr lang="en-US" altLang="zh-CN" sz="1101" dirty="0"/>
+                    <a:t>improve</a:t>
+                  </a:r>
+                  <a:r>
+                    <a:rPr lang="zh-CN" altLang="en-US" sz="1101" dirty="0"/>
+                    <a:t> </a:t>
+                  </a:r>
+                  <a:r>
+                    <a:rPr lang="en-US" altLang="zh-CN" sz="1101" dirty="0"/>
+                    <a:t>the</a:t>
+                  </a:r>
+                  <a:r>
+                    <a:rPr lang="zh-CN" altLang="en-US" sz="1101" dirty="0"/>
+                    <a:t> </a:t>
+                  </a:r>
+                  <a:r>
+                    <a:rPr lang="en-US" altLang="zh-CN" sz="1101" dirty="0"/>
+                    <a:t>fidelity</a:t>
+                  </a:r>
+                  <a:r>
+                    <a:rPr lang="zh-CN" altLang="en-US" sz="1101" dirty="0"/>
+                    <a:t> </a:t>
+                  </a:r>
+                  <a:r>
+                    <a:rPr lang="en-US" altLang="zh-CN" sz="1101" dirty="0"/>
+                    <a:t>asymptotically?</a:t>
+                  </a:r>
+                  <a:r>
+                    <a:rPr lang="zh-CN" altLang="en-US" sz="1101" dirty="0"/>
+                    <a:t> </a:t>
+                  </a:r>
+                  <a:r>
+                    <a:rPr lang="en-US" altLang="zh-CN" sz="1101" b="1" dirty="0"/>
+                    <a:t>Order</a:t>
+                  </a:r>
+                  <a:r>
+                    <a:rPr lang="zh-CN" altLang="en-US" sz="1101" b="1" dirty="0"/>
+                    <a:t> </a:t>
+                  </a:r>
+                  <a:r>
+                    <a:rPr lang="en-US" altLang="zh-CN" sz="1101" b="1" dirty="0"/>
+                    <a:t>of</a:t>
+                  </a:r>
+                  <a:r>
+                    <a:rPr lang="zh-CN" altLang="en-US" sz="1101" b="1" dirty="0"/>
+                    <a:t> </a:t>
+                  </a:r>
+                  <a:r>
+                    <a:rPr lang="en-US" altLang="zh-CN" sz="1101" b="1" dirty="0"/>
+                    <a:t>error</a:t>
+                  </a:r>
+                  <a:r>
+                    <a:rPr lang="zh-CN" altLang="en-US" sz="1101" b="1" dirty="0"/>
+                    <a:t> </a:t>
+                  </a:r>
+                  <a:r>
+                    <a:rPr lang="en-US" altLang="zh-CN" sz="1101" b="1" dirty="0"/>
+                    <a:t>suppression</a:t>
+                  </a:r>
+                  <a:r>
+                    <a:rPr lang="zh-CN" altLang="en-US" sz="1101" b="1" dirty="0"/>
+                    <a:t> </a:t>
+                  </a:r>
+                  <a:r>
+                    <a:rPr lang="en-US" altLang="zh-CN" sz="1101" dirty="0"/>
+                    <a:t>and</a:t>
+                  </a:r>
+                  <a:r>
+                    <a:rPr lang="zh-CN" altLang="en-US" sz="1101" dirty="0"/>
+                    <a:t> </a:t>
+                  </a:r>
+                  <a:r>
+                    <a:rPr lang="en-US" altLang="zh-CN" sz="1101" b="1" dirty="0" err="1"/>
+                    <a:t>prefactor</a:t>
+                  </a:r>
+                  <a:r>
+                    <a:rPr lang="en-US" altLang="zh-CN" sz="1101" dirty="0"/>
+                    <a:t>.</a:t>
+                  </a:r>
+                </a:p>
+                <a:p>
+                  <a:pPr marL="171443" indent="-171443">
+                    <a:buFontTx/>
+                    <a:buChar char="-"/>
+                  </a:pPr>
+                  <a:r>
+                    <a:rPr lang="en-US" altLang="zh-CN" sz="1101" b="1" i="1" dirty="0">
+                      <a:solidFill>
+                        <a:schemeClr val="accent1"/>
+                      </a:solidFill>
+                    </a:rPr>
+                    <a:t>Distillation</a:t>
+                  </a:r>
+                  <a:r>
+                    <a:rPr lang="zh-CN" altLang="en-US" sz="1101" b="1" i="1" dirty="0">
+                      <a:solidFill>
+                        <a:schemeClr val="accent1"/>
+                      </a:solidFill>
+                    </a:rPr>
+                    <a:t> </a:t>
+                  </a:r>
+                  <a:r>
+                    <a:rPr lang="en-US" altLang="zh-CN" sz="1101" b="1" i="1" dirty="0">
+                      <a:solidFill>
+                        <a:schemeClr val="accent1"/>
+                      </a:solidFill>
+                    </a:rPr>
+                    <a:t>threshold:</a:t>
+                  </a:r>
+                  <a:r>
+                    <a:rPr lang="zh-CN" altLang="en-US" sz="1101" b="1" i="1" dirty="0">
+                      <a:solidFill>
+                        <a:schemeClr val="accent1"/>
+                      </a:solidFill>
+                    </a:rPr>
+                    <a:t> </a:t>
+                  </a:r>
+                  <a:r>
+                    <a:rPr lang="en-US" altLang="zh-CN" sz="1101" dirty="0"/>
+                    <a:t>How</a:t>
+                  </a:r>
+                  <a:r>
+                    <a:rPr lang="zh-CN" altLang="en-US" sz="1101" dirty="0"/>
+                    <a:t> </a:t>
+                  </a:r>
+                  <a:r>
+                    <a:rPr lang="en-US" altLang="zh-CN" sz="1101" dirty="0"/>
+                    <a:t>good</a:t>
+                  </a:r>
+                  <a:r>
+                    <a:rPr lang="zh-CN" altLang="en-US" sz="1101" dirty="0"/>
+                    <a:t> </a:t>
+                  </a:r>
+                  <a:r>
+                    <a:rPr lang="en-US" altLang="zh-CN" sz="1101" dirty="0"/>
+                    <a:t>the</a:t>
+                  </a:r>
+                  <a:r>
+                    <a:rPr lang="zh-CN" altLang="en-US" sz="1101" dirty="0"/>
+                    <a:t> </a:t>
+                  </a:r>
+                  <a:r>
+                    <a:rPr lang="en-US" altLang="zh-CN" sz="1101" dirty="0"/>
+                    <a:t>input</a:t>
+                  </a:r>
+                  <a:r>
+                    <a:rPr lang="zh-CN" altLang="en-US" sz="1101" dirty="0"/>
+                    <a:t> </a:t>
+                  </a:r>
+                  <a:r>
+                    <a:rPr lang="en-US" altLang="zh-CN" sz="1101" dirty="0"/>
+                    <a:t>states</a:t>
+                  </a:r>
+                  <a:r>
+                    <a:rPr lang="zh-CN" altLang="en-US" sz="1101" dirty="0"/>
+                    <a:t> </a:t>
+                  </a:r>
+                  <a:r>
+                    <a:rPr lang="en-US" altLang="zh-CN" sz="1101" dirty="0"/>
+                    <a:t>should</a:t>
+                  </a:r>
+                  <a:r>
+                    <a:rPr lang="zh-CN" altLang="en-US" sz="1101" dirty="0"/>
+                    <a:t> </a:t>
+                  </a:r>
+                  <a:r>
+                    <a:rPr lang="en-US" altLang="zh-CN" sz="1101" dirty="0"/>
+                    <a:t>be,</a:t>
+                  </a:r>
+                  <a:r>
+                    <a:rPr lang="zh-CN" altLang="en-US" sz="1101" dirty="0"/>
+                    <a:t> </a:t>
+                  </a:r>
+                  <a:r>
+                    <a:rPr lang="en-US" altLang="zh-CN" sz="1101" dirty="0"/>
+                    <a:t>in</a:t>
+                  </a:r>
+                  <a:r>
+                    <a:rPr lang="zh-CN" altLang="en-US" sz="1101" dirty="0"/>
+                    <a:t> </a:t>
+                  </a:r>
+                  <a:r>
+                    <a:rPr lang="en-US" altLang="zh-CN" sz="1101" dirty="0"/>
+                    <a:t>order</a:t>
+                  </a:r>
+                  <a:r>
+                    <a:rPr lang="zh-CN" altLang="en-US" sz="1101" dirty="0"/>
+                    <a:t> </a:t>
+                  </a:r>
+                  <a:r>
+                    <a:rPr lang="en-US" altLang="zh-CN" sz="1101" dirty="0"/>
+                    <a:t>for</a:t>
+                  </a:r>
+                  <a:r>
+                    <a:rPr lang="zh-CN" altLang="en-US" sz="1101" dirty="0"/>
+                    <a:t> </a:t>
+                  </a:r>
+                  <a:r>
+                    <a:rPr lang="en-US" altLang="zh-CN" sz="1101" dirty="0"/>
+                    <a:t>better</a:t>
+                  </a:r>
+                  <a:r>
+                    <a:rPr lang="zh-CN" altLang="en-US" sz="1101" dirty="0"/>
+                    <a:t> </a:t>
+                  </a:r>
+                  <a:r>
+                    <a:rPr lang="en-US" altLang="zh-CN" sz="1101" dirty="0"/>
+                    <a:t>output</a:t>
+                  </a:r>
+                  <a:r>
+                    <a:rPr lang="en-US" altLang="zh-CN" sz="1101" b="1" i="1" dirty="0">
+                      <a:solidFill>
+                        <a:schemeClr val="accent1"/>
+                      </a:solidFill>
+                    </a:rPr>
+                    <a:t>.</a:t>
+                  </a:r>
+                  <a:endParaRPr lang="en-US" altLang="zh-CN" sz="1101" b="1" i="1" dirty="0"/>
+                </a:p>
+              </p:txBody>
+            </p:sp>
+          </mc:Choice>
+          <mc:Fallback>
+            <p:sp>
+              <p:nvSpPr>
+                <p:cNvPr id="71" name="TextBox 70">
+                  <a:extLst>
+                    <a:ext uri="{FF2B5EF4-FFF2-40B4-BE49-F238E27FC236}">
+                      <a16:creationId xmlns:a16="http://schemas.microsoft.com/office/drawing/2014/main" id="{832ED899-F556-7360-D495-49EA78827FF8}"/>
+                    </a:ext>
+                  </a:extLst>
+                </p:cNvPr>
+                <p:cNvSpPr txBox="1">
+                  <a:spLocks noRot="1" noChangeAspect="1" noMove="1" noResize="1" noEditPoints="1" noAdjustHandles="1" noChangeArrowheads="1" noChangeShapeType="1" noTextEdit="1"/>
+                </p:cNvSpPr>
+                <p:nvPr/>
+              </p:nvSpPr>
+              <p:spPr>
+                <a:xfrm>
+                  <a:off x="1" y="699914"/>
+                  <a:ext cx="4318155" cy="1108765"/>
+                </a:xfrm>
+                <a:prstGeom prst="rect">
+                  <a:avLst/>
+                </a:prstGeom>
+                <a:blipFill>
+                  <a:blip r:embed="rId7"/>
+                  <a:stretch>
+                    <a:fillRect b="-2273"/>
+                  </a:stretch>
+                </a:blipFill>
+              </p:spPr>
+              <p:txBody>
+                <a:bodyPr/>
+                <a:lstStyle/>
+                <a:p>
+                  <a:r>
+                    <a:rPr lang="en-CN">
+                      <a:noFill/>
+                    </a:rPr>
+                    <a:t> </a:t>
+                  </a:r>
+                </a:p>
+              </p:txBody>
+            </p:sp>
+          </mc:Fallback>
+        </mc:AlternateContent>
+      </p:grpSp>
       <p:sp>
         <p:nvSpPr>
-          <p:cNvPr id="6" name="TextBox 5">
+          <p:cNvPr id="73" name="TextBox 72">
             <a:extLst>
               <a:ext uri="{FF2B5EF4-FFF2-40B4-BE49-F238E27FC236}">
-                <a16:creationId xmlns:a16="http://schemas.microsoft.com/office/drawing/2014/main" id="{6D5005CD-067B-D0CE-A152-84B5FD7B08CF}"/>
+                <a16:creationId xmlns:a16="http://schemas.microsoft.com/office/drawing/2014/main" id="{900C60BC-F368-9B56-0909-523B9A64B3DE}"/>
               </a:ext>
             </a:extLst>
           </p:cNvPr>
@@ -3469,8 +6422,107 @@
         </p:nvSpPr>
         <p:spPr>
           <a:xfrm>
-            <a:off x="68366" y="855018"/>
-            <a:ext cx="4711033" cy="523220"/>
+            <a:off x="5707702" y="-7951"/>
+            <a:ext cx="1212929" cy="261610"/>
+          </a:xfrm>
+          <a:prstGeom prst="rect">
+            <a:avLst/>
+          </a:prstGeom>
+          <a:noFill/>
+        </p:spPr>
+        <p:txBody>
+          <a:bodyPr wrap="square">
+            <a:spAutoFit/>
+          </a:bodyPr>
+          <a:lstStyle/>
+          <a:p>
+            <a:r>
+              <a:rPr lang="en-US" altLang="zh-CN" sz="1100" b="1" i="1" dirty="0"/>
+              <a:t>APHY</a:t>
+            </a:r>
+            <a:r>
+              <a:rPr lang="zh-CN" altLang="en-US" sz="1100" b="1" i="1" dirty="0"/>
+              <a:t> </a:t>
+            </a:r>
+            <a:r>
+              <a:rPr lang="en-US" altLang="zh-CN" sz="1100" b="1" i="1" dirty="0"/>
+              <a:t>526</a:t>
+            </a:r>
+            <a:r>
+              <a:rPr lang="zh-CN" altLang="en-US" sz="1100" b="1" i="1" dirty="0"/>
+              <a:t> </a:t>
+            </a:r>
+            <a:r>
+              <a:rPr lang="en-US" altLang="zh-CN" sz="1100" b="1" i="1" dirty="0"/>
+              <a:t>Project</a:t>
+            </a:r>
+            <a:endParaRPr lang="en-CN" sz="1100" dirty="0"/>
+          </a:p>
+        </p:txBody>
+      </p:sp>
+      <p:pic>
+        <p:nvPicPr>
+          <p:cNvPr id="1026" name="Picture 2" descr="Efficient Simulation of Clifford Circuits | PennyLane Demos">
+            <a:extLst>
+              <a:ext uri="{FF2B5EF4-FFF2-40B4-BE49-F238E27FC236}">
+                <a16:creationId xmlns:a16="http://schemas.microsoft.com/office/drawing/2014/main" id="{DFB810C8-570B-8C0E-D516-3ADEFB55C7C7}"/>
+              </a:ext>
+            </a:extLst>
+          </p:cNvPr>
+          <p:cNvPicPr>
+            <a:picLocks noChangeAspect="1" noChangeArrowheads="1"/>
+          </p:cNvPicPr>
+          <p:nvPr/>
+        </p:nvPicPr>
+        <p:blipFill>
+          <a:blip r:embed="rId8">
+            <a:extLst>
+              <a:ext uri="{28A0092B-C50C-407E-A947-70E740481C1C}">
+                <a14:useLocalDpi xmlns:a14="http://schemas.microsoft.com/office/drawing/2010/main" val="0"/>
+              </a:ext>
+            </a:extLst>
+          </a:blip>
+          <a:srcRect/>
+          <a:stretch>
+            <a:fillRect/>
+          </a:stretch>
+        </p:blipFill>
+        <p:spPr bwMode="auto">
+          <a:xfrm>
+            <a:off x="4987914" y="428605"/>
+            <a:ext cx="1473792" cy="1335965"/>
+          </a:xfrm>
+          <a:prstGeom prst="rect">
+            <a:avLst/>
+          </a:prstGeom>
+          <a:noFill/>
+          <a:extLst>
+            <a:ext uri="{909E8E84-426E-40DD-AFC4-6F175D3DCCD1}">
+              <a14:hiddenFill xmlns:a14="http://schemas.microsoft.com/office/drawing/2010/main">
+                <a:solidFill>
+                  <a:srgbClr val="FFFFFF"/>
+                </a:solidFill>
+              </a14:hiddenFill>
+            </a:ext>
+          </a:extLst>
+        </p:spPr>
+      </p:pic>
+      <p:sp>
+        <p:nvSpPr>
+          <p:cNvPr id="74" name="TextBox 73">
+            <a:extLst>
+              <a:ext uri="{FF2B5EF4-FFF2-40B4-BE49-F238E27FC236}">
+                <a16:creationId xmlns:a16="http://schemas.microsoft.com/office/drawing/2014/main" id="{7EF50B91-D58E-9A81-A773-68940FA3C5CF}"/>
+              </a:ext>
+            </a:extLst>
+          </p:cNvPr>
+          <p:cNvSpPr txBox="1"/>
+          <p:nvPr/>
+        </p:nvSpPr>
+        <p:spPr>
+          <a:xfrm>
+            <a:off x="5162827" y="1708684"/>
+            <a:ext cx="1239442" cy="230832"/>
           </a:xfrm>
           <a:prstGeom prst="rect">
             <a:avLst/>
@@ -3484,181 +6536,155 @@
           <a:lstStyle/>
           <a:p>
             <a:r>
-              <a:rPr lang="en-US" altLang="zh-CN" sz="1400" b="1" i="1" dirty="0">
-                <a:solidFill>
-                  <a:schemeClr val="accent1"/>
-                </a:solidFill>
-              </a:rPr>
-              <a:t>-</a:t>
-            </a:r>
-            <a:r>
-              <a:rPr lang="zh-CN" altLang="en-US" sz="1400" b="1" i="1" dirty="0">
-                <a:solidFill>
-                  <a:schemeClr val="accent1"/>
-                </a:solidFill>
-              </a:rPr>
+              <a:rPr lang="en-US" altLang="zh-CN" sz="900" i="1" dirty="0"/>
+              <a:t>Figure</a:t>
+            </a:r>
+            <a:r>
+              <a:rPr lang="zh-CN" altLang="en-US" sz="900" i="1" dirty="0"/>
               <a:t> </a:t>
             </a:r>
             <a:r>
-              <a:rPr lang="en-US" altLang="zh-CN" sz="1400" b="1" i="1" dirty="0">
-                <a:solidFill>
-                  <a:schemeClr val="accent1"/>
-                </a:solidFill>
-              </a:rPr>
-              <a:t>Non-Clifford</a:t>
-            </a:r>
-            <a:r>
-              <a:rPr lang="zh-CN" altLang="en-US" sz="1400" b="1" i="1" dirty="0"/>
+              <a:rPr lang="en-US" altLang="zh-CN" sz="900" i="1" dirty="0"/>
+              <a:t>from</a:t>
+            </a:r>
+            <a:r>
+              <a:rPr lang="zh-CN" altLang="en-US" sz="900" i="1" dirty="0"/>
               <a:t> </a:t>
             </a:r>
             <a:r>
-              <a:rPr lang="en-US" altLang="zh-CN" sz="1400" dirty="0"/>
-              <a:t>resource</a:t>
-            </a:r>
-            <a:r>
-              <a:rPr lang="zh-CN" altLang="en-US" sz="1400" dirty="0"/>
-              <a:t> </a:t>
-            </a:r>
-            <a:r>
-              <a:rPr lang="en-US" altLang="zh-CN" sz="1400" dirty="0"/>
-              <a:t>is</a:t>
-            </a:r>
-            <a:r>
-              <a:rPr lang="zh-CN" altLang="en-US" sz="1400" dirty="0"/>
-              <a:t> </a:t>
-            </a:r>
-            <a:r>
-              <a:rPr lang="en-US" altLang="zh-CN" sz="1400" dirty="0"/>
-              <a:t>necessary</a:t>
-            </a:r>
-            <a:r>
-              <a:rPr lang="zh-CN" altLang="en-US" sz="1400" dirty="0"/>
-              <a:t> </a:t>
-            </a:r>
-            <a:r>
-              <a:rPr lang="en-US" altLang="zh-CN" sz="1400" dirty="0"/>
-              <a:t>for</a:t>
-            </a:r>
-            <a:r>
-              <a:rPr lang="zh-CN" altLang="en-US" sz="1400" dirty="0"/>
-              <a:t> </a:t>
-            </a:r>
-            <a:r>
-              <a:rPr lang="en-US" altLang="zh-CN" sz="1400" b="1" i="1" dirty="0">
-                <a:solidFill>
-                  <a:schemeClr val="accent1"/>
-                </a:solidFill>
-              </a:rPr>
-              <a:t>quantum</a:t>
-            </a:r>
-            <a:r>
-              <a:rPr lang="zh-CN" altLang="en-US" sz="1400" b="1" i="1" dirty="0">
-                <a:solidFill>
-                  <a:schemeClr val="accent1"/>
-                </a:solidFill>
-              </a:rPr>
-              <a:t> </a:t>
-            </a:r>
-            <a:r>
-              <a:rPr lang="en-US" altLang="zh-CN" sz="1400" b="1" i="1" dirty="0">
-                <a:solidFill>
-                  <a:schemeClr val="accent1"/>
-                </a:solidFill>
-              </a:rPr>
-              <a:t>advantage</a:t>
-            </a:r>
-            <a:r>
-              <a:rPr lang="en-US" altLang="zh-CN" sz="1400" b="1" i="1" dirty="0"/>
-              <a:t>.</a:t>
-            </a:r>
-          </a:p>
-          <a:p>
-            <a:r>
-              <a:rPr lang="en-US" altLang="zh-CN" sz="1400" i="1" dirty="0"/>
-              <a:t>-</a:t>
-            </a:r>
-            <a:r>
-              <a:rPr lang="zh-CN" altLang="en-US" sz="1400" i="1" dirty="0"/>
-              <a:t> </a:t>
-            </a:r>
-            <a:r>
-              <a:rPr lang="en-US" altLang="zh-CN" sz="1400" i="1" dirty="0"/>
-              <a:t>MSD</a:t>
-            </a:r>
-            <a:r>
-              <a:rPr lang="zh-CN" altLang="en-US" sz="1400" i="1" dirty="0"/>
-              <a:t> </a:t>
-            </a:r>
-            <a:r>
-              <a:rPr lang="en-US" altLang="zh-CN" sz="1400" i="1" dirty="0"/>
-              <a:t>is</a:t>
-            </a:r>
-            <a:r>
-              <a:rPr lang="zh-CN" altLang="en-US" sz="1400" i="1" dirty="0"/>
-              <a:t> </a:t>
-            </a:r>
-            <a:r>
-              <a:rPr lang="en-US" altLang="zh-CN" sz="1400" i="1" dirty="0"/>
-              <a:t>needed</a:t>
-            </a:r>
-            <a:r>
-              <a:rPr lang="zh-CN" altLang="en-US" sz="1400" i="1" dirty="0"/>
-              <a:t> </a:t>
-            </a:r>
-            <a:r>
-              <a:rPr lang="en-US" altLang="zh-CN" sz="1400" i="1" dirty="0"/>
-              <a:t>to</a:t>
-            </a:r>
-            <a:r>
-              <a:rPr lang="zh-CN" altLang="en-US" sz="1400" i="1" dirty="0"/>
-              <a:t> </a:t>
-            </a:r>
-            <a:r>
-              <a:rPr lang="en-US" altLang="zh-CN" sz="1400" i="1" dirty="0"/>
-              <a:t>prepare</a:t>
-            </a:r>
-            <a:r>
-              <a:rPr lang="zh-CN" altLang="en-US" sz="1400" i="1" dirty="0"/>
-              <a:t> </a:t>
-            </a:r>
-            <a:r>
-              <a:rPr lang="en-US" altLang="zh-CN" sz="1400" i="1" dirty="0"/>
-              <a:t>high-fidelity</a:t>
-            </a:r>
-            <a:r>
-              <a:rPr lang="zh-CN" altLang="en-US" sz="1400" i="1" dirty="0"/>
-              <a:t> </a:t>
-            </a:r>
-            <a:r>
-              <a:rPr lang="en-US" altLang="zh-CN" sz="1400" b="1" i="1" dirty="0">
-                <a:solidFill>
-                  <a:schemeClr val="accent1"/>
-                </a:solidFill>
-              </a:rPr>
-              <a:t>non-Clifford</a:t>
-            </a:r>
-            <a:r>
-              <a:rPr lang="zh-CN" altLang="en-US" sz="1400" b="1" i="1" dirty="0"/>
-              <a:t> </a:t>
-            </a:r>
-            <a:r>
-              <a:rPr lang="en-US" altLang="zh-CN" sz="1400" dirty="0"/>
-              <a:t>resource.</a:t>
-            </a:r>
-            <a:r>
-              <a:rPr lang="zh-CN" altLang="en-US" sz="1400" dirty="0"/>
-              <a:t> </a:t>
-            </a:r>
-            <a:endParaRPr lang="en-CN" sz="1400" b="1" i="1" dirty="0"/>
+              <a:rPr lang="en-US" altLang="zh-CN" sz="900" i="1" dirty="0" err="1"/>
+              <a:t>Pennylane</a:t>
+            </a:r>
+            <a:endParaRPr lang="en-CN" sz="900" i="1" dirty="0"/>
           </a:p>
         </p:txBody>
       </p:sp>
+      <p:pic>
+        <p:nvPicPr>
+          <p:cNvPr id="76" name="Picture 75">
+            <a:extLst>
+              <a:ext uri="{FF2B5EF4-FFF2-40B4-BE49-F238E27FC236}">
+                <a16:creationId xmlns:a16="http://schemas.microsoft.com/office/drawing/2014/main" id="{7E1F5868-0012-5292-7377-C8FFB18C195C}"/>
+              </a:ext>
+            </a:extLst>
+          </p:cNvPr>
+          <p:cNvPicPr>
+            <a:picLocks noChangeAspect="1"/>
+          </p:cNvPicPr>
+          <p:nvPr/>
+        </p:nvPicPr>
+        <p:blipFill>
+          <a:blip r:embed="rId9"/>
+          <a:stretch>
+            <a:fillRect/>
+          </a:stretch>
+        </p:blipFill>
+        <p:spPr>
+          <a:xfrm>
+            <a:off x="3861556" y="8466000"/>
+            <a:ext cx="1440000" cy="1440000"/>
+          </a:xfrm>
+          <a:prstGeom prst="rect">
+            <a:avLst/>
+          </a:prstGeom>
+        </p:spPr>
+      </p:pic>
+      <p:pic>
+        <p:nvPicPr>
+          <p:cNvPr id="77" name="Picture 76">
+            <a:extLst>
+              <a:ext uri="{FF2B5EF4-FFF2-40B4-BE49-F238E27FC236}">
+                <a16:creationId xmlns:a16="http://schemas.microsoft.com/office/drawing/2014/main" id="{FD2B7BC4-5591-8AC2-6B2F-F030D3D5BD17}"/>
+              </a:ext>
+            </a:extLst>
+          </p:cNvPr>
+          <p:cNvPicPr>
+            <a:picLocks noChangeAspect="1"/>
+          </p:cNvPicPr>
+          <p:nvPr/>
+        </p:nvPicPr>
+        <p:blipFill>
+          <a:blip r:embed="rId10"/>
+          <a:stretch>
+            <a:fillRect/>
+          </a:stretch>
+        </p:blipFill>
+        <p:spPr>
+          <a:xfrm>
+            <a:off x="5139193" y="5404338"/>
+            <a:ext cx="1472845" cy="1221011"/>
+          </a:xfrm>
+          <a:prstGeom prst="rect">
+            <a:avLst/>
+          </a:prstGeom>
+        </p:spPr>
+      </p:pic>
+      <p:pic>
+        <p:nvPicPr>
+          <p:cNvPr id="78" name="Picture 77">
+            <a:extLst>
+              <a:ext uri="{FF2B5EF4-FFF2-40B4-BE49-F238E27FC236}">
+                <a16:creationId xmlns:a16="http://schemas.microsoft.com/office/drawing/2014/main" id="{F5CE5D65-4E3A-823F-16C3-10F50824EBC7}"/>
+              </a:ext>
+            </a:extLst>
+          </p:cNvPr>
+          <p:cNvPicPr>
+            <a:picLocks noChangeAspect="1"/>
+          </p:cNvPicPr>
+          <p:nvPr/>
+        </p:nvPicPr>
+        <p:blipFill>
+          <a:blip r:embed="rId11"/>
+          <a:stretch>
+            <a:fillRect/>
+          </a:stretch>
+        </p:blipFill>
+        <p:spPr>
+          <a:xfrm>
+            <a:off x="5301556" y="8466000"/>
+            <a:ext cx="1440000" cy="1440000"/>
+          </a:xfrm>
+          <a:prstGeom prst="rect">
+            <a:avLst/>
+          </a:prstGeom>
+        </p:spPr>
+      </p:pic>
+      <p:pic>
+        <p:nvPicPr>
+          <p:cNvPr id="79" name="Picture 78">
+            <a:extLst>
+              <a:ext uri="{FF2B5EF4-FFF2-40B4-BE49-F238E27FC236}">
+                <a16:creationId xmlns:a16="http://schemas.microsoft.com/office/drawing/2014/main" id="{BE56E606-60A5-1EE7-2F01-25805F3247EE}"/>
+              </a:ext>
+            </a:extLst>
+          </p:cNvPr>
+          <p:cNvPicPr>
+            <a:picLocks noChangeAspect="1"/>
+          </p:cNvPicPr>
+          <p:nvPr/>
+        </p:nvPicPr>
+        <p:blipFill>
+          <a:blip r:embed="rId12"/>
+          <a:stretch>
+            <a:fillRect/>
+          </a:stretch>
+        </p:blipFill>
+        <p:spPr>
+          <a:xfrm>
+            <a:off x="5154090" y="6812029"/>
+            <a:ext cx="1472400" cy="1220642"/>
+          </a:xfrm>
+          <a:prstGeom prst="rect">
+            <a:avLst/>
+          </a:prstGeom>
+        </p:spPr>
+      </p:pic>
       <p:sp>
         <p:nvSpPr>
-          <p:cNvPr id="7" name="TextBox 6">
+          <p:cNvPr id="80" name="TextBox 79">
             <a:extLst>
               <a:ext uri="{FF2B5EF4-FFF2-40B4-BE49-F238E27FC236}">
-                <a16:creationId xmlns:a16="http://schemas.microsoft.com/office/drawing/2014/main" id="{3D249181-21E3-C7E5-DD1D-6595BCEFF79F}"/>
+                <a16:creationId xmlns:a16="http://schemas.microsoft.com/office/drawing/2014/main" id="{1B922283-5194-295B-FFB9-DBB203207298}"/>
               </a:ext>
             </a:extLst>
           </p:cNvPr>
@@ -3667,8 +6693,8 @@
         </p:nvSpPr>
         <p:spPr>
           <a:xfrm>
-            <a:off x="7578695" y="485686"/>
-            <a:ext cx="1343253" cy="369332"/>
+            <a:off x="108038" y="8419952"/>
+            <a:ext cx="2313518" cy="284245"/>
           </a:xfrm>
           <a:prstGeom prst="rect">
             <a:avLst/>
@@ -3682,31 +6708,43 @@
           <a:lstStyle/>
           <a:p>
             <a:r>
-              <a:rPr lang="en-US" altLang="zh-CN" b="1" i="1" dirty="0"/>
-              <a:t>Why</a:t>
-            </a:r>
-            <a:r>
-              <a:rPr lang="zh-CN" altLang="en-US" b="1" i="1" dirty="0"/>
+              <a:rPr lang="en-CN" altLang="zh-CN" sz="1247" b="1" i="1" dirty="0"/>
+              <a:t>Visualization</a:t>
+            </a:r>
+            <a:r>
+              <a:rPr lang="zh-CN" altLang="en-US" sz="1247" b="1" i="1" dirty="0"/>
               <a:t> </a:t>
             </a:r>
             <a:r>
-              <a:rPr lang="en-US" altLang="zh-CN" b="1" i="1" dirty="0"/>
-              <a:t>MSD?</a:t>
-            </a:r>
-            <a:r>
-              <a:rPr lang="zh-CN" altLang="en-US" b="1" i="1" dirty="0"/>
-              <a:t>  </a:t>
-            </a:r>
-            <a:endParaRPr lang="en-CN" b="1" i="1" dirty="0"/>
+              <a:rPr lang="en-US" altLang="zh-CN" sz="1247" b="1" i="1" dirty="0"/>
+              <a:t>with</a:t>
+            </a:r>
+            <a:r>
+              <a:rPr lang="zh-CN" altLang="en-US" sz="1247" b="1" i="1" dirty="0"/>
+              <a:t> </a:t>
+            </a:r>
+            <a:r>
+              <a:rPr lang="en-US" altLang="zh-CN" sz="1247" b="1" i="1" dirty="0"/>
+              <a:t>flow</a:t>
+            </a:r>
+            <a:r>
+              <a:rPr lang="zh-CN" altLang="en-US" sz="1247" b="1" i="1" dirty="0"/>
+              <a:t> </a:t>
+            </a:r>
+            <a:r>
+              <a:rPr lang="en-US" altLang="zh-CN" sz="1247" b="1" i="1" dirty="0"/>
+              <a:t>diagram</a:t>
+            </a:r>
+            <a:endParaRPr lang="en-CN" sz="1247" b="1" i="1" dirty="0"/>
           </a:p>
         </p:txBody>
       </p:sp>
       <p:sp>
         <p:nvSpPr>
-          <p:cNvPr id="8" name="TextBox 7">
+          <p:cNvPr id="81" name="TextBox 80">
             <a:extLst>
               <a:ext uri="{FF2B5EF4-FFF2-40B4-BE49-F238E27FC236}">
-                <a16:creationId xmlns:a16="http://schemas.microsoft.com/office/drawing/2014/main" id="{6C8C2979-9F9F-F7E3-3B3C-F9A715F145DC}"/>
+                <a16:creationId xmlns:a16="http://schemas.microsoft.com/office/drawing/2014/main" id="{1427B066-DD2D-020F-9092-604F25250055}"/>
               </a:ext>
             </a:extLst>
           </p:cNvPr>
@@ -3715,8 +6753,8 @@
         </p:nvSpPr>
         <p:spPr>
           <a:xfrm>
-            <a:off x="5784078" y="855018"/>
-            <a:ext cx="4711033" cy="523220"/>
+            <a:off x="5095200" y="4255190"/>
+            <a:ext cx="1590179" cy="276999"/>
           </a:xfrm>
           <a:prstGeom prst="rect">
             <a:avLst/>
@@ -3730,175 +6768,872 @@
           <a:lstStyle/>
           <a:p>
             <a:r>
-              <a:rPr lang="en-US" altLang="zh-CN" sz="1400" b="1" i="1" dirty="0">
+              <a:rPr lang="en-US" altLang="zh-CN" sz="1200" dirty="0">
                 <a:solidFill>
-                  <a:schemeClr val="accent1"/>
+                  <a:srgbClr val="FF0000"/>
                 </a:solidFill>
               </a:rPr>
-              <a:t>-</a:t>
-            </a:r>
-            <a:r>
-              <a:rPr lang="zh-CN" altLang="en-US" sz="1400" b="1" i="1" dirty="0">
+              <a:t>513</a:t>
+            </a:r>
+            <a:r>
+              <a:rPr lang="zh-CN" altLang="en-US" sz="1200" dirty="0">
                 <a:solidFill>
-                  <a:schemeClr val="accent1"/>
+                  <a:srgbClr val="FF0000"/>
                 </a:solidFill>
               </a:rPr>
               <a:t> </a:t>
             </a:r>
             <a:r>
-              <a:rPr lang="en-US" altLang="zh-CN" sz="1400" b="1" i="1" dirty="0">
+              <a:rPr lang="en-US" altLang="zh-CN" sz="1200" dirty="0">
                 <a:solidFill>
-                  <a:schemeClr val="accent1"/>
+                  <a:srgbClr val="FF0000"/>
                 </a:solidFill>
               </a:rPr>
-              <a:t>Non-Clifford</a:t>
-            </a:r>
-            <a:r>
-              <a:rPr lang="zh-CN" altLang="en-US" sz="1400" b="1" i="1" dirty="0"/>
-              <a:t> </a:t>
-            </a:r>
-            <a:r>
-              <a:rPr lang="en-US" altLang="zh-CN" sz="1400" dirty="0"/>
-              <a:t>resource</a:t>
-            </a:r>
-            <a:r>
-              <a:rPr lang="zh-CN" altLang="en-US" sz="1400" dirty="0"/>
-              <a:t> </a:t>
-            </a:r>
-            <a:r>
-              <a:rPr lang="en-US" altLang="zh-CN" sz="1400" dirty="0"/>
-              <a:t>is</a:t>
-            </a:r>
-            <a:r>
-              <a:rPr lang="zh-CN" altLang="en-US" sz="1400" dirty="0"/>
-              <a:t> </a:t>
-            </a:r>
-            <a:r>
-              <a:rPr lang="en-US" altLang="zh-CN" sz="1400" dirty="0"/>
-              <a:t>necessary</a:t>
-            </a:r>
-            <a:r>
-              <a:rPr lang="zh-CN" altLang="en-US" sz="1400" dirty="0"/>
-              <a:t> </a:t>
-            </a:r>
-            <a:r>
-              <a:rPr lang="en-US" altLang="zh-CN" sz="1400" dirty="0"/>
-              <a:t>for</a:t>
-            </a:r>
-            <a:r>
-              <a:rPr lang="zh-CN" altLang="en-US" sz="1400" dirty="0"/>
-              <a:t> </a:t>
-            </a:r>
-            <a:r>
-              <a:rPr lang="en-US" altLang="zh-CN" sz="1400" b="1" i="1" dirty="0">
+              <a:t>Figure</a:t>
+            </a:r>
+            <a:r>
+              <a:rPr lang="zh-CN" altLang="en-US" sz="1200" dirty="0">
                 <a:solidFill>
-                  <a:schemeClr val="accent1"/>
-                </a:solidFill>
-              </a:rPr>
-              <a:t>quantum</a:t>
-            </a:r>
-            <a:r>
-              <a:rPr lang="zh-CN" altLang="en-US" sz="1400" b="1" i="1" dirty="0">
-                <a:solidFill>
-                  <a:schemeClr val="accent1"/>
+                  <a:srgbClr val="FF0000"/>
                 </a:solidFill>
               </a:rPr>
               <a:t> </a:t>
             </a:r>
             <a:r>
-              <a:rPr lang="en-US" altLang="zh-CN" sz="1400" b="1" i="1" dirty="0">
+              <a:rPr lang="en-US" altLang="zh-CN" sz="1200" dirty="0">
                 <a:solidFill>
-                  <a:schemeClr val="accent1"/>
+                  <a:srgbClr val="FF0000"/>
                 </a:solidFill>
               </a:rPr>
-              <a:t>advantage</a:t>
-            </a:r>
-            <a:r>
-              <a:rPr lang="en-US" altLang="zh-CN" sz="1400" b="1" i="1" dirty="0"/>
-              <a:t>.</a:t>
-            </a:r>
-          </a:p>
-          <a:p>
-            <a:r>
-              <a:rPr lang="en-US" altLang="zh-CN" sz="1400" i="1" dirty="0"/>
-              <a:t>-</a:t>
-            </a:r>
-            <a:r>
-              <a:rPr lang="zh-CN" altLang="en-US" sz="1400" i="1" dirty="0"/>
-              <a:t> </a:t>
-            </a:r>
-            <a:r>
-              <a:rPr lang="en-US" altLang="zh-CN" sz="1400" i="1" dirty="0"/>
-              <a:t>MSD</a:t>
-            </a:r>
-            <a:r>
-              <a:rPr lang="zh-CN" altLang="en-US" sz="1400" i="1" dirty="0"/>
-              <a:t> </a:t>
-            </a:r>
-            <a:r>
-              <a:rPr lang="en-US" altLang="zh-CN" sz="1400" i="1" dirty="0"/>
-              <a:t>is</a:t>
-            </a:r>
-            <a:r>
-              <a:rPr lang="zh-CN" altLang="en-US" sz="1400" i="1" dirty="0"/>
-              <a:t> </a:t>
-            </a:r>
-            <a:r>
-              <a:rPr lang="en-US" altLang="zh-CN" sz="1400" i="1" dirty="0"/>
-              <a:t>needed</a:t>
-            </a:r>
-            <a:r>
-              <a:rPr lang="zh-CN" altLang="en-US" sz="1400" i="1" dirty="0"/>
-              <a:t> </a:t>
-            </a:r>
-            <a:r>
-              <a:rPr lang="en-US" altLang="zh-CN" sz="1400" i="1" dirty="0"/>
               <a:t>to</a:t>
             </a:r>
             <a:r>
-              <a:rPr lang="zh-CN" altLang="en-US" sz="1400" i="1" dirty="0"/>
-              <a:t> </a:t>
-            </a:r>
-            <a:r>
-              <a:rPr lang="en-US" altLang="zh-CN" sz="1400" i="1" dirty="0"/>
-              <a:t>prepare</a:t>
-            </a:r>
-            <a:r>
-              <a:rPr lang="zh-CN" altLang="en-US" sz="1400" i="1" dirty="0"/>
-              <a:t> </a:t>
-            </a:r>
-            <a:r>
-              <a:rPr lang="en-US" altLang="zh-CN" sz="1400" i="1" dirty="0"/>
-              <a:t>high-fidelity</a:t>
-            </a:r>
-            <a:r>
-              <a:rPr lang="zh-CN" altLang="en-US" sz="1400" i="1" dirty="0"/>
-              <a:t> </a:t>
-            </a:r>
-            <a:r>
-              <a:rPr lang="en-US" altLang="zh-CN" sz="1400" b="1" i="1" dirty="0">
+              <a:rPr lang="zh-CN" altLang="en-US" sz="1200" dirty="0">
                 <a:solidFill>
-                  <a:schemeClr val="accent1"/>
+                  <a:srgbClr val="FF0000"/>
                 </a:solidFill>
               </a:rPr>
-              <a:t>non-Clifford</a:t>
-            </a:r>
-            <a:r>
-              <a:rPr lang="zh-CN" altLang="en-US" sz="1400" b="1" i="1" dirty="0"/>
               <a:t> </a:t>
             </a:r>
             <a:r>
-              <a:rPr lang="en-US" altLang="zh-CN" sz="1400" dirty="0"/>
-              <a:t>resource.</a:t>
-            </a:r>
-            <a:r>
-              <a:rPr lang="zh-CN" altLang="en-US" sz="1400" dirty="0"/>
+              <a:rPr lang="en-US" altLang="zh-CN" sz="1200" dirty="0">
+                <a:solidFill>
+                  <a:srgbClr val="FF0000"/>
+                </a:solidFill>
+              </a:rPr>
+              <a:t>be</a:t>
+            </a:r>
+            <a:r>
+              <a:rPr lang="zh-CN" altLang="en-US" sz="1200" dirty="0">
+                <a:solidFill>
+                  <a:srgbClr val="FF0000"/>
+                </a:solidFill>
+              </a:rPr>
               <a:t> </a:t>
             </a:r>
-            <a:endParaRPr lang="en-CN" sz="1400" b="1" i="1" dirty="0"/>
+            <a:r>
+              <a:rPr lang="en-US" altLang="zh-CN" sz="1200" dirty="0">
+                <a:solidFill>
+                  <a:srgbClr val="FF0000"/>
+                </a:solidFill>
+              </a:rPr>
+              <a:t>made</a:t>
+            </a:r>
+            <a:endParaRPr lang="en-CN" sz="1200" dirty="0">
+              <a:solidFill>
+                <a:srgbClr val="FF0000"/>
+              </a:solidFill>
+            </a:endParaRPr>
           </a:p>
         </p:txBody>
       </p:sp>
+      <mc:AlternateContent xmlns:mc="http://schemas.openxmlformats.org/markup-compatibility/2006">
+        <mc:Choice xmlns:a14="http://schemas.microsoft.com/office/drawing/2010/main" Requires="a14">
+          <p:sp>
+            <p:nvSpPr>
+              <p:cNvPr id="82" name="TextBox 81">
+                <a:extLst>
+                  <a:ext uri="{FF2B5EF4-FFF2-40B4-BE49-F238E27FC236}">
+                    <a16:creationId xmlns:a16="http://schemas.microsoft.com/office/drawing/2014/main" id="{EE3305B5-C011-3A1D-4F05-88013E6024AC}"/>
+                  </a:ext>
+                </a:extLst>
+              </p:cNvPr>
+              <p:cNvSpPr txBox="1"/>
+              <p:nvPr/>
+            </p:nvSpPr>
+            <p:spPr>
+              <a:xfrm>
+                <a:off x="-29817" y="8716095"/>
+                <a:ext cx="4083169" cy="939809"/>
+              </a:xfrm>
+              <a:prstGeom prst="rect">
+                <a:avLst/>
+              </a:prstGeom>
+              <a:noFill/>
+            </p:spPr>
+            <p:txBody>
+              <a:bodyPr wrap="none" rtlCol="0">
+                <a:spAutoFit/>
+              </a:bodyPr>
+              <a:lstStyle/>
+              <a:p>
+                <a:pPr marL="171443" indent="-171443">
+                  <a:buFontTx/>
+                  <a:buChar char="-"/>
+                </a:pPr>
+                <a:r>
+                  <a:rPr lang="en-US" altLang="zh-CN" sz="1101" dirty="0"/>
+                  <a:t>Single-qubit</a:t>
+                </a:r>
+                <a:r>
+                  <a:rPr lang="zh-CN" altLang="en-US" sz="1101" dirty="0"/>
+                  <a:t> </a:t>
+                </a:r>
+                <a:r>
+                  <a:rPr lang="en-US" altLang="zh-CN" sz="1101" dirty="0"/>
+                  <a:t>state:</a:t>
+                </a:r>
+                <a:r>
+                  <a:rPr lang="zh-CN" altLang="en-US" sz="1101" dirty="0"/>
+                  <a:t> </a:t>
+                </a:r>
+                <a14:m>
+                  <m:oMath xmlns:m="http://schemas.openxmlformats.org/officeDocument/2006/math">
+                    <m:sSub>
+                      <m:sSubPr>
+                        <m:ctrlPr>
+                          <a:rPr lang="en-US" altLang="zh-CN" sz="1101" b="0" i="1" smtClean="0">
+                            <a:latin typeface="Cambria Math" panose="02040503050406030204" pitchFamily="18" charset="0"/>
+                          </a:rPr>
+                        </m:ctrlPr>
+                      </m:sSubPr>
+                      <m:e>
+                        <m:r>
+                          <a:rPr lang="en-US" altLang="zh-CN" sz="1101" b="0" i="1" smtClean="0">
+                            <a:latin typeface="Cambria Math" panose="02040503050406030204" pitchFamily="18" charset="0"/>
+                          </a:rPr>
+                          <m:t>𝜌</m:t>
+                        </m:r>
+                      </m:e>
+                      <m:sub>
+                        <m:r>
+                          <a:rPr lang="en-US" altLang="zh-CN" sz="1101" b="0" i="1" smtClean="0">
+                            <a:latin typeface="Cambria Math" panose="02040503050406030204" pitchFamily="18" charset="0"/>
+                          </a:rPr>
+                          <m:t>𝑖</m:t>
+                        </m:r>
+                      </m:sub>
+                    </m:sSub>
+                    <m:d>
+                      <m:dPr>
+                        <m:ctrlPr>
+                          <a:rPr lang="en-US" altLang="zh-CN" sz="1101" b="0" i="1" smtClean="0">
+                            <a:latin typeface="Cambria Math" panose="02040503050406030204" pitchFamily="18" charset="0"/>
+                          </a:rPr>
+                        </m:ctrlPr>
+                      </m:dPr>
+                      <m:e>
+                        <m:r>
+                          <a:rPr lang="en-US" altLang="zh-CN" sz="1101" b="0" i="1" smtClean="0">
+                            <a:latin typeface="Cambria Math" panose="02040503050406030204" pitchFamily="18" charset="0"/>
+                          </a:rPr>
+                          <m:t>𝑥</m:t>
+                        </m:r>
+                        <m:r>
+                          <a:rPr lang="en-US" altLang="zh-CN" sz="1101" b="0" i="1" smtClean="0">
+                            <a:latin typeface="Cambria Math" panose="02040503050406030204" pitchFamily="18" charset="0"/>
+                          </a:rPr>
+                          <m:t>,</m:t>
+                        </m:r>
+                        <m:r>
+                          <a:rPr lang="en-US" altLang="zh-CN" sz="1101" b="0" i="1" smtClean="0">
+                            <a:latin typeface="Cambria Math" panose="02040503050406030204" pitchFamily="18" charset="0"/>
+                          </a:rPr>
+                          <m:t>𝑦</m:t>
+                        </m:r>
+                        <m:r>
+                          <a:rPr lang="en-US" altLang="zh-CN" sz="1101" b="0" i="1" smtClean="0">
+                            <a:latin typeface="Cambria Math" panose="02040503050406030204" pitchFamily="18" charset="0"/>
+                          </a:rPr>
+                          <m:t>,</m:t>
+                        </m:r>
+                        <m:r>
+                          <a:rPr lang="en-US" altLang="zh-CN" sz="1101" b="0" i="1" smtClean="0">
+                            <a:latin typeface="Cambria Math" panose="02040503050406030204" pitchFamily="18" charset="0"/>
+                          </a:rPr>
+                          <m:t>𝑧</m:t>
+                        </m:r>
+                      </m:e>
+                    </m:d>
+                    <m:r>
+                      <a:rPr lang="en-US" altLang="zh-CN" sz="1101" b="0" i="1" smtClean="0">
+                        <a:latin typeface="Cambria Math" panose="02040503050406030204" pitchFamily="18" charset="0"/>
+                      </a:rPr>
+                      <m:t>=</m:t>
+                    </m:r>
+                    <m:d>
+                      <m:dPr>
+                        <m:ctrlPr>
+                          <a:rPr lang="en-US" altLang="zh-CN" sz="1101" b="0" i="1" smtClean="0">
+                            <a:latin typeface="Cambria Math" panose="02040503050406030204" pitchFamily="18" charset="0"/>
+                          </a:rPr>
+                        </m:ctrlPr>
+                      </m:dPr>
+                      <m:e>
+                        <m:r>
+                          <a:rPr lang="en-US" altLang="zh-CN" sz="1101" b="0" i="1" smtClean="0">
+                            <a:latin typeface="Cambria Math" panose="02040503050406030204" pitchFamily="18" charset="0"/>
+                          </a:rPr>
+                          <m:t>𝐼</m:t>
+                        </m:r>
+                        <m:r>
+                          <a:rPr lang="en-US" altLang="zh-CN" sz="1101" b="0" i="1" smtClean="0">
+                            <a:latin typeface="Cambria Math" panose="02040503050406030204" pitchFamily="18" charset="0"/>
+                          </a:rPr>
+                          <m:t>+</m:t>
+                        </m:r>
+                        <m:r>
+                          <a:rPr lang="en-US" altLang="zh-CN" sz="1101" b="0" i="1" smtClean="0">
+                            <a:latin typeface="Cambria Math" panose="02040503050406030204" pitchFamily="18" charset="0"/>
+                          </a:rPr>
+                          <m:t>𝑥𝑋</m:t>
+                        </m:r>
+                        <m:r>
+                          <a:rPr lang="en-US" altLang="zh-CN" sz="1101" b="0" i="1" smtClean="0">
+                            <a:latin typeface="Cambria Math" panose="02040503050406030204" pitchFamily="18" charset="0"/>
+                          </a:rPr>
+                          <m:t>+</m:t>
+                        </m:r>
+                        <m:r>
+                          <a:rPr lang="en-US" altLang="zh-CN" sz="1101" b="0" i="1" smtClean="0">
+                            <a:latin typeface="Cambria Math" panose="02040503050406030204" pitchFamily="18" charset="0"/>
+                          </a:rPr>
+                          <m:t>𝑦𝑌</m:t>
+                        </m:r>
+                        <m:r>
+                          <a:rPr lang="en-US" altLang="zh-CN" sz="1101" b="0" i="1" smtClean="0">
+                            <a:latin typeface="Cambria Math" panose="02040503050406030204" pitchFamily="18" charset="0"/>
+                          </a:rPr>
+                          <m:t>+</m:t>
+                        </m:r>
+                        <m:r>
+                          <a:rPr lang="en-US" altLang="zh-CN" sz="1101" b="0" i="1" smtClean="0">
+                            <a:latin typeface="Cambria Math" panose="02040503050406030204" pitchFamily="18" charset="0"/>
+                          </a:rPr>
+                          <m:t>𝑧𝑍</m:t>
+                        </m:r>
+                      </m:e>
+                    </m:d>
+                    <m:r>
+                      <a:rPr lang="en-US" altLang="zh-CN" sz="1101" b="0" i="1" smtClean="0">
+                        <a:latin typeface="Cambria Math" panose="02040503050406030204" pitchFamily="18" charset="0"/>
+                      </a:rPr>
+                      <m:t>/2</m:t>
+                    </m:r>
+                  </m:oMath>
+                </a14:m>
+                <a:endParaRPr lang="en-US" altLang="zh-CN" sz="1101" dirty="0"/>
+              </a:p>
+              <a:p>
+                <a:pPr marL="171443" indent="-171443">
+                  <a:buFontTx/>
+                  <a:buChar char="-"/>
+                </a:pPr>
+                <a:r>
+                  <a:rPr lang="en-US" altLang="zh-CN" sz="1101" dirty="0"/>
+                  <a:t>Assume</a:t>
+                </a:r>
+                <a:r>
+                  <a:rPr lang="zh-CN" altLang="en-US" sz="1101" dirty="0"/>
+                  <a:t> </a:t>
+                </a:r>
+                <a:r>
+                  <a:rPr lang="en-US" altLang="zh-CN" sz="1101" dirty="0"/>
+                  <a:t>homogenous</a:t>
+                </a:r>
+                <a:r>
+                  <a:rPr lang="zh-CN" altLang="en-US" sz="1101" dirty="0"/>
+                  <a:t> </a:t>
+                </a:r>
+                <a:r>
+                  <a:rPr lang="en-US" altLang="zh-CN" sz="1101" dirty="0"/>
+                  <a:t>input</a:t>
+                </a:r>
+                <a:r>
+                  <a:rPr lang="zh-CN" altLang="en-US" sz="1101" dirty="0"/>
+                  <a:t> </a:t>
+                </a:r>
+                <a:r>
+                  <a:rPr lang="en-US" altLang="zh-CN" sz="1101" dirty="0"/>
+                  <a:t>state:</a:t>
+                </a:r>
+                <a:r>
+                  <a:rPr lang="zh-CN" altLang="en-US" sz="1101" dirty="0"/>
+                  <a:t> </a:t>
+                </a:r>
+                <a14:m>
+                  <m:oMath xmlns:m="http://schemas.openxmlformats.org/officeDocument/2006/math">
+                    <m:sSub>
+                      <m:sSubPr>
+                        <m:ctrlPr>
+                          <a:rPr lang="en-US" altLang="zh-CN" sz="1101" b="0" i="1" smtClean="0">
+                            <a:latin typeface="Cambria Math" panose="02040503050406030204" pitchFamily="18" charset="0"/>
+                          </a:rPr>
+                        </m:ctrlPr>
+                      </m:sSubPr>
+                      <m:e>
+                        <m:r>
+                          <a:rPr lang="en-US" altLang="zh-CN" sz="1101" b="0" i="1" smtClean="0">
+                            <a:latin typeface="Cambria Math" panose="02040503050406030204" pitchFamily="18" charset="0"/>
+                          </a:rPr>
+                          <m:t>𝜌</m:t>
+                        </m:r>
+                      </m:e>
+                      <m:sub>
+                        <m:r>
+                          <a:rPr lang="en-US" altLang="zh-CN" sz="1101" b="0" i="1" smtClean="0">
+                            <a:latin typeface="Cambria Math" panose="02040503050406030204" pitchFamily="18" charset="0"/>
+                          </a:rPr>
+                          <m:t>𝑖𝑛</m:t>
+                        </m:r>
+                      </m:sub>
+                    </m:sSub>
+                    <m:d>
+                      <m:dPr>
+                        <m:ctrlPr>
+                          <a:rPr lang="en-US" altLang="zh-CN" sz="1101" b="0" i="1" smtClean="0">
+                            <a:latin typeface="Cambria Math" panose="02040503050406030204" pitchFamily="18" charset="0"/>
+                          </a:rPr>
+                        </m:ctrlPr>
+                      </m:dPr>
+                      <m:e>
+                        <m:r>
+                          <a:rPr lang="en-US" altLang="zh-CN" sz="1101" b="0" i="1" smtClean="0">
+                            <a:latin typeface="Cambria Math" panose="02040503050406030204" pitchFamily="18" charset="0"/>
+                          </a:rPr>
+                          <m:t>𝑥</m:t>
+                        </m:r>
+                        <m:r>
+                          <a:rPr lang="en-US" altLang="zh-CN" sz="1101" b="0" i="1" smtClean="0">
+                            <a:latin typeface="Cambria Math" panose="02040503050406030204" pitchFamily="18" charset="0"/>
+                          </a:rPr>
+                          <m:t>,</m:t>
+                        </m:r>
+                        <m:r>
+                          <a:rPr lang="en-US" altLang="zh-CN" sz="1101" b="0" i="1" smtClean="0">
+                            <a:latin typeface="Cambria Math" panose="02040503050406030204" pitchFamily="18" charset="0"/>
+                          </a:rPr>
+                          <m:t>𝑦</m:t>
+                        </m:r>
+                        <m:r>
+                          <a:rPr lang="en-US" altLang="zh-CN" sz="1101" b="0" i="1" smtClean="0">
+                            <a:latin typeface="Cambria Math" panose="02040503050406030204" pitchFamily="18" charset="0"/>
+                          </a:rPr>
+                          <m:t>,</m:t>
+                        </m:r>
+                        <m:r>
+                          <a:rPr lang="en-US" altLang="zh-CN" sz="1101" b="0" i="1" smtClean="0">
+                            <a:latin typeface="Cambria Math" panose="02040503050406030204" pitchFamily="18" charset="0"/>
+                          </a:rPr>
+                          <m:t>𝑧</m:t>
+                        </m:r>
+                      </m:e>
+                    </m:d>
+                    <m:r>
+                      <a:rPr lang="en-US" altLang="zh-CN" sz="1101" b="0" i="1" smtClean="0">
+                        <a:latin typeface="Cambria Math" panose="02040503050406030204" pitchFamily="18" charset="0"/>
+                      </a:rPr>
+                      <m:t>=</m:t>
+                    </m:r>
+                    <m:sSubSup>
+                      <m:sSubSupPr>
+                        <m:ctrlPr>
+                          <a:rPr lang="en-US" altLang="zh-CN" sz="1101" b="0" i="1" smtClean="0">
+                            <a:latin typeface="Cambria Math" panose="02040503050406030204" pitchFamily="18" charset="0"/>
+                          </a:rPr>
+                        </m:ctrlPr>
+                      </m:sSubSupPr>
+                      <m:e>
+                        <m:r>
+                          <a:rPr lang="en-US" altLang="zh-CN" sz="1101" b="0" i="1" smtClean="0">
+                            <a:latin typeface="Cambria Math" panose="02040503050406030204" pitchFamily="18" charset="0"/>
+                          </a:rPr>
+                          <m:t>𝜌</m:t>
+                        </m:r>
+                      </m:e>
+                      <m:sub>
+                        <m:r>
+                          <a:rPr lang="en-US" altLang="zh-CN" sz="1101" b="0" i="1" smtClean="0">
+                            <a:latin typeface="Cambria Math" panose="02040503050406030204" pitchFamily="18" charset="0"/>
+                          </a:rPr>
+                          <m:t>𝑖</m:t>
+                        </m:r>
+                      </m:sub>
+                      <m:sup>
+                        <m:r>
+                          <a:rPr lang="en-US" altLang="zh-CN" sz="1101" b="0" i="1" smtClean="0">
+                            <a:latin typeface="Cambria Math" panose="02040503050406030204" pitchFamily="18" charset="0"/>
+                          </a:rPr>
+                          <m:t>𝑛</m:t>
+                        </m:r>
+                      </m:sup>
+                    </m:sSubSup>
+                    <m:r>
+                      <a:rPr lang="en-US" altLang="zh-CN" sz="1101" b="0" i="1" smtClean="0">
+                        <a:latin typeface="Cambria Math" panose="02040503050406030204" pitchFamily="18" charset="0"/>
+                      </a:rPr>
+                      <m:t>=</m:t>
+                    </m:r>
+                    <m:sSub>
+                      <m:sSubPr>
+                        <m:ctrlPr>
+                          <a:rPr lang="en-US" altLang="zh-CN" sz="1101" b="0" i="1" smtClean="0">
+                            <a:latin typeface="Cambria Math" panose="02040503050406030204" pitchFamily="18" charset="0"/>
+                          </a:rPr>
+                        </m:ctrlPr>
+                      </m:sSubPr>
+                      <m:e>
+                        <m:r>
+                          <a:rPr lang="en-US" altLang="zh-CN" sz="1101" b="0" i="1" smtClean="0">
+                            <a:latin typeface="Cambria Math" panose="02040503050406030204" pitchFamily="18" charset="0"/>
+                          </a:rPr>
+                          <m:t>𝜌</m:t>
+                        </m:r>
+                      </m:e>
+                      <m:sub>
+                        <m:r>
+                          <m:rPr>
+                            <m:sty m:val="p"/>
+                          </m:rPr>
+                          <a:rPr lang="en-US" altLang="zh-CN" sz="1101" i="1">
+                            <a:latin typeface="Cambria Math" panose="02040503050406030204" pitchFamily="18" charset="0"/>
+                          </a:rPr>
+                          <m:t>i</m:t>
+                        </m:r>
+                      </m:sub>
+                    </m:sSub>
+                  </m:oMath>
+                </a14:m>
+                <a:endParaRPr lang="en-US" altLang="zh-CN" sz="1101" dirty="0"/>
+              </a:p>
+              <a:p>
+                <a:pPr marL="171443" indent="-171443">
+                  <a:buFontTx/>
+                  <a:buChar char="-"/>
+                </a:pPr>
+                <a:r>
+                  <a:rPr lang="en-US" altLang="zh-CN" sz="1101" dirty="0"/>
+                  <a:t>Map</a:t>
+                </a:r>
+                <a:r>
+                  <a:rPr lang="zh-CN" altLang="en-US" sz="1101" dirty="0"/>
+                  <a:t> </a:t>
+                </a:r>
+                <a:r>
+                  <a:rPr lang="en-US" altLang="zh-CN" sz="1101" dirty="0"/>
+                  <a:t>MSD</a:t>
+                </a:r>
+                <a:r>
+                  <a:rPr lang="zh-CN" altLang="en-US" sz="1101" dirty="0"/>
+                  <a:t> </a:t>
+                </a:r>
+                <a:r>
+                  <a:rPr lang="en-US" altLang="zh-CN" sz="1101" dirty="0"/>
+                  <a:t>protocols</a:t>
+                </a:r>
+                <a:r>
+                  <a:rPr lang="zh-CN" altLang="en-US" sz="1101" dirty="0"/>
+                  <a:t> </a:t>
+                </a:r>
+                <a:r>
+                  <a:rPr lang="en-US" altLang="zh-CN" sz="1101" dirty="0"/>
+                  <a:t>to</a:t>
+                </a:r>
+                <a:r>
+                  <a:rPr lang="zh-CN" altLang="en-US" sz="1101" dirty="0"/>
+                  <a:t> </a:t>
+                </a:r>
+                <a:r>
+                  <a:rPr lang="en-US" altLang="zh-CN" sz="1101" dirty="0"/>
+                  <a:t>dynamic</a:t>
+                </a:r>
+                <a:r>
+                  <a:rPr lang="zh-CN" altLang="en-US" sz="1101" dirty="0"/>
+                  <a:t> </a:t>
+                </a:r>
+                <a:r>
+                  <a:rPr lang="en-US" altLang="zh-CN" sz="1101" dirty="0"/>
+                  <a:t>systems.</a:t>
+                </a:r>
+                <a:r>
+                  <a:rPr lang="zh-CN" altLang="en-US" sz="1101" dirty="0"/>
+                  <a:t> </a:t>
+                </a:r>
+                <a:r>
+                  <a:rPr lang="en-US" altLang="zh-CN" sz="1101" dirty="0"/>
+                  <a:t>See</a:t>
+                </a:r>
+                <a:r>
+                  <a:rPr lang="zh-CN" altLang="en-US" sz="1101" dirty="0"/>
+                  <a:t> </a:t>
+                </a:r>
+                <a:r>
+                  <a:rPr lang="en-US" altLang="zh-CN" sz="1101" dirty="0"/>
+                  <a:t>ref</a:t>
+                </a:r>
+                <a:r>
+                  <a:rPr lang="zh-CN" altLang="en-US" sz="1101" dirty="0"/>
+                  <a:t> </a:t>
+                </a:r>
+                <a:r>
+                  <a:rPr lang="en-US" altLang="zh-CN" sz="1101" dirty="0" err="1"/>
+                  <a:t>arxiv</a:t>
+                </a:r>
+                <a:r>
+                  <a:rPr lang="en-US" altLang="zh-CN" sz="1101" dirty="0"/>
+                  <a:t>:</a:t>
+                </a:r>
+                <a:r>
+                  <a:rPr lang="zh-CN" altLang="en-US" sz="1101" dirty="0"/>
+                  <a:t> </a:t>
+                </a:r>
+                <a:r>
+                  <a:rPr lang="en-US" altLang="zh-CN" sz="1101" dirty="0" err="1"/>
+                  <a:t>xxxx:xxxxx</a:t>
+                </a:r>
+                <a:endParaRPr lang="en-US" altLang="zh-CN" sz="1101" dirty="0"/>
+              </a:p>
+              <a:p>
+                <a:pPr marL="171443" indent="-171443">
+                  <a:buFontTx/>
+                  <a:buChar char="-"/>
+                </a:pPr>
+                <a:endParaRPr lang="en-US" altLang="zh-CN" sz="1101" dirty="0"/>
+              </a:p>
+              <a:p>
+                <a:pPr marL="171443" indent="-171443">
+                  <a:buFontTx/>
+                  <a:buChar char="-"/>
+                </a:pPr>
+                <a:endParaRPr lang="en-US" altLang="zh-CN" sz="1101" dirty="0"/>
+              </a:p>
+            </p:txBody>
+          </p:sp>
+        </mc:Choice>
+        <mc:Fallback>
+          <p:sp>
+            <p:nvSpPr>
+              <p:cNvPr id="82" name="TextBox 81">
+                <a:extLst>
+                  <a:ext uri="{FF2B5EF4-FFF2-40B4-BE49-F238E27FC236}">
+                    <a16:creationId xmlns:a16="http://schemas.microsoft.com/office/drawing/2014/main" id="{EE3305B5-C011-3A1D-4F05-88013E6024AC}"/>
+                  </a:ext>
+                </a:extLst>
+              </p:cNvPr>
+              <p:cNvSpPr txBox="1">
+                <a:spLocks noRot="1" noChangeAspect="1" noMove="1" noResize="1" noEditPoints="1" noAdjustHandles="1" noChangeArrowheads="1" noChangeShapeType="1" noTextEdit="1"/>
+              </p:cNvSpPr>
+              <p:nvPr/>
+            </p:nvSpPr>
+            <p:spPr>
+              <a:xfrm>
+                <a:off x="-29817" y="8716095"/>
+                <a:ext cx="4083169" cy="939809"/>
+              </a:xfrm>
+              <a:prstGeom prst="rect">
+                <a:avLst/>
+              </a:prstGeom>
+              <a:blipFill>
+                <a:blip r:embed="rId13"/>
+                <a:stretch>
+                  <a:fillRect/>
+                </a:stretch>
+              </a:blipFill>
+            </p:spPr>
+            <p:txBody>
+              <a:bodyPr/>
+              <a:lstStyle/>
+              <a:p>
+                <a:r>
+                  <a:rPr lang="en-CN">
+                    <a:noFill/>
+                  </a:rPr>
+                  <a:t> </a:t>
+                </a:r>
+              </a:p>
+            </p:txBody>
+          </p:sp>
+        </mc:Fallback>
+      </mc:AlternateContent>
+      <mc:AlternateContent xmlns:mc="http://schemas.openxmlformats.org/markup-compatibility/2006">
+        <mc:Choice xmlns:a14="http://schemas.microsoft.com/office/drawing/2010/main" Requires="a14">
+          <p:sp>
+            <p:nvSpPr>
+              <p:cNvPr id="85" name="TextBox 84">
+                <a:extLst>
+                  <a:ext uri="{FF2B5EF4-FFF2-40B4-BE49-F238E27FC236}">
+                    <a16:creationId xmlns:a16="http://schemas.microsoft.com/office/drawing/2014/main" id="{0DE39484-4DDA-81AF-9130-EA0D41BB0013}"/>
+                  </a:ext>
+                </a:extLst>
+              </p:cNvPr>
+              <p:cNvSpPr txBox="1"/>
+              <p:nvPr/>
+            </p:nvSpPr>
+            <p:spPr>
+              <a:xfrm>
+                <a:off x="-1437" y="7160101"/>
+                <a:ext cx="4969630" cy="614977"/>
+              </a:xfrm>
+              <a:prstGeom prst="rect">
+                <a:avLst/>
+              </a:prstGeom>
+              <a:noFill/>
+            </p:spPr>
+            <p:txBody>
+              <a:bodyPr wrap="none" rtlCol="0">
+                <a:spAutoFit/>
+              </a:bodyPr>
+              <a:lstStyle/>
+              <a:p>
+                <a:pPr marL="171443" indent="-171443">
+                  <a:buFontTx/>
+                  <a:buChar char="-"/>
+                </a:pPr>
+                <a:r>
+                  <a:rPr lang="en-US" altLang="zh-CN" sz="1101" dirty="0"/>
+                  <a:t>Smallest</a:t>
+                </a:r>
+                <a:r>
+                  <a:rPr lang="zh-CN" altLang="en-US" sz="1101" dirty="0"/>
+                  <a:t> </a:t>
+                </a:r>
+                <a:r>
+                  <a:rPr lang="en-US" altLang="zh-CN" sz="1101" dirty="0"/>
+                  <a:t>quantum</a:t>
+                </a:r>
+                <a:r>
+                  <a:rPr lang="zh-CN" altLang="en-US" sz="1101" dirty="0"/>
+                  <a:t> </a:t>
+                </a:r>
+                <a:r>
+                  <a:rPr lang="en-US" altLang="zh-CN" sz="1101" dirty="0"/>
+                  <a:t>Reed-Muller</a:t>
+                </a:r>
+                <a:r>
+                  <a:rPr lang="zh-CN" altLang="en-US" sz="1101" dirty="0"/>
+                  <a:t> </a:t>
+                </a:r>
+                <a:r>
+                  <a:rPr lang="en-US" altLang="zh-CN" sz="1101" dirty="0"/>
+                  <a:t>code;</a:t>
+                </a:r>
+                <a:r>
+                  <a:rPr lang="zh-CN" altLang="en-US" sz="1101" dirty="0"/>
+                  <a:t> </a:t>
+                </a:r>
+                <a:r>
+                  <a:rPr lang="en-US" altLang="zh-CN" sz="1101" dirty="0"/>
+                  <a:t>Smallest</a:t>
+                </a:r>
+                <a:r>
+                  <a:rPr lang="zh-CN" altLang="en-US" sz="1101" dirty="0"/>
+                  <a:t> </a:t>
+                </a:r>
+                <a:r>
+                  <a:rPr lang="en-US" altLang="zh-CN" sz="1101" dirty="0"/>
+                  <a:t>QEC</a:t>
+                </a:r>
+                <a:r>
+                  <a:rPr lang="zh-CN" altLang="en-US" sz="1101" dirty="0"/>
+                  <a:t> </a:t>
+                </a:r>
+                <a:r>
+                  <a:rPr lang="en-US" altLang="zh-CN" sz="1101" dirty="0"/>
+                  <a:t>codes</a:t>
+                </a:r>
+                <a:r>
+                  <a:rPr lang="zh-CN" altLang="en-US" sz="1101" dirty="0"/>
+                  <a:t> </a:t>
+                </a:r>
+                <a:r>
+                  <a:rPr lang="en-US" altLang="zh-CN" sz="1101" dirty="0"/>
+                  <a:t>with</a:t>
+                </a:r>
+                <a:r>
+                  <a:rPr lang="zh-CN" altLang="en-US" sz="1101" dirty="0"/>
+                  <a:t> </a:t>
+                </a:r>
+                <a:r>
+                  <a:rPr lang="en-US" altLang="zh-CN" sz="1101" dirty="0"/>
+                  <a:t>transversal</a:t>
+                </a:r>
+                <a:r>
+                  <a:rPr lang="zh-CN" altLang="en-US" sz="1101" dirty="0"/>
+                  <a:t> </a:t>
+                </a:r>
+                <a:r>
+                  <a:rPr lang="en-US" altLang="zh-CN" sz="1101" dirty="0"/>
+                  <a:t>T</a:t>
+                </a:r>
+                <a:r>
+                  <a:rPr lang="zh-CN" altLang="en-US" sz="1101" dirty="0"/>
+                  <a:t> </a:t>
+                </a:r>
+                <a:r>
+                  <a:rPr lang="en-US" altLang="zh-CN" sz="1101" dirty="0"/>
+                  <a:t>gate</a:t>
+                </a:r>
+              </a:p>
+              <a:p>
+                <a:pPr marL="171443" indent="-171443">
+                  <a:buFontTx/>
+                  <a:buChar char="-"/>
+                </a:pPr>
+                <a:r>
+                  <a:rPr lang="en-US" altLang="zh-CN" sz="1101" dirty="0"/>
+                  <a:t>Cubic</a:t>
+                </a:r>
+                <a:r>
+                  <a:rPr lang="zh-CN" altLang="en-US" sz="1101" dirty="0"/>
+                  <a:t> </a:t>
+                </a:r>
+                <a:r>
+                  <a:rPr lang="en-US" altLang="zh-CN" sz="1101" dirty="0"/>
+                  <a:t>efficiency:</a:t>
+                </a:r>
+                <a:r>
+                  <a:rPr lang="zh-CN" altLang="en-US" sz="1101" dirty="0"/>
+                  <a:t> </a:t>
+                </a:r>
+                <a14:m>
+                  <m:oMath xmlns:m="http://schemas.openxmlformats.org/officeDocument/2006/math">
+                    <m:sSup>
+                      <m:sSupPr>
+                        <m:ctrlPr>
+                          <a:rPr lang="en-US" altLang="zh-CN" sz="1101" i="1" smtClean="0">
+                            <a:latin typeface="Cambria Math" panose="02040503050406030204" pitchFamily="18" charset="0"/>
+                          </a:rPr>
+                        </m:ctrlPr>
+                      </m:sSupPr>
+                      <m:e>
+                        <m:r>
+                          <a:rPr lang="en-US" altLang="zh-CN" sz="1101" b="0" i="1" smtClean="0">
+                            <a:latin typeface="Cambria Math" panose="02040503050406030204" pitchFamily="18" charset="0"/>
+                          </a:rPr>
+                          <m:t>𝜖</m:t>
+                        </m:r>
+                      </m:e>
+                      <m:sup>
+                        <m:r>
+                          <a:rPr lang="en-US" altLang="zh-CN" sz="1101" b="0" i="1" smtClean="0">
+                            <a:latin typeface="Cambria Math" panose="02040503050406030204" pitchFamily="18" charset="0"/>
+                          </a:rPr>
+                          <m:t>′</m:t>
+                        </m:r>
+                      </m:sup>
+                    </m:sSup>
+                    <m:r>
+                      <a:rPr lang="en-US" altLang="zh-CN" sz="1101" b="0" i="1" smtClean="0">
+                        <a:latin typeface="Cambria Math" panose="02040503050406030204" pitchFamily="18" charset="0"/>
+                      </a:rPr>
+                      <m:t>=</m:t>
+                    </m:r>
+                    <m:r>
+                      <a:rPr lang="en-US" altLang="zh-CN" sz="1101" i="1" smtClean="0">
+                        <a:latin typeface="Cambria Math" panose="02040503050406030204" pitchFamily="18" charset="0"/>
+                      </a:rPr>
+                      <m:t>3</m:t>
+                    </m:r>
+                    <m:r>
+                      <a:rPr lang="en-US" altLang="zh-CN" sz="1101" b="0" i="1" smtClean="0">
+                        <a:latin typeface="Cambria Math" panose="02040503050406030204" pitchFamily="18" charset="0"/>
+                      </a:rPr>
+                      <m:t>5</m:t>
+                    </m:r>
+                    <m:sSup>
+                      <m:sSupPr>
+                        <m:ctrlPr>
+                          <a:rPr lang="en-US" altLang="zh-CN" sz="1101" b="0" i="1" smtClean="0">
+                            <a:latin typeface="Cambria Math" panose="02040503050406030204" pitchFamily="18" charset="0"/>
+                          </a:rPr>
+                        </m:ctrlPr>
+                      </m:sSupPr>
+                      <m:e>
+                        <m:r>
+                          <a:rPr lang="en-US" altLang="zh-CN" sz="1101" b="0" i="1" smtClean="0">
+                            <a:latin typeface="Cambria Math" panose="02040503050406030204" pitchFamily="18" charset="0"/>
+                          </a:rPr>
+                          <m:t>𝜖</m:t>
+                        </m:r>
+                      </m:e>
+                      <m:sup>
+                        <m:r>
+                          <a:rPr lang="en-US" altLang="zh-CN" sz="1101" b="0" i="1" smtClean="0">
+                            <a:latin typeface="Cambria Math" panose="02040503050406030204" pitchFamily="18" charset="0"/>
+                          </a:rPr>
+                          <m:t>3</m:t>
+                        </m:r>
+                      </m:sup>
+                    </m:sSup>
+                  </m:oMath>
+                </a14:m>
+                <a:endParaRPr lang="en-CN" sz="1101" i="1" dirty="0"/>
+              </a:p>
+              <a:p>
+                <a:pPr marL="171443" indent="-171443">
+                  <a:buFontTx/>
+                  <a:buChar char="-"/>
+                </a:pPr>
+                <a:endParaRPr lang="en-CN" sz="1101" dirty="0"/>
+              </a:p>
+            </p:txBody>
+          </p:sp>
+        </mc:Choice>
+        <mc:Fallback>
+          <p:sp>
+            <p:nvSpPr>
+              <p:cNvPr id="85" name="TextBox 84">
+                <a:extLst>
+                  <a:ext uri="{FF2B5EF4-FFF2-40B4-BE49-F238E27FC236}">
+                    <a16:creationId xmlns:a16="http://schemas.microsoft.com/office/drawing/2014/main" id="{0DE39484-4DDA-81AF-9130-EA0D41BB0013}"/>
+                  </a:ext>
+                </a:extLst>
+              </p:cNvPr>
+              <p:cNvSpPr txBox="1">
+                <a:spLocks noRot="1" noChangeAspect="1" noMove="1" noResize="1" noEditPoints="1" noAdjustHandles="1" noChangeArrowheads="1" noChangeShapeType="1" noTextEdit="1"/>
+              </p:cNvSpPr>
+              <p:nvPr/>
+            </p:nvSpPr>
+            <p:spPr>
+              <a:xfrm>
+                <a:off x="-1437" y="7160101"/>
+                <a:ext cx="4969630" cy="614977"/>
+              </a:xfrm>
+              <a:prstGeom prst="rect">
+                <a:avLst/>
+              </a:prstGeom>
+              <a:blipFill>
+                <a:blip r:embed="rId14"/>
+                <a:stretch>
+                  <a:fillRect/>
+                </a:stretch>
+              </a:blipFill>
+            </p:spPr>
+            <p:txBody>
+              <a:bodyPr/>
+              <a:lstStyle/>
+              <a:p>
+                <a:r>
+                  <a:rPr lang="en-CN">
+                    <a:noFill/>
+                  </a:rPr>
+                  <a:t> </a:t>
+                </a:r>
+              </a:p>
+            </p:txBody>
+          </p:sp>
+        </mc:Fallback>
+      </mc:AlternateContent>
     </p:spTree>
     <p:extLst>
       <p:ext uri="{BB962C8B-B14F-4D97-AF65-F5344CB8AC3E}">
@@ -3913,6 +7648,267 @@
 </file>
 
 <file path=ppt/theme/theme1.xml><?xml version="1.0" encoding="utf-8"?>
+<a:theme xmlns:a="http://schemas.openxmlformats.org/drawingml/2006/main" name="Office Theme">
+  <a:themeElements>
+    <a:clrScheme name="Office Theme">
+      <a:dk1>
+        <a:sysClr val="windowText" lastClr="000000"/>
+      </a:dk1>
+      <a:lt1>
+        <a:sysClr val="window" lastClr="FFFFFF"/>
+      </a:lt1>
+      <a:dk2>
+        <a:srgbClr val="44546A"/>
+      </a:dk2>
+      <a:lt2>
+        <a:srgbClr val="E7E6E6"/>
+      </a:lt2>
+      <a:accent1>
+        <a:srgbClr val="4472C4"/>
+      </a:accent1>
+      <a:accent2>
+        <a:srgbClr val="ED7D31"/>
+      </a:accent2>
+      <a:accent3>
+        <a:srgbClr val="A5A5A5"/>
+      </a:accent3>
+      <a:accent4>
+        <a:srgbClr val="FFC000"/>
+      </a:accent4>
+      <a:accent5>
+        <a:srgbClr val="5B9BD5"/>
+      </a:accent5>
+      <a:accent6>
+        <a:srgbClr val="70AD47"/>
+      </a:accent6>
+      <a:hlink>
+        <a:srgbClr val="0563C1"/>
+      </a:hlink>
+      <a:folHlink>
+        <a:srgbClr val="954F72"/>
+      </a:folHlink>
+    </a:clrScheme>
+    <a:fontScheme name="Office Theme">
+      <a:majorFont>
+        <a:latin typeface="Calibri Light" panose="020F0302020204030204"/>
+        <a:ea typeface=""/>
+        <a:cs typeface=""/>
+        <a:font script="Jpan" typeface="游ゴシック Light"/>
+        <a:font script="Hang" typeface="맑은 고딕"/>
+        <a:font script="Hans" typeface="等线 Light"/>
+        <a:font script="Hant" typeface="新細明體"/>
+        <a:font script="Arab" typeface="Times New Roman"/>
+        <a:font script="Hebr" typeface="Times New Roman"/>
+        <a:font script="Thai" typeface="Angsana New"/>
+        <a:font script="Ethi" typeface="Nyala"/>
+        <a:font script="Beng" typeface="Vrinda"/>
+        <a:font script="Gujr" typeface="Shruti"/>
+        <a:font script="Khmr" typeface="MoolBoran"/>
+        <a:font script="Knda" typeface="Tunga"/>
+        <a:font script="Guru" typeface="Raavi"/>
+        <a:font script="Cans" typeface="Euphemia"/>
+        <a:font script="Cher" typeface="Plantagenet Cherokee"/>
+        <a:font script="Yiii" typeface="Microsoft Yi Baiti"/>
+        <a:font script="Tibt" typeface="Microsoft Himalaya"/>
+        <a:font script="Thaa" typeface="MV Boli"/>
+        <a:font script="Deva" typeface="Mangal"/>
+        <a:font script="Telu" typeface="Gautami"/>
+        <a:font script="Taml" typeface="Latha"/>
+        <a:font script="Syrc" typeface="Estrangelo Edessa"/>
+        <a:font script="Orya" typeface="Kalinga"/>
+        <a:font script="Mlym" typeface="Kartika"/>
+        <a:font script="Laoo" typeface="DokChampa"/>
+        <a:font script="Sinh" typeface="Iskoola Pota"/>
+        <a:font script="Mong" typeface="Mongolian Baiti"/>
+        <a:font script="Viet" typeface="Times New Roman"/>
+        <a:font script="Uigh" typeface="Microsoft Uighur"/>
+        <a:font script="Geor" typeface="Sylfaen"/>
+      </a:majorFont>
+      <a:minorFont>
+        <a:latin typeface="Calibri" panose="020F0502020204030204"/>
+        <a:ea typeface=""/>
+        <a:cs typeface=""/>
+        <a:font script="Jpan" typeface="游ゴシック"/>
+        <a:font script="Hang" typeface="맑은 고딕"/>
+        <a:font script="Hans" typeface="等线"/>
+        <a:font script="Hant" typeface="新細明體"/>
+        <a:font script="Arab" typeface="Arial"/>
+        <a:font script="Hebr" typeface="Arial"/>
+        <a:font script="Thai" typeface="Cordia New"/>
+        <a:font script="Ethi" typeface="Nyala"/>
+        <a:font script="Beng" typeface="Vrinda"/>
+        <a:font script="Gujr" typeface="Shruti"/>
+        <a:font script="Khmr" typeface="DaunPenh"/>
+        <a:font script="Knda" typeface="Tunga"/>
+        <a:font script="Guru" typeface="Raavi"/>
+        <a:font script="Cans" typeface="Euphemia"/>
+        <a:font script="Cher" typeface="Plantagenet Cherokee"/>
+        <a:font script="Yiii" typeface="Microsoft Yi Baiti"/>
+        <a:font script="Tibt" typeface="Microsoft Himalaya"/>
+        <a:font script="Thaa" typeface="MV Boli"/>
+        <a:font script="Deva" typeface="Mangal"/>
+        <a:font script="Telu" typeface="Gautami"/>
+        <a:font script="Taml" typeface="Latha"/>
+        <a:font script="Syrc" typeface="Estrangelo Edessa"/>
+        <a:font script="Orya" typeface="Kalinga"/>
+        <a:font script="Mlym" typeface="Kartika"/>
+        <a:font script="Laoo" typeface="DokChampa"/>
+        <a:font script="Sinh" typeface="Iskoola Pota"/>
+        <a:font script="Mong" typeface="Mongolian Baiti"/>
+        <a:font script="Viet" typeface="Arial"/>
+        <a:font script="Uigh" typeface="Microsoft Uighur"/>
+        <a:font script="Geor" typeface="Sylfaen"/>
+      </a:minorFont>
+    </a:fontScheme>
+    <a:fmtScheme name="Office Theme">
+      <a:fillStyleLst>
+        <a:solidFill>
+          <a:schemeClr val="phClr"/>
+        </a:solidFill>
+        <a:gradFill rotWithShape="1">
+          <a:gsLst>
+            <a:gs pos="0">
+              <a:schemeClr val="phClr">
+                <a:lumMod val="110000"/>
+                <a:satMod val="105000"/>
+                <a:tint val="67000"/>
+              </a:schemeClr>
+            </a:gs>
+            <a:gs pos="50000">
+              <a:schemeClr val="phClr">
+                <a:lumMod val="105000"/>
+                <a:satMod val="103000"/>
+                <a:tint val="73000"/>
+              </a:schemeClr>
+            </a:gs>
+            <a:gs pos="100000">
+              <a:schemeClr val="phClr">
+                <a:lumMod val="105000"/>
+                <a:satMod val="109000"/>
+                <a:tint val="81000"/>
+              </a:schemeClr>
+            </a:gs>
+          </a:gsLst>
+          <a:lin ang="5400000" scaled="0"/>
+        </a:gradFill>
+        <a:gradFill rotWithShape="1">
+          <a:gsLst>
+            <a:gs pos="0">
+              <a:schemeClr val="phClr">
+                <a:satMod val="103000"/>
+                <a:lumMod val="102000"/>
+                <a:tint val="94000"/>
+              </a:schemeClr>
+            </a:gs>
+            <a:gs pos="50000">
+              <a:schemeClr val="phClr">
+                <a:satMod val="110000"/>
+                <a:lumMod val="100000"/>
+                <a:shade val="100000"/>
+              </a:schemeClr>
+            </a:gs>
+            <a:gs pos="100000">
+              <a:schemeClr val="phClr">
+                <a:lumMod val="99000"/>
+                <a:satMod val="120000"/>
+                <a:shade val="78000"/>
+              </a:schemeClr>
+            </a:gs>
+          </a:gsLst>
+          <a:lin ang="5400000" scaled="0"/>
+        </a:gradFill>
+      </a:fillStyleLst>
+      <a:lnStyleLst>
+        <a:ln w="6350" cap="flat" cmpd="sng" algn="ctr">
+          <a:solidFill>
+            <a:schemeClr val="phClr"/>
+          </a:solidFill>
+          <a:prstDash val="solid"/>
+          <a:miter lim="800000"/>
+        </a:ln>
+        <a:ln w="12700" cap="flat" cmpd="sng" algn="ctr">
+          <a:solidFill>
+            <a:schemeClr val="phClr"/>
+          </a:solidFill>
+          <a:prstDash val="solid"/>
+          <a:miter lim="800000"/>
+        </a:ln>
+        <a:ln w="19050" cap="flat" cmpd="sng" algn="ctr">
+          <a:solidFill>
+            <a:schemeClr val="phClr"/>
+          </a:solidFill>
+          <a:prstDash val="solid"/>
+          <a:miter lim="800000"/>
+        </a:ln>
+      </a:lnStyleLst>
+      <a:effectStyleLst>
+        <a:effectStyle>
+          <a:effectLst/>
+        </a:effectStyle>
+        <a:effectStyle>
+          <a:effectLst/>
+        </a:effectStyle>
+        <a:effectStyle>
+          <a:effectLst>
+            <a:outerShdw blurRad="57150" dist="19050" dir="5400000" algn="ctr" rotWithShape="0">
+              <a:srgbClr val="000000">
+                <a:alpha val="63000"/>
+              </a:srgbClr>
+            </a:outerShdw>
+          </a:effectLst>
+        </a:effectStyle>
+      </a:effectStyleLst>
+      <a:bgFillStyleLst>
+        <a:solidFill>
+          <a:schemeClr val="phClr"/>
+        </a:solidFill>
+        <a:solidFill>
+          <a:schemeClr val="phClr">
+            <a:tint val="95000"/>
+            <a:satMod val="170000"/>
+          </a:schemeClr>
+        </a:solidFill>
+        <a:gradFill rotWithShape="1">
+          <a:gsLst>
+            <a:gs pos="0">
+              <a:schemeClr val="phClr">
+                <a:tint val="93000"/>
+                <a:satMod val="150000"/>
+                <a:shade val="98000"/>
+                <a:lumMod val="102000"/>
+              </a:schemeClr>
+            </a:gs>
+            <a:gs pos="50000">
+              <a:schemeClr val="phClr">
+                <a:tint val="98000"/>
+                <a:satMod val="130000"/>
+                <a:shade val="90000"/>
+                <a:lumMod val="103000"/>
+              </a:schemeClr>
+            </a:gs>
+            <a:gs pos="100000">
+              <a:schemeClr val="phClr">
+                <a:shade val="63000"/>
+                <a:satMod val="120000"/>
+              </a:schemeClr>
+            </a:gs>
+          </a:gsLst>
+          <a:lin ang="5400000" scaled="0"/>
+        </a:gradFill>
+      </a:bgFillStyleLst>
+    </a:fmtScheme>
+  </a:themeElements>
+  <a:objectDefaults/>
+  <a:extraClrSchemeLst/>
+  <a:extLst>
+    <a:ext uri="{05A4C25C-085E-4340-85A3-A5531E510DB2}">
+      <thm15:themeFamily xmlns:thm15="http://schemas.microsoft.com/office/thememl/2012/main" name="Office Theme" id="{62F939B6-93AF-4DB8-9C6B-D6C7DFDC589F}" vid="{4A3C46E8-61CC-4603-A589-7422A47A8E4A}"/>
+    </a:ext>
+  </a:extLst>
+</a:theme>
+</file>
+
+<file path=ppt/theme/theme2.xml><?xml version="1.0" encoding="utf-8"?>
 <a:theme xmlns:a="http://schemas.openxmlformats.org/drawingml/2006/main" name="Office Theme">
   <a:themeElements>
     <a:clrScheme name="Office">
